--- a/ppt/市场预报技术.pptx
+++ b/ppt/市场预报技术.pptx
@@ -3,12 +3,14 @@
 <p:presentation xmlns:a="http://schemas.openxmlformats.org/drawingml/2006/main" xmlns:r="http://schemas.openxmlformats.org/officeDocument/2006/relationships" xmlns:p="http://schemas.openxmlformats.org/presentationml/2006/main" saveSubsetFonts="1">
   <p:sldMasterIdLst>
     <p:sldMasterId id="2147483648" r:id="rId1"/>
+    <p:sldMasterId id="2147483660" r:id="rId2"/>
   </p:sldMasterIdLst>
   <p:sldIdLst>
-    <p:sldId id="258" r:id="rId2"/>
-    <p:sldId id="259" r:id="rId3"/>
-    <p:sldId id="257" r:id="rId4"/>
-    <p:sldId id="256" r:id="rId5"/>
+    <p:sldId id="261" r:id="rId3"/>
+    <p:sldId id="259" r:id="rId4"/>
+    <p:sldId id="257" r:id="rId5"/>
+    <p:sldId id="256" r:id="rId6"/>
+    <p:sldId id="260" r:id="rId7"/>
   </p:sldIdLst>
   <p:sldSz cx="9144000" cy="6858000" type="screen4x3"/>
   <p:notesSz cx="6858000" cy="9144000"/>
@@ -291,7 +293,7 @@
           <a:p>
             <a:fld id="{530820CF-B880-4189-942D-D702A7CBA730}" type="datetimeFigureOut">
               <a:rPr lang="zh-CN" altLang="en-US" smtClean="0"/>
-              <a:t>2016/7/9</a:t>
+              <a:t>2016/7/10</a:t>
             </a:fld>
             <a:endParaRPr lang="zh-CN" altLang="en-US"/>
           </a:p>
@@ -456,7 +458,7 @@
           <a:p>
             <a:fld id="{530820CF-B880-4189-942D-D702A7CBA730}" type="datetimeFigureOut">
               <a:rPr lang="zh-CN" altLang="en-US" smtClean="0"/>
-              <a:t>2016/7/9</a:t>
+              <a:t>2016/7/10</a:t>
             </a:fld>
             <a:endParaRPr lang="zh-CN" altLang="en-US"/>
           </a:p>
@@ -631,7 +633,7 @@
           <a:p>
             <a:fld id="{530820CF-B880-4189-942D-D702A7CBA730}" type="datetimeFigureOut">
               <a:rPr lang="zh-CN" altLang="en-US" smtClean="0"/>
-              <a:t>2016/7/9</a:t>
+              <a:t>2016/7/10</a:t>
             </a:fld>
             <a:endParaRPr lang="zh-CN" altLang="en-US"/>
           </a:p>
@@ -687,7 +689,249 @@
 </p:sldLayout>
 </file>
 
-<file path=ppt/slideLayouts/slideLayout2.xml><?xml version="1.0" encoding="utf-8"?>
+<file path=ppt/slideLayouts/slideLayout12.xml><?xml version="1.0" encoding="utf-8"?>
+<p:sldLayout xmlns:a="http://schemas.openxmlformats.org/drawingml/2006/main" xmlns:r="http://schemas.openxmlformats.org/officeDocument/2006/relationships" xmlns:p="http://schemas.openxmlformats.org/presentationml/2006/main" type="title" preserve="1">
+  <p:cSld name="标题幻灯片">
+    <p:spTree>
+      <p:nvGrpSpPr>
+        <p:cNvPr id="1" name=""/>
+        <p:cNvGrpSpPr/>
+        <p:nvPr/>
+      </p:nvGrpSpPr>
+      <p:grpSpPr>
+        <a:xfrm>
+          <a:off x="0" y="0"/>
+          <a:ext cx="0" cy="0"/>
+          <a:chOff x="0" y="0"/>
+          <a:chExt cx="0" cy="0"/>
+        </a:xfrm>
+      </p:grpSpPr>
+      <p:sp>
+        <p:nvSpPr>
+          <p:cNvPr id="2" name="标题 1"/>
+          <p:cNvSpPr>
+            <a:spLocks noGrp="1"/>
+          </p:cNvSpPr>
+          <p:nvPr>
+            <p:ph type="ctrTitle"/>
+          </p:nvPr>
+        </p:nvSpPr>
+        <p:spPr>
+          <a:xfrm>
+            <a:off x="685800" y="2130425"/>
+            <a:ext cx="7772400" cy="1470025"/>
+          </a:xfrm>
+        </p:spPr>
+        <p:txBody>
+          <a:bodyPr/>
+          <a:lstStyle/>
+          <a:p>
+            <a:r>
+              <a:rPr lang="zh-CN" altLang="en-US" smtClean="0"/>
+              <a:t>单击此处编辑母版标题样式</a:t>
+            </a:r>
+            <a:endParaRPr lang="zh-CN" altLang="en-US"/>
+          </a:p>
+        </p:txBody>
+      </p:sp>
+      <p:sp>
+        <p:nvSpPr>
+          <p:cNvPr id="3" name="副标题 2"/>
+          <p:cNvSpPr>
+            <a:spLocks noGrp="1"/>
+          </p:cNvSpPr>
+          <p:nvPr>
+            <p:ph type="subTitle" idx="1"/>
+          </p:nvPr>
+        </p:nvSpPr>
+        <p:spPr>
+          <a:xfrm>
+            <a:off x="1371600" y="3886200"/>
+            <a:ext cx="6400800" cy="1752600"/>
+          </a:xfrm>
+        </p:spPr>
+        <p:txBody>
+          <a:bodyPr/>
+          <a:lstStyle>
+            <a:lvl1pPr marL="0" indent="0" algn="ctr">
+              <a:buNone/>
+              <a:defRPr>
+                <a:solidFill>
+                  <a:schemeClr val="tx1">
+                    <a:tint val="75000"/>
+                  </a:schemeClr>
+                </a:solidFill>
+              </a:defRPr>
+            </a:lvl1pPr>
+            <a:lvl2pPr marL="457200" indent="0" algn="ctr">
+              <a:buNone/>
+              <a:defRPr>
+                <a:solidFill>
+                  <a:schemeClr val="tx1">
+                    <a:tint val="75000"/>
+                  </a:schemeClr>
+                </a:solidFill>
+              </a:defRPr>
+            </a:lvl2pPr>
+            <a:lvl3pPr marL="914400" indent="0" algn="ctr">
+              <a:buNone/>
+              <a:defRPr>
+                <a:solidFill>
+                  <a:schemeClr val="tx1">
+                    <a:tint val="75000"/>
+                  </a:schemeClr>
+                </a:solidFill>
+              </a:defRPr>
+            </a:lvl3pPr>
+            <a:lvl4pPr marL="1371600" indent="0" algn="ctr">
+              <a:buNone/>
+              <a:defRPr>
+                <a:solidFill>
+                  <a:schemeClr val="tx1">
+                    <a:tint val="75000"/>
+                  </a:schemeClr>
+                </a:solidFill>
+              </a:defRPr>
+            </a:lvl4pPr>
+            <a:lvl5pPr marL="1828800" indent="0" algn="ctr">
+              <a:buNone/>
+              <a:defRPr>
+                <a:solidFill>
+                  <a:schemeClr val="tx1">
+                    <a:tint val="75000"/>
+                  </a:schemeClr>
+                </a:solidFill>
+              </a:defRPr>
+            </a:lvl5pPr>
+            <a:lvl6pPr marL="2286000" indent="0" algn="ctr">
+              <a:buNone/>
+              <a:defRPr>
+                <a:solidFill>
+                  <a:schemeClr val="tx1">
+                    <a:tint val="75000"/>
+                  </a:schemeClr>
+                </a:solidFill>
+              </a:defRPr>
+            </a:lvl6pPr>
+            <a:lvl7pPr marL="2743200" indent="0" algn="ctr">
+              <a:buNone/>
+              <a:defRPr>
+                <a:solidFill>
+                  <a:schemeClr val="tx1">
+                    <a:tint val="75000"/>
+                  </a:schemeClr>
+                </a:solidFill>
+              </a:defRPr>
+            </a:lvl7pPr>
+            <a:lvl8pPr marL="3200400" indent="0" algn="ctr">
+              <a:buNone/>
+              <a:defRPr>
+                <a:solidFill>
+                  <a:schemeClr val="tx1">
+                    <a:tint val="75000"/>
+                  </a:schemeClr>
+                </a:solidFill>
+              </a:defRPr>
+            </a:lvl8pPr>
+            <a:lvl9pPr marL="3657600" indent="0" algn="ctr">
+              <a:buNone/>
+              <a:defRPr>
+                <a:solidFill>
+                  <a:schemeClr val="tx1">
+                    <a:tint val="75000"/>
+                  </a:schemeClr>
+                </a:solidFill>
+              </a:defRPr>
+            </a:lvl9pPr>
+          </a:lstStyle>
+          <a:p>
+            <a:r>
+              <a:rPr lang="zh-CN" altLang="en-US" smtClean="0"/>
+              <a:t>单击此处编辑母版副标题样式</a:t>
+            </a:r>
+            <a:endParaRPr lang="zh-CN" altLang="en-US"/>
+          </a:p>
+        </p:txBody>
+      </p:sp>
+      <p:sp>
+        <p:nvSpPr>
+          <p:cNvPr id="4" name="日期占位符 3"/>
+          <p:cNvSpPr>
+            <a:spLocks noGrp="1"/>
+          </p:cNvSpPr>
+          <p:nvPr>
+            <p:ph type="dt" sz="half" idx="10"/>
+          </p:nvPr>
+        </p:nvSpPr>
+        <p:spPr/>
+        <p:txBody>
+          <a:bodyPr/>
+          <a:lstStyle/>
+          <a:p>
+            <a:fld id="{92E80180-1FF1-407D-8A1B-28608D4363D7}" type="datetimeFigureOut">
+              <a:rPr lang="zh-CN" altLang="en-US" smtClean="0"/>
+              <a:t>2016/7/10</a:t>
+            </a:fld>
+            <a:endParaRPr lang="zh-CN" altLang="en-US"/>
+          </a:p>
+        </p:txBody>
+      </p:sp>
+      <p:sp>
+        <p:nvSpPr>
+          <p:cNvPr id="5" name="页脚占位符 4"/>
+          <p:cNvSpPr>
+            <a:spLocks noGrp="1"/>
+          </p:cNvSpPr>
+          <p:nvPr>
+            <p:ph type="ftr" sz="quarter" idx="11"/>
+          </p:nvPr>
+        </p:nvSpPr>
+        <p:spPr/>
+        <p:txBody>
+          <a:bodyPr/>
+          <a:lstStyle/>
+          <a:p>
+            <a:endParaRPr lang="zh-CN" altLang="en-US"/>
+          </a:p>
+        </p:txBody>
+      </p:sp>
+      <p:sp>
+        <p:nvSpPr>
+          <p:cNvPr id="6" name="灯片编号占位符 5"/>
+          <p:cNvSpPr>
+            <a:spLocks noGrp="1"/>
+          </p:cNvSpPr>
+          <p:nvPr>
+            <p:ph type="sldNum" sz="quarter" idx="12"/>
+          </p:nvPr>
+        </p:nvSpPr>
+        <p:spPr/>
+        <p:txBody>
+          <a:bodyPr/>
+          <a:lstStyle/>
+          <a:p>
+            <a:fld id="{4CCEE2F3-4D6D-4E47-B399-BD226C82323D}" type="slidenum">
+              <a:rPr lang="zh-CN" altLang="en-US" smtClean="0"/>
+              <a:t>‹#›</a:t>
+            </a:fld>
+            <a:endParaRPr lang="zh-CN" altLang="en-US"/>
+          </a:p>
+        </p:txBody>
+      </p:sp>
+    </p:spTree>
+    <p:extLst>
+      <p:ext uri="{BB962C8B-B14F-4D97-AF65-F5344CB8AC3E}">
+        <p14:creationId xmlns:p14="http://schemas.microsoft.com/office/powerpoint/2010/main" val="1311603890"/>
+      </p:ext>
+    </p:extLst>
+  </p:cSld>
+  <p:clrMapOvr>
+    <a:masterClrMapping/>
+  </p:clrMapOvr>
+</p:sldLayout>
+</file>
+
+<file path=ppt/slideLayouts/slideLayout13.xml><?xml version="1.0" encoding="utf-8"?>
 <p:sldLayout xmlns:a="http://schemas.openxmlformats.org/drawingml/2006/main" xmlns:r="http://schemas.openxmlformats.org/officeDocument/2006/relationships" xmlns:p="http://schemas.openxmlformats.org/presentationml/2006/main" type="obj" preserve="1">
   <p:cSld name="标题和内容">
     <p:spTree>
@@ -794,9 +1038,9 @@
           <a:bodyPr/>
           <a:lstStyle/>
           <a:p>
-            <a:fld id="{530820CF-B880-4189-942D-D702A7CBA730}" type="datetimeFigureOut">
-              <a:rPr lang="zh-CN" altLang="en-US" smtClean="0"/>
-              <a:t>2016/7/9</a:t>
+            <a:fld id="{92E80180-1FF1-407D-8A1B-28608D4363D7}" type="datetimeFigureOut">
+              <a:rPr lang="zh-CN" altLang="en-US" smtClean="0"/>
+              <a:t>2016/7/10</a:t>
             </a:fld>
             <a:endParaRPr lang="zh-CN" altLang="en-US"/>
           </a:p>
@@ -836,7 +1080,7 @@
           <a:bodyPr/>
           <a:lstStyle/>
           <a:p>
-            <a:fld id="{0C913308-F349-4B6D-A68A-DD1791B4A57B}" type="slidenum">
+            <a:fld id="{4CCEE2F3-4D6D-4E47-B399-BD226C82323D}" type="slidenum">
               <a:rPr lang="zh-CN" altLang="en-US" smtClean="0"/>
               <a:t>‹#›</a:t>
             </a:fld>
@@ -845,6 +1089,11 @@
         </p:txBody>
       </p:sp>
     </p:spTree>
+    <p:extLst>
+      <p:ext uri="{BB962C8B-B14F-4D97-AF65-F5344CB8AC3E}">
+        <p14:creationId xmlns:p14="http://schemas.microsoft.com/office/powerpoint/2010/main" val="556132188"/>
+      </p:ext>
+    </p:extLst>
   </p:cSld>
   <p:clrMapOvr>
     <a:masterClrMapping/>
@@ -852,7 +1101,7 @@
 </p:sldLayout>
 </file>
 
-<file path=ppt/slideLayouts/slideLayout3.xml><?xml version="1.0" encoding="utf-8"?>
+<file path=ppt/slideLayouts/slideLayout14.xml><?xml version="1.0" encoding="utf-8"?>
 <p:sldLayout xmlns:a="http://schemas.openxmlformats.org/drawingml/2006/main" xmlns:r="http://schemas.openxmlformats.org/officeDocument/2006/relationships" xmlns:p="http://schemas.openxmlformats.org/presentationml/2006/main" type="secHead" preserve="1">
   <p:cSld name="节标题">
     <p:spTree>
@@ -1035,9 +1284,9 @@
           <a:bodyPr/>
           <a:lstStyle/>
           <a:p>
-            <a:fld id="{530820CF-B880-4189-942D-D702A7CBA730}" type="datetimeFigureOut">
-              <a:rPr lang="zh-CN" altLang="en-US" smtClean="0"/>
-              <a:t>2016/7/9</a:t>
+            <a:fld id="{92E80180-1FF1-407D-8A1B-28608D4363D7}" type="datetimeFigureOut">
+              <a:rPr lang="zh-CN" altLang="en-US" smtClean="0"/>
+              <a:t>2016/7/10</a:t>
             </a:fld>
             <a:endParaRPr lang="zh-CN" altLang="en-US"/>
           </a:p>
@@ -1077,7 +1326,7 @@
           <a:bodyPr/>
           <a:lstStyle/>
           <a:p>
-            <a:fld id="{0C913308-F349-4B6D-A68A-DD1791B4A57B}" type="slidenum">
+            <a:fld id="{4CCEE2F3-4D6D-4E47-B399-BD226C82323D}" type="slidenum">
               <a:rPr lang="zh-CN" altLang="en-US" smtClean="0"/>
               <a:t>‹#›</a:t>
             </a:fld>
@@ -1086,6 +1335,11 @@
         </p:txBody>
       </p:sp>
     </p:spTree>
+    <p:extLst>
+      <p:ext uri="{BB962C8B-B14F-4D97-AF65-F5344CB8AC3E}">
+        <p14:creationId xmlns:p14="http://schemas.microsoft.com/office/powerpoint/2010/main" val="1893747526"/>
+      </p:ext>
+    </p:extLst>
   </p:cSld>
   <p:clrMapOvr>
     <a:masterClrMapping/>
@@ -1093,7 +1347,7 @@
 </p:sldLayout>
 </file>
 
-<file path=ppt/slideLayouts/slideLayout4.xml><?xml version="1.0" encoding="utf-8"?>
+<file path=ppt/slideLayouts/slideLayout15.xml><?xml version="1.0" encoding="utf-8"?>
 <p:sldLayout xmlns:a="http://schemas.openxmlformats.org/drawingml/2006/main" xmlns:r="http://schemas.openxmlformats.org/officeDocument/2006/relationships" xmlns:p="http://schemas.openxmlformats.org/presentationml/2006/main" type="twoObj" preserve="1">
   <p:cSld name="两栏内容">
     <p:spTree>
@@ -1318,9 +1572,9 @@
           <a:bodyPr/>
           <a:lstStyle/>
           <a:p>
-            <a:fld id="{530820CF-B880-4189-942D-D702A7CBA730}" type="datetimeFigureOut">
-              <a:rPr lang="zh-CN" altLang="en-US" smtClean="0"/>
-              <a:t>2016/7/9</a:t>
+            <a:fld id="{92E80180-1FF1-407D-8A1B-28608D4363D7}" type="datetimeFigureOut">
+              <a:rPr lang="zh-CN" altLang="en-US" smtClean="0"/>
+              <a:t>2016/7/10</a:t>
             </a:fld>
             <a:endParaRPr lang="zh-CN" altLang="en-US"/>
           </a:p>
@@ -1360,7 +1614,7 @@
           <a:bodyPr/>
           <a:lstStyle/>
           <a:p>
-            <a:fld id="{0C913308-F349-4B6D-A68A-DD1791B4A57B}" type="slidenum">
+            <a:fld id="{4CCEE2F3-4D6D-4E47-B399-BD226C82323D}" type="slidenum">
               <a:rPr lang="zh-CN" altLang="en-US" smtClean="0"/>
               <a:t>‹#›</a:t>
             </a:fld>
@@ -1369,6 +1623,11 @@
         </p:txBody>
       </p:sp>
     </p:spTree>
+    <p:extLst>
+      <p:ext uri="{BB962C8B-B14F-4D97-AF65-F5344CB8AC3E}">
+        <p14:creationId xmlns:p14="http://schemas.microsoft.com/office/powerpoint/2010/main" val="2915214648"/>
+      </p:ext>
+    </p:extLst>
   </p:cSld>
   <p:clrMapOvr>
     <a:masterClrMapping/>
@@ -1376,7 +1635,7 @@
 </p:sldLayout>
 </file>
 
-<file path=ppt/slideLayouts/slideLayout5.xml><?xml version="1.0" encoding="utf-8"?>
+<file path=ppt/slideLayouts/slideLayout16.xml><?xml version="1.0" encoding="utf-8"?>
 <p:sldLayout xmlns:a="http://schemas.openxmlformats.org/drawingml/2006/main" xmlns:r="http://schemas.openxmlformats.org/officeDocument/2006/relationships" xmlns:p="http://schemas.openxmlformats.org/presentationml/2006/main" type="twoTxTwoObj" preserve="1">
   <p:cSld name="比较">
     <p:spTree>
@@ -1735,9 +1994,9 @@
           <a:bodyPr/>
           <a:lstStyle/>
           <a:p>
-            <a:fld id="{530820CF-B880-4189-942D-D702A7CBA730}" type="datetimeFigureOut">
-              <a:rPr lang="zh-CN" altLang="en-US" smtClean="0"/>
-              <a:t>2016/7/9</a:t>
+            <a:fld id="{92E80180-1FF1-407D-8A1B-28608D4363D7}" type="datetimeFigureOut">
+              <a:rPr lang="zh-CN" altLang="en-US" smtClean="0"/>
+              <a:t>2016/7/10</a:t>
             </a:fld>
             <a:endParaRPr lang="zh-CN" altLang="en-US"/>
           </a:p>
@@ -1777,7 +2036,7 @@
           <a:bodyPr/>
           <a:lstStyle/>
           <a:p>
-            <a:fld id="{0C913308-F349-4B6D-A68A-DD1791B4A57B}" type="slidenum">
+            <a:fld id="{4CCEE2F3-4D6D-4E47-B399-BD226C82323D}" type="slidenum">
               <a:rPr lang="zh-CN" altLang="en-US" smtClean="0"/>
               <a:t>‹#›</a:t>
             </a:fld>
@@ -1786,6 +2045,11 @@
         </p:txBody>
       </p:sp>
     </p:spTree>
+    <p:extLst>
+      <p:ext uri="{BB962C8B-B14F-4D97-AF65-F5344CB8AC3E}">
+        <p14:creationId xmlns:p14="http://schemas.microsoft.com/office/powerpoint/2010/main" val="3967306323"/>
+      </p:ext>
+    </p:extLst>
   </p:cSld>
   <p:clrMapOvr>
     <a:masterClrMapping/>
@@ -1793,7 +2057,7 @@
 </p:sldLayout>
 </file>
 
-<file path=ppt/slideLayouts/slideLayout6.xml><?xml version="1.0" encoding="utf-8"?>
+<file path=ppt/slideLayouts/slideLayout17.xml><?xml version="1.0" encoding="utf-8"?>
 <p:sldLayout xmlns:a="http://schemas.openxmlformats.org/drawingml/2006/main" xmlns:r="http://schemas.openxmlformats.org/officeDocument/2006/relationships" xmlns:p="http://schemas.openxmlformats.org/presentationml/2006/main" type="titleOnly" preserve="1">
   <p:cSld name="仅标题">
     <p:spTree>
@@ -1848,9 +2112,9 @@
           <a:bodyPr/>
           <a:lstStyle/>
           <a:p>
-            <a:fld id="{530820CF-B880-4189-942D-D702A7CBA730}" type="datetimeFigureOut">
-              <a:rPr lang="zh-CN" altLang="en-US" smtClean="0"/>
-              <a:t>2016/7/9</a:t>
+            <a:fld id="{92E80180-1FF1-407D-8A1B-28608D4363D7}" type="datetimeFigureOut">
+              <a:rPr lang="zh-CN" altLang="en-US" smtClean="0"/>
+              <a:t>2016/7/10</a:t>
             </a:fld>
             <a:endParaRPr lang="zh-CN" altLang="en-US"/>
           </a:p>
@@ -1890,7 +2154,7 @@
           <a:bodyPr/>
           <a:lstStyle/>
           <a:p>
-            <a:fld id="{0C913308-F349-4B6D-A68A-DD1791B4A57B}" type="slidenum">
+            <a:fld id="{4CCEE2F3-4D6D-4E47-B399-BD226C82323D}" type="slidenum">
               <a:rPr lang="zh-CN" altLang="en-US" smtClean="0"/>
               <a:t>‹#›</a:t>
             </a:fld>
@@ -1899,6 +2163,11 @@
         </p:txBody>
       </p:sp>
     </p:spTree>
+    <p:extLst>
+      <p:ext uri="{BB962C8B-B14F-4D97-AF65-F5344CB8AC3E}">
+        <p14:creationId xmlns:p14="http://schemas.microsoft.com/office/powerpoint/2010/main" val="781988379"/>
+      </p:ext>
+    </p:extLst>
   </p:cSld>
   <p:clrMapOvr>
     <a:masterClrMapping/>
@@ -1906,7 +2175,7 @@
 </p:sldLayout>
 </file>
 
-<file path=ppt/slideLayouts/slideLayout7.xml><?xml version="1.0" encoding="utf-8"?>
+<file path=ppt/slideLayouts/slideLayout18.xml><?xml version="1.0" encoding="utf-8"?>
 <p:sldLayout xmlns:a="http://schemas.openxmlformats.org/drawingml/2006/main" xmlns:r="http://schemas.openxmlformats.org/officeDocument/2006/relationships" xmlns:p="http://schemas.openxmlformats.org/presentationml/2006/main" type="blank" preserve="1">
   <p:cSld name="空白">
     <p:spTree>
@@ -1938,9 +2207,9 @@
           <a:bodyPr/>
           <a:lstStyle/>
           <a:p>
-            <a:fld id="{530820CF-B880-4189-942D-D702A7CBA730}" type="datetimeFigureOut">
-              <a:rPr lang="zh-CN" altLang="en-US" smtClean="0"/>
-              <a:t>2016/7/9</a:t>
+            <a:fld id="{92E80180-1FF1-407D-8A1B-28608D4363D7}" type="datetimeFigureOut">
+              <a:rPr lang="zh-CN" altLang="en-US" smtClean="0"/>
+              <a:t>2016/7/10</a:t>
             </a:fld>
             <a:endParaRPr lang="zh-CN" altLang="en-US"/>
           </a:p>
@@ -1980,7 +2249,7 @@
           <a:bodyPr/>
           <a:lstStyle/>
           <a:p>
-            <a:fld id="{0C913308-F349-4B6D-A68A-DD1791B4A57B}" type="slidenum">
+            <a:fld id="{4CCEE2F3-4D6D-4E47-B399-BD226C82323D}" type="slidenum">
               <a:rPr lang="zh-CN" altLang="en-US" smtClean="0"/>
               <a:t>‹#›</a:t>
             </a:fld>
@@ -1989,6 +2258,11 @@
         </p:txBody>
       </p:sp>
     </p:spTree>
+    <p:extLst>
+      <p:ext uri="{BB962C8B-B14F-4D97-AF65-F5344CB8AC3E}">
+        <p14:creationId xmlns:p14="http://schemas.microsoft.com/office/powerpoint/2010/main" val="2974650897"/>
+      </p:ext>
+    </p:extLst>
   </p:cSld>
   <p:clrMapOvr>
     <a:masterClrMapping/>
@@ -1996,7 +2270,7 @@
 </p:sldLayout>
 </file>
 
-<file path=ppt/slideLayouts/slideLayout8.xml><?xml version="1.0" encoding="utf-8"?>
+<file path=ppt/slideLayouts/slideLayout19.xml><?xml version="1.0" encoding="utf-8"?>
 <p:sldLayout xmlns:a="http://schemas.openxmlformats.org/drawingml/2006/main" xmlns:r="http://schemas.openxmlformats.org/officeDocument/2006/relationships" xmlns:p="http://schemas.openxmlformats.org/presentationml/2006/main" type="objTx" preserve="1">
   <p:cSld name="内容与标题">
     <p:spTree>
@@ -2210,9 +2484,2198 @@
           <a:bodyPr/>
           <a:lstStyle/>
           <a:p>
+            <a:fld id="{92E80180-1FF1-407D-8A1B-28608D4363D7}" type="datetimeFigureOut">
+              <a:rPr lang="zh-CN" altLang="en-US" smtClean="0"/>
+              <a:t>2016/7/10</a:t>
+            </a:fld>
+            <a:endParaRPr lang="zh-CN" altLang="en-US"/>
+          </a:p>
+        </p:txBody>
+      </p:sp>
+      <p:sp>
+        <p:nvSpPr>
+          <p:cNvPr id="6" name="页脚占位符 5"/>
+          <p:cNvSpPr>
+            <a:spLocks noGrp="1"/>
+          </p:cNvSpPr>
+          <p:nvPr>
+            <p:ph type="ftr" sz="quarter" idx="11"/>
+          </p:nvPr>
+        </p:nvSpPr>
+        <p:spPr/>
+        <p:txBody>
+          <a:bodyPr/>
+          <a:lstStyle/>
+          <a:p>
+            <a:endParaRPr lang="zh-CN" altLang="en-US"/>
+          </a:p>
+        </p:txBody>
+      </p:sp>
+      <p:sp>
+        <p:nvSpPr>
+          <p:cNvPr id="7" name="灯片编号占位符 6"/>
+          <p:cNvSpPr>
+            <a:spLocks noGrp="1"/>
+          </p:cNvSpPr>
+          <p:nvPr>
+            <p:ph type="sldNum" sz="quarter" idx="12"/>
+          </p:nvPr>
+        </p:nvSpPr>
+        <p:spPr/>
+        <p:txBody>
+          <a:bodyPr/>
+          <a:lstStyle/>
+          <a:p>
+            <a:fld id="{4CCEE2F3-4D6D-4E47-B399-BD226C82323D}" type="slidenum">
+              <a:rPr lang="zh-CN" altLang="en-US" smtClean="0"/>
+              <a:t>‹#›</a:t>
+            </a:fld>
+            <a:endParaRPr lang="zh-CN" altLang="en-US"/>
+          </a:p>
+        </p:txBody>
+      </p:sp>
+    </p:spTree>
+    <p:extLst>
+      <p:ext uri="{BB962C8B-B14F-4D97-AF65-F5344CB8AC3E}">
+        <p14:creationId xmlns:p14="http://schemas.microsoft.com/office/powerpoint/2010/main" val="2044626695"/>
+      </p:ext>
+    </p:extLst>
+  </p:cSld>
+  <p:clrMapOvr>
+    <a:masterClrMapping/>
+  </p:clrMapOvr>
+</p:sldLayout>
+</file>
+
+<file path=ppt/slideLayouts/slideLayout2.xml><?xml version="1.0" encoding="utf-8"?>
+<p:sldLayout xmlns:a="http://schemas.openxmlformats.org/drawingml/2006/main" xmlns:r="http://schemas.openxmlformats.org/officeDocument/2006/relationships" xmlns:p="http://schemas.openxmlformats.org/presentationml/2006/main" type="obj" preserve="1">
+  <p:cSld name="标题和内容">
+    <p:spTree>
+      <p:nvGrpSpPr>
+        <p:cNvPr id="1" name=""/>
+        <p:cNvGrpSpPr/>
+        <p:nvPr/>
+      </p:nvGrpSpPr>
+      <p:grpSpPr>
+        <a:xfrm>
+          <a:off x="0" y="0"/>
+          <a:ext cx="0" cy="0"/>
+          <a:chOff x="0" y="0"/>
+          <a:chExt cx="0" cy="0"/>
+        </a:xfrm>
+      </p:grpSpPr>
+      <p:sp>
+        <p:nvSpPr>
+          <p:cNvPr id="2" name="标题 1"/>
+          <p:cNvSpPr>
+            <a:spLocks noGrp="1"/>
+          </p:cNvSpPr>
+          <p:nvPr>
+            <p:ph type="title"/>
+          </p:nvPr>
+        </p:nvSpPr>
+        <p:spPr/>
+        <p:txBody>
+          <a:bodyPr/>
+          <a:lstStyle/>
+          <a:p>
+            <a:r>
+              <a:rPr lang="zh-CN" altLang="en-US" smtClean="0"/>
+              <a:t>单击此处编辑母版标题样式</a:t>
+            </a:r>
+            <a:endParaRPr lang="zh-CN" altLang="en-US"/>
+          </a:p>
+        </p:txBody>
+      </p:sp>
+      <p:sp>
+        <p:nvSpPr>
+          <p:cNvPr id="3" name="内容占位符 2"/>
+          <p:cNvSpPr>
+            <a:spLocks noGrp="1"/>
+          </p:cNvSpPr>
+          <p:nvPr>
+            <p:ph idx="1"/>
+          </p:nvPr>
+        </p:nvSpPr>
+        <p:spPr/>
+        <p:txBody>
+          <a:bodyPr/>
+          <a:lstStyle/>
+          <a:p>
+            <a:pPr lvl="0"/>
+            <a:r>
+              <a:rPr lang="zh-CN" altLang="en-US" smtClean="0"/>
+              <a:t>单击此处编辑母版文本样式</a:t>
+            </a:r>
+          </a:p>
+          <a:p>
+            <a:pPr lvl="1"/>
+            <a:r>
+              <a:rPr lang="zh-CN" altLang="en-US" smtClean="0"/>
+              <a:t>第二级</a:t>
+            </a:r>
+          </a:p>
+          <a:p>
+            <a:pPr lvl="2"/>
+            <a:r>
+              <a:rPr lang="zh-CN" altLang="en-US" smtClean="0"/>
+              <a:t>第三级</a:t>
+            </a:r>
+          </a:p>
+          <a:p>
+            <a:pPr lvl="3"/>
+            <a:r>
+              <a:rPr lang="zh-CN" altLang="en-US" smtClean="0"/>
+              <a:t>第四级</a:t>
+            </a:r>
+          </a:p>
+          <a:p>
+            <a:pPr lvl="4"/>
+            <a:r>
+              <a:rPr lang="zh-CN" altLang="en-US" smtClean="0"/>
+              <a:t>第五级</a:t>
+            </a:r>
+            <a:endParaRPr lang="zh-CN" altLang="en-US"/>
+          </a:p>
+        </p:txBody>
+      </p:sp>
+      <p:sp>
+        <p:nvSpPr>
+          <p:cNvPr id="4" name="日期占位符 3"/>
+          <p:cNvSpPr>
+            <a:spLocks noGrp="1"/>
+          </p:cNvSpPr>
+          <p:nvPr>
+            <p:ph type="dt" sz="half" idx="10"/>
+          </p:nvPr>
+        </p:nvSpPr>
+        <p:spPr/>
+        <p:txBody>
+          <a:bodyPr/>
+          <a:lstStyle/>
+          <a:p>
             <a:fld id="{530820CF-B880-4189-942D-D702A7CBA730}" type="datetimeFigureOut">
               <a:rPr lang="zh-CN" altLang="en-US" smtClean="0"/>
-              <a:t>2016/7/9</a:t>
+              <a:t>2016/7/10</a:t>
+            </a:fld>
+            <a:endParaRPr lang="zh-CN" altLang="en-US"/>
+          </a:p>
+        </p:txBody>
+      </p:sp>
+      <p:sp>
+        <p:nvSpPr>
+          <p:cNvPr id="5" name="页脚占位符 4"/>
+          <p:cNvSpPr>
+            <a:spLocks noGrp="1"/>
+          </p:cNvSpPr>
+          <p:nvPr>
+            <p:ph type="ftr" sz="quarter" idx="11"/>
+          </p:nvPr>
+        </p:nvSpPr>
+        <p:spPr/>
+        <p:txBody>
+          <a:bodyPr/>
+          <a:lstStyle/>
+          <a:p>
+            <a:endParaRPr lang="zh-CN" altLang="en-US"/>
+          </a:p>
+        </p:txBody>
+      </p:sp>
+      <p:sp>
+        <p:nvSpPr>
+          <p:cNvPr id="6" name="灯片编号占位符 5"/>
+          <p:cNvSpPr>
+            <a:spLocks noGrp="1"/>
+          </p:cNvSpPr>
+          <p:nvPr>
+            <p:ph type="sldNum" sz="quarter" idx="12"/>
+          </p:nvPr>
+        </p:nvSpPr>
+        <p:spPr/>
+        <p:txBody>
+          <a:bodyPr/>
+          <a:lstStyle/>
+          <a:p>
+            <a:fld id="{0C913308-F349-4B6D-A68A-DD1791B4A57B}" type="slidenum">
+              <a:rPr lang="zh-CN" altLang="en-US" smtClean="0"/>
+              <a:t>‹#›</a:t>
+            </a:fld>
+            <a:endParaRPr lang="zh-CN" altLang="en-US"/>
+          </a:p>
+        </p:txBody>
+      </p:sp>
+    </p:spTree>
+  </p:cSld>
+  <p:clrMapOvr>
+    <a:masterClrMapping/>
+  </p:clrMapOvr>
+</p:sldLayout>
+</file>
+
+<file path=ppt/slideLayouts/slideLayout20.xml><?xml version="1.0" encoding="utf-8"?>
+<p:sldLayout xmlns:a="http://schemas.openxmlformats.org/drawingml/2006/main" xmlns:r="http://schemas.openxmlformats.org/officeDocument/2006/relationships" xmlns:p="http://schemas.openxmlformats.org/presentationml/2006/main" type="picTx" preserve="1">
+  <p:cSld name="图片与标题">
+    <p:spTree>
+      <p:nvGrpSpPr>
+        <p:cNvPr id="1" name=""/>
+        <p:cNvGrpSpPr/>
+        <p:nvPr/>
+      </p:nvGrpSpPr>
+      <p:grpSpPr>
+        <a:xfrm>
+          <a:off x="0" y="0"/>
+          <a:ext cx="0" cy="0"/>
+          <a:chOff x="0" y="0"/>
+          <a:chExt cx="0" cy="0"/>
+        </a:xfrm>
+      </p:grpSpPr>
+      <p:sp>
+        <p:nvSpPr>
+          <p:cNvPr id="2" name="标题 1"/>
+          <p:cNvSpPr>
+            <a:spLocks noGrp="1"/>
+          </p:cNvSpPr>
+          <p:nvPr>
+            <p:ph type="title"/>
+          </p:nvPr>
+        </p:nvSpPr>
+        <p:spPr>
+          <a:xfrm>
+            <a:off x="1792288" y="4800600"/>
+            <a:ext cx="5486400" cy="566738"/>
+          </a:xfrm>
+        </p:spPr>
+        <p:txBody>
+          <a:bodyPr anchor="b"/>
+          <a:lstStyle>
+            <a:lvl1pPr algn="l">
+              <a:defRPr sz="2000" b="1"/>
+            </a:lvl1pPr>
+          </a:lstStyle>
+          <a:p>
+            <a:r>
+              <a:rPr lang="zh-CN" altLang="en-US" smtClean="0"/>
+              <a:t>单击此处编辑母版标题样式</a:t>
+            </a:r>
+            <a:endParaRPr lang="zh-CN" altLang="en-US"/>
+          </a:p>
+        </p:txBody>
+      </p:sp>
+      <p:sp>
+        <p:nvSpPr>
+          <p:cNvPr id="3" name="图片占位符 2"/>
+          <p:cNvSpPr>
+            <a:spLocks noGrp="1"/>
+          </p:cNvSpPr>
+          <p:nvPr>
+            <p:ph type="pic" idx="1"/>
+          </p:nvPr>
+        </p:nvSpPr>
+        <p:spPr>
+          <a:xfrm>
+            <a:off x="1792288" y="612775"/>
+            <a:ext cx="5486400" cy="4114800"/>
+          </a:xfrm>
+        </p:spPr>
+        <p:txBody>
+          <a:bodyPr/>
+          <a:lstStyle>
+            <a:lvl1pPr marL="0" indent="0">
+              <a:buNone/>
+              <a:defRPr sz="3200"/>
+            </a:lvl1pPr>
+            <a:lvl2pPr marL="457200" indent="0">
+              <a:buNone/>
+              <a:defRPr sz="2800"/>
+            </a:lvl2pPr>
+            <a:lvl3pPr marL="914400" indent="0">
+              <a:buNone/>
+              <a:defRPr sz="2400"/>
+            </a:lvl3pPr>
+            <a:lvl4pPr marL="1371600" indent="0">
+              <a:buNone/>
+              <a:defRPr sz="2000"/>
+            </a:lvl4pPr>
+            <a:lvl5pPr marL="1828800" indent="0">
+              <a:buNone/>
+              <a:defRPr sz="2000"/>
+            </a:lvl5pPr>
+            <a:lvl6pPr marL="2286000" indent="0">
+              <a:buNone/>
+              <a:defRPr sz="2000"/>
+            </a:lvl6pPr>
+            <a:lvl7pPr marL="2743200" indent="0">
+              <a:buNone/>
+              <a:defRPr sz="2000"/>
+            </a:lvl7pPr>
+            <a:lvl8pPr marL="3200400" indent="0">
+              <a:buNone/>
+              <a:defRPr sz="2000"/>
+            </a:lvl8pPr>
+            <a:lvl9pPr marL="3657600" indent="0">
+              <a:buNone/>
+              <a:defRPr sz="2000"/>
+            </a:lvl9pPr>
+          </a:lstStyle>
+          <a:p>
+            <a:endParaRPr lang="zh-CN" altLang="en-US"/>
+          </a:p>
+        </p:txBody>
+      </p:sp>
+      <p:sp>
+        <p:nvSpPr>
+          <p:cNvPr id="4" name="文本占位符 3"/>
+          <p:cNvSpPr>
+            <a:spLocks noGrp="1"/>
+          </p:cNvSpPr>
+          <p:nvPr>
+            <p:ph type="body" sz="half" idx="2"/>
+          </p:nvPr>
+        </p:nvSpPr>
+        <p:spPr>
+          <a:xfrm>
+            <a:off x="1792288" y="5367338"/>
+            <a:ext cx="5486400" cy="804862"/>
+          </a:xfrm>
+        </p:spPr>
+        <p:txBody>
+          <a:bodyPr/>
+          <a:lstStyle>
+            <a:lvl1pPr marL="0" indent="0">
+              <a:buNone/>
+              <a:defRPr sz="1400"/>
+            </a:lvl1pPr>
+            <a:lvl2pPr marL="457200" indent="0">
+              <a:buNone/>
+              <a:defRPr sz="1200"/>
+            </a:lvl2pPr>
+            <a:lvl3pPr marL="914400" indent="0">
+              <a:buNone/>
+              <a:defRPr sz="1000"/>
+            </a:lvl3pPr>
+            <a:lvl4pPr marL="1371600" indent="0">
+              <a:buNone/>
+              <a:defRPr sz="900"/>
+            </a:lvl4pPr>
+            <a:lvl5pPr marL="1828800" indent="0">
+              <a:buNone/>
+              <a:defRPr sz="900"/>
+            </a:lvl5pPr>
+            <a:lvl6pPr marL="2286000" indent="0">
+              <a:buNone/>
+              <a:defRPr sz="900"/>
+            </a:lvl6pPr>
+            <a:lvl7pPr marL="2743200" indent="0">
+              <a:buNone/>
+              <a:defRPr sz="900"/>
+            </a:lvl7pPr>
+            <a:lvl8pPr marL="3200400" indent="0">
+              <a:buNone/>
+              <a:defRPr sz="900"/>
+            </a:lvl8pPr>
+            <a:lvl9pPr marL="3657600" indent="0">
+              <a:buNone/>
+              <a:defRPr sz="900"/>
+            </a:lvl9pPr>
+          </a:lstStyle>
+          <a:p>
+            <a:pPr lvl="0"/>
+            <a:r>
+              <a:rPr lang="zh-CN" altLang="en-US" smtClean="0"/>
+              <a:t>单击此处编辑母版文本样式</a:t>
+            </a:r>
+          </a:p>
+        </p:txBody>
+      </p:sp>
+      <p:sp>
+        <p:nvSpPr>
+          <p:cNvPr id="5" name="日期占位符 4"/>
+          <p:cNvSpPr>
+            <a:spLocks noGrp="1"/>
+          </p:cNvSpPr>
+          <p:nvPr>
+            <p:ph type="dt" sz="half" idx="10"/>
+          </p:nvPr>
+        </p:nvSpPr>
+        <p:spPr/>
+        <p:txBody>
+          <a:bodyPr/>
+          <a:lstStyle/>
+          <a:p>
+            <a:fld id="{92E80180-1FF1-407D-8A1B-28608D4363D7}" type="datetimeFigureOut">
+              <a:rPr lang="zh-CN" altLang="en-US" smtClean="0"/>
+              <a:t>2016/7/10</a:t>
+            </a:fld>
+            <a:endParaRPr lang="zh-CN" altLang="en-US"/>
+          </a:p>
+        </p:txBody>
+      </p:sp>
+      <p:sp>
+        <p:nvSpPr>
+          <p:cNvPr id="6" name="页脚占位符 5"/>
+          <p:cNvSpPr>
+            <a:spLocks noGrp="1"/>
+          </p:cNvSpPr>
+          <p:nvPr>
+            <p:ph type="ftr" sz="quarter" idx="11"/>
+          </p:nvPr>
+        </p:nvSpPr>
+        <p:spPr/>
+        <p:txBody>
+          <a:bodyPr/>
+          <a:lstStyle/>
+          <a:p>
+            <a:endParaRPr lang="zh-CN" altLang="en-US"/>
+          </a:p>
+        </p:txBody>
+      </p:sp>
+      <p:sp>
+        <p:nvSpPr>
+          <p:cNvPr id="7" name="灯片编号占位符 6"/>
+          <p:cNvSpPr>
+            <a:spLocks noGrp="1"/>
+          </p:cNvSpPr>
+          <p:nvPr>
+            <p:ph type="sldNum" sz="quarter" idx="12"/>
+          </p:nvPr>
+        </p:nvSpPr>
+        <p:spPr/>
+        <p:txBody>
+          <a:bodyPr/>
+          <a:lstStyle/>
+          <a:p>
+            <a:fld id="{4CCEE2F3-4D6D-4E47-B399-BD226C82323D}" type="slidenum">
+              <a:rPr lang="zh-CN" altLang="en-US" smtClean="0"/>
+              <a:t>‹#›</a:t>
+            </a:fld>
+            <a:endParaRPr lang="zh-CN" altLang="en-US"/>
+          </a:p>
+        </p:txBody>
+      </p:sp>
+    </p:spTree>
+    <p:extLst>
+      <p:ext uri="{BB962C8B-B14F-4D97-AF65-F5344CB8AC3E}">
+        <p14:creationId xmlns:p14="http://schemas.microsoft.com/office/powerpoint/2010/main" val="1495606552"/>
+      </p:ext>
+    </p:extLst>
+  </p:cSld>
+  <p:clrMapOvr>
+    <a:masterClrMapping/>
+  </p:clrMapOvr>
+</p:sldLayout>
+</file>
+
+<file path=ppt/slideLayouts/slideLayout21.xml><?xml version="1.0" encoding="utf-8"?>
+<p:sldLayout xmlns:a="http://schemas.openxmlformats.org/drawingml/2006/main" xmlns:r="http://schemas.openxmlformats.org/officeDocument/2006/relationships" xmlns:p="http://schemas.openxmlformats.org/presentationml/2006/main" type="vertTx" preserve="1">
+  <p:cSld name="标题和竖排文字">
+    <p:spTree>
+      <p:nvGrpSpPr>
+        <p:cNvPr id="1" name=""/>
+        <p:cNvGrpSpPr/>
+        <p:nvPr/>
+      </p:nvGrpSpPr>
+      <p:grpSpPr>
+        <a:xfrm>
+          <a:off x="0" y="0"/>
+          <a:ext cx="0" cy="0"/>
+          <a:chOff x="0" y="0"/>
+          <a:chExt cx="0" cy="0"/>
+        </a:xfrm>
+      </p:grpSpPr>
+      <p:sp>
+        <p:nvSpPr>
+          <p:cNvPr id="2" name="标题 1"/>
+          <p:cNvSpPr>
+            <a:spLocks noGrp="1"/>
+          </p:cNvSpPr>
+          <p:nvPr>
+            <p:ph type="title"/>
+          </p:nvPr>
+        </p:nvSpPr>
+        <p:spPr/>
+        <p:txBody>
+          <a:bodyPr/>
+          <a:lstStyle/>
+          <a:p>
+            <a:r>
+              <a:rPr lang="zh-CN" altLang="en-US" smtClean="0"/>
+              <a:t>单击此处编辑母版标题样式</a:t>
+            </a:r>
+            <a:endParaRPr lang="zh-CN" altLang="en-US"/>
+          </a:p>
+        </p:txBody>
+      </p:sp>
+      <p:sp>
+        <p:nvSpPr>
+          <p:cNvPr id="3" name="竖排文字占位符 2"/>
+          <p:cNvSpPr>
+            <a:spLocks noGrp="1"/>
+          </p:cNvSpPr>
+          <p:nvPr>
+            <p:ph type="body" orient="vert" idx="1"/>
+          </p:nvPr>
+        </p:nvSpPr>
+        <p:spPr/>
+        <p:txBody>
+          <a:bodyPr vert="eaVert"/>
+          <a:lstStyle/>
+          <a:p>
+            <a:pPr lvl="0"/>
+            <a:r>
+              <a:rPr lang="zh-CN" altLang="en-US" smtClean="0"/>
+              <a:t>单击此处编辑母版文本样式</a:t>
+            </a:r>
+          </a:p>
+          <a:p>
+            <a:pPr lvl="1"/>
+            <a:r>
+              <a:rPr lang="zh-CN" altLang="en-US" smtClean="0"/>
+              <a:t>第二级</a:t>
+            </a:r>
+          </a:p>
+          <a:p>
+            <a:pPr lvl="2"/>
+            <a:r>
+              <a:rPr lang="zh-CN" altLang="en-US" smtClean="0"/>
+              <a:t>第三级</a:t>
+            </a:r>
+          </a:p>
+          <a:p>
+            <a:pPr lvl="3"/>
+            <a:r>
+              <a:rPr lang="zh-CN" altLang="en-US" smtClean="0"/>
+              <a:t>第四级</a:t>
+            </a:r>
+          </a:p>
+          <a:p>
+            <a:pPr lvl="4"/>
+            <a:r>
+              <a:rPr lang="zh-CN" altLang="en-US" smtClean="0"/>
+              <a:t>第五级</a:t>
+            </a:r>
+            <a:endParaRPr lang="zh-CN" altLang="en-US"/>
+          </a:p>
+        </p:txBody>
+      </p:sp>
+      <p:sp>
+        <p:nvSpPr>
+          <p:cNvPr id="4" name="日期占位符 3"/>
+          <p:cNvSpPr>
+            <a:spLocks noGrp="1"/>
+          </p:cNvSpPr>
+          <p:nvPr>
+            <p:ph type="dt" sz="half" idx="10"/>
+          </p:nvPr>
+        </p:nvSpPr>
+        <p:spPr/>
+        <p:txBody>
+          <a:bodyPr/>
+          <a:lstStyle/>
+          <a:p>
+            <a:fld id="{92E80180-1FF1-407D-8A1B-28608D4363D7}" type="datetimeFigureOut">
+              <a:rPr lang="zh-CN" altLang="en-US" smtClean="0"/>
+              <a:t>2016/7/10</a:t>
+            </a:fld>
+            <a:endParaRPr lang="zh-CN" altLang="en-US"/>
+          </a:p>
+        </p:txBody>
+      </p:sp>
+      <p:sp>
+        <p:nvSpPr>
+          <p:cNvPr id="5" name="页脚占位符 4"/>
+          <p:cNvSpPr>
+            <a:spLocks noGrp="1"/>
+          </p:cNvSpPr>
+          <p:nvPr>
+            <p:ph type="ftr" sz="quarter" idx="11"/>
+          </p:nvPr>
+        </p:nvSpPr>
+        <p:spPr/>
+        <p:txBody>
+          <a:bodyPr/>
+          <a:lstStyle/>
+          <a:p>
+            <a:endParaRPr lang="zh-CN" altLang="en-US"/>
+          </a:p>
+        </p:txBody>
+      </p:sp>
+      <p:sp>
+        <p:nvSpPr>
+          <p:cNvPr id="6" name="灯片编号占位符 5"/>
+          <p:cNvSpPr>
+            <a:spLocks noGrp="1"/>
+          </p:cNvSpPr>
+          <p:nvPr>
+            <p:ph type="sldNum" sz="quarter" idx="12"/>
+          </p:nvPr>
+        </p:nvSpPr>
+        <p:spPr/>
+        <p:txBody>
+          <a:bodyPr/>
+          <a:lstStyle/>
+          <a:p>
+            <a:fld id="{4CCEE2F3-4D6D-4E47-B399-BD226C82323D}" type="slidenum">
+              <a:rPr lang="zh-CN" altLang="en-US" smtClean="0"/>
+              <a:t>‹#›</a:t>
+            </a:fld>
+            <a:endParaRPr lang="zh-CN" altLang="en-US"/>
+          </a:p>
+        </p:txBody>
+      </p:sp>
+    </p:spTree>
+    <p:extLst>
+      <p:ext uri="{BB962C8B-B14F-4D97-AF65-F5344CB8AC3E}">
+        <p14:creationId xmlns:p14="http://schemas.microsoft.com/office/powerpoint/2010/main" val="4224083935"/>
+      </p:ext>
+    </p:extLst>
+  </p:cSld>
+  <p:clrMapOvr>
+    <a:masterClrMapping/>
+  </p:clrMapOvr>
+</p:sldLayout>
+</file>
+
+<file path=ppt/slideLayouts/slideLayout22.xml><?xml version="1.0" encoding="utf-8"?>
+<p:sldLayout xmlns:a="http://schemas.openxmlformats.org/drawingml/2006/main" xmlns:r="http://schemas.openxmlformats.org/officeDocument/2006/relationships" xmlns:p="http://schemas.openxmlformats.org/presentationml/2006/main" type="vertTitleAndTx" preserve="1">
+  <p:cSld name="垂直排列标题与文本">
+    <p:spTree>
+      <p:nvGrpSpPr>
+        <p:cNvPr id="1" name=""/>
+        <p:cNvGrpSpPr/>
+        <p:nvPr/>
+      </p:nvGrpSpPr>
+      <p:grpSpPr>
+        <a:xfrm>
+          <a:off x="0" y="0"/>
+          <a:ext cx="0" cy="0"/>
+          <a:chOff x="0" y="0"/>
+          <a:chExt cx="0" cy="0"/>
+        </a:xfrm>
+      </p:grpSpPr>
+      <p:sp>
+        <p:nvSpPr>
+          <p:cNvPr id="2" name="竖排标题 1"/>
+          <p:cNvSpPr>
+            <a:spLocks noGrp="1"/>
+          </p:cNvSpPr>
+          <p:nvPr>
+            <p:ph type="title" orient="vert"/>
+          </p:nvPr>
+        </p:nvSpPr>
+        <p:spPr>
+          <a:xfrm>
+            <a:off x="6629400" y="274638"/>
+            <a:ext cx="2057400" cy="5851525"/>
+          </a:xfrm>
+        </p:spPr>
+        <p:txBody>
+          <a:bodyPr vert="eaVert"/>
+          <a:lstStyle/>
+          <a:p>
+            <a:r>
+              <a:rPr lang="zh-CN" altLang="en-US" smtClean="0"/>
+              <a:t>单击此处编辑母版标题样式</a:t>
+            </a:r>
+            <a:endParaRPr lang="zh-CN" altLang="en-US"/>
+          </a:p>
+        </p:txBody>
+      </p:sp>
+      <p:sp>
+        <p:nvSpPr>
+          <p:cNvPr id="3" name="竖排文字占位符 2"/>
+          <p:cNvSpPr>
+            <a:spLocks noGrp="1"/>
+          </p:cNvSpPr>
+          <p:nvPr>
+            <p:ph type="body" orient="vert" idx="1"/>
+          </p:nvPr>
+        </p:nvSpPr>
+        <p:spPr>
+          <a:xfrm>
+            <a:off x="457200" y="274638"/>
+            <a:ext cx="6019800" cy="5851525"/>
+          </a:xfrm>
+        </p:spPr>
+        <p:txBody>
+          <a:bodyPr vert="eaVert"/>
+          <a:lstStyle/>
+          <a:p>
+            <a:pPr lvl="0"/>
+            <a:r>
+              <a:rPr lang="zh-CN" altLang="en-US" smtClean="0"/>
+              <a:t>单击此处编辑母版文本样式</a:t>
+            </a:r>
+          </a:p>
+          <a:p>
+            <a:pPr lvl="1"/>
+            <a:r>
+              <a:rPr lang="zh-CN" altLang="en-US" smtClean="0"/>
+              <a:t>第二级</a:t>
+            </a:r>
+          </a:p>
+          <a:p>
+            <a:pPr lvl="2"/>
+            <a:r>
+              <a:rPr lang="zh-CN" altLang="en-US" smtClean="0"/>
+              <a:t>第三级</a:t>
+            </a:r>
+          </a:p>
+          <a:p>
+            <a:pPr lvl="3"/>
+            <a:r>
+              <a:rPr lang="zh-CN" altLang="en-US" smtClean="0"/>
+              <a:t>第四级</a:t>
+            </a:r>
+          </a:p>
+          <a:p>
+            <a:pPr lvl="4"/>
+            <a:r>
+              <a:rPr lang="zh-CN" altLang="en-US" smtClean="0"/>
+              <a:t>第五级</a:t>
+            </a:r>
+            <a:endParaRPr lang="zh-CN" altLang="en-US"/>
+          </a:p>
+        </p:txBody>
+      </p:sp>
+      <p:sp>
+        <p:nvSpPr>
+          <p:cNvPr id="4" name="日期占位符 3"/>
+          <p:cNvSpPr>
+            <a:spLocks noGrp="1"/>
+          </p:cNvSpPr>
+          <p:nvPr>
+            <p:ph type="dt" sz="half" idx="10"/>
+          </p:nvPr>
+        </p:nvSpPr>
+        <p:spPr/>
+        <p:txBody>
+          <a:bodyPr/>
+          <a:lstStyle/>
+          <a:p>
+            <a:fld id="{92E80180-1FF1-407D-8A1B-28608D4363D7}" type="datetimeFigureOut">
+              <a:rPr lang="zh-CN" altLang="en-US" smtClean="0"/>
+              <a:t>2016/7/10</a:t>
+            </a:fld>
+            <a:endParaRPr lang="zh-CN" altLang="en-US"/>
+          </a:p>
+        </p:txBody>
+      </p:sp>
+      <p:sp>
+        <p:nvSpPr>
+          <p:cNvPr id="5" name="页脚占位符 4"/>
+          <p:cNvSpPr>
+            <a:spLocks noGrp="1"/>
+          </p:cNvSpPr>
+          <p:nvPr>
+            <p:ph type="ftr" sz="quarter" idx="11"/>
+          </p:nvPr>
+        </p:nvSpPr>
+        <p:spPr/>
+        <p:txBody>
+          <a:bodyPr/>
+          <a:lstStyle/>
+          <a:p>
+            <a:endParaRPr lang="zh-CN" altLang="en-US"/>
+          </a:p>
+        </p:txBody>
+      </p:sp>
+      <p:sp>
+        <p:nvSpPr>
+          <p:cNvPr id="6" name="灯片编号占位符 5"/>
+          <p:cNvSpPr>
+            <a:spLocks noGrp="1"/>
+          </p:cNvSpPr>
+          <p:nvPr>
+            <p:ph type="sldNum" sz="quarter" idx="12"/>
+          </p:nvPr>
+        </p:nvSpPr>
+        <p:spPr/>
+        <p:txBody>
+          <a:bodyPr/>
+          <a:lstStyle/>
+          <a:p>
+            <a:fld id="{4CCEE2F3-4D6D-4E47-B399-BD226C82323D}" type="slidenum">
+              <a:rPr lang="zh-CN" altLang="en-US" smtClean="0"/>
+              <a:t>‹#›</a:t>
+            </a:fld>
+            <a:endParaRPr lang="zh-CN" altLang="en-US"/>
+          </a:p>
+        </p:txBody>
+      </p:sp>
+    </p:spTree>
+    <p:extLst>
+      <p:ext uri="{BB962C8B-B14F-4D97-AF65-F5344CB8AC3E}">
+        <p14:creationId xmlns:p14="http://schemas.microsoft.com/office/powerpoint/2010/main" val="3510782544"/>
+      </p:ext>
+    </p:extLst>
+  </p:cSld>
+  <p:clrMapOvr>
+    <a:masterClrMapping/>
+  </p:clrMapOvr>
+</p:sldLayout>
+</file>
+
+<file path=ppt/slideLayouts/slideLayout3.xml><?xml version="1.0" encoding="utf-8"?>
+<p:sldLayout xmlns:a="http://schemas.openxmlformats.org/drawingml/2006/main" xmlns:r="http://schemas.openxmlformats.org/officeDocument/2006/relationships" xmlns:p="http://schemas.openxmlformats.org/presentationml/2006/main" type="secHead" preserve="1">
+  <p:cSld name="节标题">
+    <p:spTree>
+      <p:nvGrpSpPr>
+        <p:cNvPr id="1" name=""/>
+        <p:cNvGrpSpPr/>
+        <p:nvPr/>
+      </p:nvGrpSpPr>
+      <p:grpSpPr>
+        <a:xfrm>
+          <a:off x="0" y="0"/>
+          <a:ext cx="0" cy="0"/>
+          <a:chOff x="0" y="0"/>
+          <a:chExt cx="0" cy="0"/>
+        </a:xfrm>
+      </p:grpSpPr>
+      <p:sp>
+        <p:nvSpPr>
+          <p:cNvPr id="2" name="标题 1"/>
+          <p:cNvSpPr>
+            <a:spLocks noGrp="1"/>
+          </p:cNvSpPr>
+          <p:nvPr>
+            <p:ph type="title"/>
+          </p:nvPr>
+        </p:nvSpPr>
+        <p:spPr>
+          <a:xfrm>
+            <a:off x="722313" y="4406900"/>
+            <a:ext cx="7772400" cy="1362075"/>
+          </a:xfrm>
+        </p:spPr>
+        <p:txBody>
+          <a:bodyPr anchor="t"/>
+          <a:lstStyle>
+            <a:lvl1pPr algn="l">
+              <a:defRPr sz="4000" b="1" cap="all"/>
+            </a:lvl1pPr>
+          </a:lstStyle>
+          <a:p>
+            <a:r>
+              <a:rPr lang="zh-CN" altLang="en-US" smtClean="0"/>
+              <a:t>单击此处编辑母版标题样式</a:t>
+            </a:r>
+            <a:endParaRPr lang="zh-CN" altLang="en-US"/>
+          </a:p>
+        </p:txBody>
+      </p:sp>
+      <p:sp>
+        <p:nvSpPr>
+          <p:cNvPr id="3" name="文本占位符 2"/>
+          <p:cNvSpPr>
+            <a:spLocks noGrp="1"/>
+          </p:cNvSpPr>
+          <p:nvPr>
+            <p:ph type="body" idx="1"/>
+          </p:nvPr>
+        </p:nvSpPr>
+        <p:spPr>
+          <a:xfrm>
+            <a:off x="722313" y="2906713"/>
+            <a:ext cx="7772400" cy="1500187"/>
+          </a:xfrm>
+        </p:spPr>
+        <p:txBody>
+          <a:bodyPr anchor="b"/>
+          <a:lstStyle>
+            <a:lvl1pPr marL="0" indent="0">
+              <a:buNone/>
+              <a:defRPr sz="2000">
+                <a:solidFill>
+                  <a:schemeClr val="tx1">
+                    <a:tint val="75000"/>
+                  </a:schemeClr>
+                </a:solidFill>
+              </a:defRPr>
+            </a:lvl1pPr>
+            <a:lvl2pPr marL="457200" indent="0">
+              <a:buNone/>
+              <a:defRPr sz="1800">
+                <a:solidFill>
+                  <a:schemeClr val="tx1">
+                    <a:tint val="75000"/>
+                  </a:schemeClr>
+                </a:solidFill>
+              </a:defRPr>
+            </a:lvl2pPr>
+            <a:lvl3pPr marL="914400" indent="0">
+              <a:buNone/>
+              <a:defRPr sz="1600">
+                <a:solidFill>
+                  <a:schemeClr val="tx1">
+                    <a:tint val="75000"/>
+                  </a:schemeClr>
+                </a:solidFill>
+              </a:defRPr>
+            </a:lvl3pPr>
+            <a:lvl4pPr marL="1371600" indent="0">
+              <a:buNone/>
+              <a:defRPr sz="1400">
+                <a:solidFill>
+                  <a:schemeClr val="tx1">
+                    <a:tint val="75000"/>
+                  </a:schemeClr>
+                </a:solidFill>
+              </a:defRPr>
+            </a:lvl4pPr>
+            <a:lvl5pPr marL="1828800" indent="0">
+              <a:buNone/>
+              <a:defRPr sz="1400">
+                <a:solidFill>
+                  <a:schemeClr val="tx1">
+                    <a:tint val="75000"/>
+                  </a:schemeClr>
+                </a:solidFill>
+              </a:defRPr>
+            </a:lvl5pPr>
+            <a:lvl6pPr marL="2286000" indent="0">
+              <a:buNone/>
+              <a:defRPr sz="1400">
+                <a:solidFill>
+                  <a:schemeClr val="tx1">
+                    <a:tint val="75000"/>
+                  </a:schemeClr>
+                </a:solidFill>
+              </a:defRPr>
+            </a:lvl6pPr>
+            <a:lvl7pPr marL="2743200" indent="0">
+              <a:buNone/>
+              <a:defRPr sz="1400">
+                <a:solidFill>
+                  <a:schemeClr val="tx1">
+                    <a:tint val="75000"/>
+                  </a:schemeClr>
+                </a:solidFill>
+              </a:defRPr>
+            </a:lvl7pPr>
+            <a:lvl8pPr marL="3200400" indent="0">
+              <a:buNone/>
+              <a:defRPr sz="1400">
+                <a:solidFill>
+                  <a:schemeClr val="tx1">
+                    <a:tint val="75000"/>
+                  </a:schemeClr>
+                </a:solidFill>
+              </a:defRPr>
+            </a:lvl8pPr>
+            <a:lvl9pPr marL="3657600" indent="0">
+              <a:buNone/>
+              <a:defRPr sz="1400">
+                <a:solidFill>
+                  <a:schemeClr val="tx1">
+                    <a:tint val="75000"/>
+                  </a:schemeClr>
+                </a:solidFill>
+              </a:defRPr>
+            </a:lvl9pPr>
+          </a:lstStyle>
+          <a:p>
+            <a:pPr lvl="0"/>
+            <a:r>
+              <a:rPr lang="zh-CN" altLang="en-US" smtClean="0"/>
+              <a:t>单击此处编辑母版文本样式</a:t>
+            </a:r>
+          </a:p>
+        </p:txBody>
+      </p:sp>
+      <p:sp>
+        <p:nvSpPr>
+          <p:cNvPr id="4" name="日期占位符 3"/>
+          <p:cNvSpPr>
+            <a:spLocks noGrp="1"/>
+          </p:cNvSpPr>
+          <p:nvPr>
+            <p:ph type="dt" sz="half" idx="10"/>
+          </p:nvPr>
+        </p:nvSpPr>
+        <p:spPr/>
+        <p:txBody>
+          <a:bodyPr/>
+          <a:lstStyle/>
+          <a:p>
+            <a:fld id="{530820CF-B880-4189-942D-D702A7CBA730}" type="datetimeFigureOut">
+              <a:rPr lang="zh-CN" altLang="en-US" smtClean="0"/>
+              <a:t>2016/7/10</a:t>
+            </a:fld>
+            <a:endParaRPr lang="zh-CN" altLang="en-US"/>
+          </a:p>
+        </p:txBody>
+      </p:sp>
+      <p:sp>
+        <p:nvSpPr>
+          <p:cNvPr id="5" name="页脚占位符 4"/>
+          <p:cNvSpPr>
+            <a:spLocks noGrp="1"/>
+          </p:cNvSpPr>
+          <p:nvPr>
+            <p:ph type="ftr" sz="quarter" idx="11"/>
+          </p:nvPr>
+        </p:nvSpPr>
+        <p:spPr/>
+        <p:txBody>
+          <a:bodyPr/>
+          <a:lstStyle/>
+          <a:p>
+            <a:endParaRPr lang="zh-CN" altLang="en-US"/>
+          </a:p>
+        </p:txBody>
+      </p:sp>
+      <p:sp>
+        <p:nvSpPr>
+          <p:cNvPr id="6" name="灯片编号占位符 5"/>
+          <p:cNvSpPr>
+            <a:spLocks noGrp="1"/>
+          </p:cNvSpPr>
+          <p:nvPr>
+            <p:ph type="sldNum" sz="quarter" idx="12"/>
+          </p:nvPr>
+        </p:nvSpPr>
+        <p:spPr/>
+        <p:txBody>
+          <a:bodyPr/>
+          <a:lstStyle/>
+          <a:p>
+            <a:fld id="{0C913308-F349-4B6D-A68A-DD1791B4A57B}" type="slidenum">
+              <a:rPr lang="zh-CN" altLang="en-US" smtClean="0"/>
+              <a:t>‹#›</a:t>
+            </a:fld>
+            <a:endParaRPr lang="zh-CN" altLang="en-US"/>
+          </a:p>
+        </p:txBody>
+      </p:sp>
+    </p:spTree>
+  </p:cSld>
+  <p:clrMapOvr>
+    <a:masterClrMapping/>
+  </p:clrMapOvr>
+</p:sldLayout>
+</file>
+
+<file path=ppt/slideLayouts/slideLayout4.xml><?xml version="1.0" encoding="utf-8"?>
+<p:sldLayout xmlns:a="http://schemas.openxmlformats.org/drawingml/2006/main" xmlns:r="http://schemas.openxmlformats.org/officeDocument/2006/relationships" xmlns:p="http://schemas.openxmlformats.org/presentationml/2006/main" type="twoObj" preserve="1">
+  <p:cSld name="两栏内容">
+    <p:spTree>
+      <p:nvGrpSpPr>
+        <p:cNvPr id="1" name=""/>
+        <p:cNvGrpSpPr/>
+        <p:nvPr/>
+      </p:nvGrpSpPr>
+      <p:grpSpPr>
+        <a:xfrm>
+          <a:off x="0" y="0"/>
+          <a:ext cx="0" cy="0"/>
+          <a:chOff x="0" y="0"/>
+          <a:chExt cx="0" cy="0"/>
+        </a:xfrm>
+      </p:grpSpPr>
+      <p:sp>
+        <p:nvSpPr>
+          <p:cNvPr id="2" name="标题 1"/>
+          <p:cNvSpPr>
+            <a:spLocks noGrp="1"/>
+          </p:cNvSpPr>
+          <p:nvPr>
+            <p:ph type="title"/>
+          </p:nvPr>
+        </p:nvSpPr>
+        <p:spPr/>
+        <p:txBody>
+          <a:bodyPr/>
+          <a:lstStyle/>
+          <a:p>
+            <a:r>
+              <a:rPr lang="zh-CN" altLang="en-US" smtClean="0"/>
+              <a:t>单击此处编辑母版标题样式</a:t>
+            </a:r>
+            <a:endParaRPr lang="zh-CN" altLang="en-US"/>
+          </a:p>
+        </p:txBody>
+      </p:sp>
+      <p:sp>
+        <p:nvSpPr>
+          <p:cNvPr id="3" name="内容占位符 2"/>
+          <p:cNvSpPr>
+            <a:spLocks noGrp="1"/>
+          </p:cNvSpPr>
+          <p:nvPr>
+            <p:ph sz="half" idx="1"/>
+          </p:nvPr>
+        </p:nvSpPr>
+        <p:spPr>
+          <a:xfrm>
+            <a:off x="457200" y="1600200"/>
+            <a:ext cx="4038600" cy="4525963"/>
+          </a:xfrm>
+        </p:spPr>
+        <p:txBody>
+          <a:bodyPr/>
+          <a:lstStyle>
+            <a:lvl1pPr>
+              <a:defRPr sz="2800"/>
+            </a:lvl1pPr>
+            <a:lvl2pPr>
+              <a:defRPr sz="2400"/>
+            </a:lvl2pPr>
+            <a:lvl3pPr>
+              <a:defRPr sz="2000"/>
+            </a:lvl3pPr>
+            <a:lvl4pPr>
+              <a:defRPr sz="1800"/>
+            </a:lvl4pPr>
+            <a:lvl5pPr>
+              <a:defRPr sz="1800"/>
+            </a:lvl5pPr>
+            <a:lvl6pPr>
+              <a:defRPr sz="1800"/>
+            </a:lvl6pPr>
+            <a:lvl7pPr>
+              <a:defRPr sz="1800"/>
+            </a:lvl7pPr>
+            <a:lvl8pPr>
+              <a:defRPr sz="1800"/>
+            </a:lvl8pPr>
+            <a:lvl9pPr>
+              <a:defRPr sz="1800"/>
+            </a:lvl9pPr>
+          </a:lstStyle>
+          <a:p>
+            <a:pPr lvl="0"/>
+            <a:r>
+              <a:rPr lang="zh-CN" altLang="en-US" smtClean="0"/>
+              <a:t>单击此处编辑母版文本样式</a:t>
+            </a:r>
+          </a:p>
+          <a:p>
+            <a:pPr lvl="1"/>
+            <a:r>
+              <a:rPr lang="zh-CN" altLang="en-US" smtClean="0"/>
+              <a:t>第二级</a:t>
+            </a:r>
+          </a:p>
+          <a:p>
+            <a:pPr lvl="2"/>
+            <a:r>
+              <a:rPr lang="zh-CN" altLang="en-US" smtClean="0"/>
+              <a:t>第三级</a:t>
+            </a:r>
+          </a:p>
+          <a:p>
+            <a:pPr lvl="3"/>
+            <a:r>
+              <a:rPr lang="zh-CN" altLang="en-US" smtClean="0"/>
+              <a:t>第四级</a:t>
+            </a:r>
+          </a:p>
+          <a:p>
+            <a:pPr lvl="4"/>
+            <a:r>
+              <a:rPr lang="zh-CN" altLang="en-US" smtClean="0"/>
+              <a:t>第五级</a:t>
+            </a:r>
+            <a:endParaRPr lang="zh-CN" altLang="en-US"/>
+          </a:p>
+        </p:txBody>
+      </p:sp>
+      <p:sp>
+        <p:nvSpPr>
+          <p:cNvPr id="4" name="内容占位符 3"/>
+          <p:cNvSpPr>
+            <a:spLocks noGrp="1"/>
+          </p:cNvSpPr>
+          <p:nvPr>
+            <p:ph sz="half" idx="2"/>
+          </p:nvPr>
+        </p:nvSpPr>
+        <p:spPr>
+          <a:xfrm>
+            <a:off x="4648200" y="1600200"/>
+            <a:ext cx="4038600" cy="4525963"/>
+          </a:xfrm>
+        </p:spPr>
+        <p:txBody>
+          <a:bodyPr/>
+          <a:lstStyle>
+            <a:lvl1pPr>
+              <a:defRPr sz="2800"/>
+            </a:lvl1pPr>
+            <a:lvl2pPr>
+              <a:defRPr sz="2400"/>
+            </a:lvl2pPr>
+            <a:lvl3pPr>
+              <a:defRPr sz="2000"/>
+            </a:lvl3pPr>
+            <a:lvl4pPr>
+              <a:defRPr sz="1800"/>
+            </a:lvl4pPr>
+            <a:lvl5pPr>
+              <a:defRPr sz="1800"/>
+            </a:lvl5pPr>
+            <a:lvl6pPr>
+              <a:defRPr sz="1800"/>
+            </a:lvl6pPr>
+            <a:lvl7pPr>
+              <a:defRPr sz="1800"/>
+            </a:lvl7pPr>
+            <a:lvl8pPr>
+              <a:defRPr sz="1800"/>
+            </a:lvl8pPr>
+            <a:lvl9pPr>
+              <a:defRPr sz="1800"/>
+            </a:lvl9pPr>
+          </a:lstStyle>
+          <a:p>
+            <a:pPr lvl="0"/>
+            <a:r>
+              <a:rPr lang="zh-CN" altLang="en-US" smtClean="0"/>
+              <a:t>单击此处编辑母版文本样式</a:t>
+            </a:r>
+          </a:p>
+          <a:p>
+            <a:pPr lvl="1"/>
+            <a:r>
+              <a:rPr lang="zh-CN" altLang="en-US" smtClean="0"/>
+              <a:t>第二级</a:t>
+            </a:r>
+          </a:p>
+          <a:p>
+            <a:pPr lvl="2"/>
+            <a:r>
+              <a:rPr lang="zh-CN" altLang="en-US" smtClean="0"/>
+              <a:t>第三级</a:t>
+            </a:r>
+          </a:p>
+          <a:p>
+            <a:pPr lvl="3"/>
+            <a:r>
+              <a:rPr lang="zh-CN" altLang="en-US" smtClean="0"/>
+              <a:t>第四级</a:t>
+            </a:r>
+          </a:p>
+          <a:p>
+            <a:pPr lvl="4"/>
+            <a:r>
+              <a:rPr lang="zh-CN" altLang="en-US" smtClean="0"/>
+              <a:t>第五级</a:t>
+            </a:r>
+            <a:endParaRPr lang="zh-CN" altLang="en-US"/>
+          </a:p>
+        </p:txBody>
+      </p:sp>
+      <p:sp>
+        <p:nvSpPr>
+          <p:cNvPr id="5" name="日期占位符 4"/>
+          <p:cNvSpPr>
+            <a:spLocks noGrp="1"/>
+          </p:cNvSpPr>
+          <p:nvPr>
+            <p:ph type="dt" sz="half" idx="10"/>
+          </p:nvPr>
+        </p:nvSpPr>
+        <p:spPr/>
+        <p:txBody>
+          <a:bodyPr/>
+          <a:lstStyle/>
+          <a:p>
+            <a:fld id="{530820CF-B880-4189-942D-D702A7CBA730}" type="datetimeFigureOut">
+              <a:rPr lang="zh-CN" altLang="en-US" smtClean="0"/>
+              <a:t>2016/7/10</a:t>
+            </a:fld>
+            <a:endParaRPr lang="zh-CN" altLang="en-US"/>
+          </a:p>
+        </p:txBody>
+      </p:sp>
+      <p:sp>
+        <p:nvSpPr>
+          <p:cNvPr id="6" name="页脚占位符 5"/>
+          <p:cNvSpPr>
+            <a:spLocks noGrp="1"/>
+          </p:cNvSpPr>
+          <p:nvPr>
+            <p:ph type="ftr" sz="quarter" idx="11"/>
+          </p:nvPr>
+        </p:nvSpPr>
+        <p:spPr/>
+        <p:txBody>
+          <a:bodyPr/>
+          <a:lstStyle/>
+          <a:p>
+            <a:endParaRPr lang="zh-CN" altLang="en-US"/>
+          </a:p>
+        </p:txBody>
+      </p:sp>
+      <p:sp>
+        <p:nvSpPr>
+          <p:cNvPr id="7" name="灯片编号占位符 6"/>
+          <p:cNvSpPr>
+            <a:spLocks noGrp="1"/>
+          </p:cNvSpPr>
+          <p:nvPr>
+            <p:ph type="sldNum" sz="quarter" idx="12"/>
+          </p:nvPr>
+        </p:nvSpPr>
+        <p:spPr/>
+        <p:txBody>
+          <a:bodyPr/>
+          <a:lstStyle/>
+          <a:p>
+            <a:fld id="{0C913308-F349-4B6D-A68A-DD1791B4A57B}" type="slidenum">
+              <a:rPr lang="zh-CN" altLang="en-US" smtClean="0"/>
+              <a:t>‹#›</a:t>
+            </a:fld>
+            <a:endParaRPr lang="zh-CN" altLang="en-US"/>
+          </a:p>
+        </p:txBody>
+      </p:sp>
+    </p:spTree>
+  </p:cSld>
+  <p:clrMapOvr>
+    <a:masterClrMapping/>
+  </p:clrMapOvr>
+</p:sldLayout>
+</file>
+
+<file path=ppt/slideLayouts/slideLayout5.xml><?xml version="1.0" encoding="utf-8"?>
+<p:sldLayout xmlns:a="http://schemas.openxmlformats.org/drawingml/2006/main" xmlns:r="http://schemas.openxmlformats.org/officeDocument/2006/relationships" xmlns:p="http://schemas.openxmlformats.org/presentationml/2006/main" type="twoTxTwoObj" preserve="1">
+  <p:cSld name="比较">
+    <p:spTree>
+      <p:nvGrpSpPr>
+        <p:cNvPr id="1" name=""/>
+        <p:cNvGrpSpPr/>
+        <p:nvPr/>
+      </p:nvGrpSpPr>
+      <p:grpSpPr>
+        <a:xfrm>
+          <a:off x="0" y="0"/>
+          <a:ext cx="0" cy="0"/>
+          <a:chOff x="0" y="0"/>
+          <a:chExt cx="0" cy="0"/>
+        </a:xfrm>
+      </p:grpSpPr>
+      <p:sp>
+        <p:nvSpPr>
+          <p:cNvPr id="2" name="标题 1"/>
+          <p:cNvSpPr>
+            <a:spLocks noGrp="1"/>
+          </p:cNvSpPr>
+          <p:nvPr>
+            <p:ph type="title"/>
+          </p:nvPr>
+        </p:nvSpPr>
+        <p:spPr/>
+        <p:txBody>
+          <a:bodyPr/>
+          <a:lstStyle>
+            <a:lvl1pPr>
+              <a:defRPr/>
+            </a:lvl1pPr>
+          </a:lstStyle>
+          <a:p>
+            <a:r>
+              <a:rPr lang="zh-CN" altLang="en-US" smtClean="0"/>
+              <a:t>单击此处编辑母版标题样式</a:t>
+            </a:r>
+            <a:endParaRPr lang="zh-CN" altLang="en-US"/>
+          </a:p>
+        </p:txBody>
+      </p:sp>
+      <p:sp>
+        <p:nvSpPr>
+          <p:cNvPr id="3" name="文本占位符 2"/>
+          <p:cNvSpPr>
+            <a:spLocks noGrp="1"/>
+          </p:cNvSpPr>
+          <p:nvPr>
+            <p:ph type="body" idx="1"/>
+          </p:nvPr>
+        </p:nvSpPr>
+        <p:spPr>
+          <a:xfrm>
+            <a:off x="457200" y="1535113"/>
+            <a:ext cx="4040188" cy="639762"/>
+          </a:xfrm>
+        </p:spPr>
+        <p:txBody>
+          <a:bodyPr anchor="b"/>
+          <a:lstStyle>
+            <a:lvl1pPr marL="0" indent="0">
+              <a:buNone/>
+              <a:defRPr sz="2400" b="1"/>
+            </a:lvl1pPr>
+            <a:lvl2pPr marL="457200" indent="0">
+              <a:buNone/>
+              <a:defRPr sz="2000" b="1"/>
+            </a:lvl2pPr>
+            <a:lvl3pPr marL="914400" indent="0">
+              <a:buNone/>
+              <a:defRPr sz="1800" b="1"/>
+            </a:lvl3pPr>
+            <a:lvl4pPr marL="1371600" indent="0">
+              <a:buNone/>
+              <a:defRPr sz="1600" b="1"/>
+            </a:lvl4pPr>
+            <a:lvl5pPr marL="1828800" indent="0">
+              <a:buNone/>
+              <a:defRPr sz="1600" b="1"/>
+            </a:lvl5pPr>
+            <a:lvl6pPr marL="2286000" indent="0">
+              <a:buNone/>
+              <a:defRPr sz="1600" b="1"/>
+            </a:lvl6pPr>
+            <a:lvl7pPr marL="2743200" indent="0">
+              <a:buNone/>
+              <a:defRPr sz="1600" b="1"/>
+            </a:lvl7pPr>
+            <a:lvl8pPr marL="3200400" indent="0">
+              <a:buNone/>
+              <a:defRPr sz="1600" b="1"/>
+            </a:lvl8pPr>
+            <a:lvl9pPr marL="3657600" indent="0">
+              <a:buNone/>
+              <a:defRPr sz="1600" b="1"/>
+            </a:lvl9pPr>
+          </a:lstStyle>
+          <a:p>
+            <a:pPr lvl="0"/>
+            <a:r>
+              <a:rPr lang="zh-CN" altLang="en-US" smtClean="0"/>
+              <a:t>单击此处编辑母版文本样式</a:t>
+            </a:r>
+          </a:p>
+        </p:txBody>
+      </p:sp>
+      <p:sp>
+        <p:nvSpPr>
+          <p:cNvPr id="4" name="内容占位符 3"/>
+          <p:cNvSpPr>
+            <a:spLocks noGrp="1"/>
+          </p:cNvSpPr>
+          <p:nvPr>
+            <p:ph sz="half" idx="2"/>
+          </p:nvPr>
+        </p:nvSpPr>
+        <p:spPr>
+          <a:xfrm>
+            <a:off x="457200" y="2174875"/>
+            <a:ext cx="4040188" cy="3951288"/>
+          </a:xfrm>
+        </p:spPr>
+        <p:txBody>
+          <a:bodyPr/>
+          <a:lstStyle>
+            <a:lvl1pPr>
+              <a:defRPr sz="2400"/>
+            </a:lvl1pPr>
+            <a:lvl2pPr>
+              <a:defRPr sz="2000"/>
+            </a:lvl2pPr>
+            <a:lvl3pPr>
+              <a:defRPr sz="1800"/>
+            </a:lvl3pPr>
+            <a:lvl4pPr>
+              <a:defRPr sz="1600"/>
+            </a:lvl4pPr>
+            <a:lvl5pPr>
+              <a:defRPr sz="1600"/>
+            </a:lvl5pPr>
+            <a:lvl6pPr>
+              <a:defRPr sz="1600"/>
+            </a:lvl6pPr>
+            <a:lvl7pPr>
+              <a:defRPr sz="1600"/>
+            </a:lvl7pPr>
+            <a:lvl8pPr>
+              <a:defRPr sz="1600"/>
+            </a:lvl8pPr>
+            <a:lvl9pPr>
+              <a:defRPr sz="1600"/>
+            </a:lvl9pPr>
+          </a:lstStyle>
+          <a:p>
+            <a:pPr lvl="0"/>
+            <a:r>
+              <a:rPr lang="zh-CN" altLang="en-US" smtClean="0"/>
+              <a:t>单击此处编辑母版文本样式</a:t>
+            </a:r>
+          </a:p>
+          <a:p>
+            <a:pPr lvl="1"/>
+            <a:r>
+              <a:rPr lang="zh-CN" altLang="en-US" smtClean="0"/>
+              <a:t>第二级</a:t>
+            </a:r>
+          </a:p>
+          <a:p>
+            <a:pPr lvl="2"/>
+            <a:r>
+              <a:rPr lang="zh-CN" altLang="en-US" smtClean="0"/>
+              <a:t>第三级</a:t>
+            </a:r>
+          </a:p>
+          <a:p>
+            <a:pPr lvl="3"/>
+            <a:r>
+              <a:rPr lang="zh-CN" altLang="en-US" smtClean="0"/>
+              <a:t>第四级</a:t>
+            </a:r>
+          </a:p>
+          <a:p>
+            <a:pPr lvl="4"/>
+            <a:r>
+              <a:rPr lang="zh-CN" altLang="en-US" smtClean="0"/>
+              <a:t>第五级</a:t>
+            </a:r>
+            <a:endParaRPr lang="zh-CN" altLang="en-US"/>
+          </a:p>
+        </p:txBody>
+      </p:sp>
+      <p:sp>
+        <p:nvSpPr>
+          <p:cNvPr id="5" name="文本占位符 4"/>
+          <p:cNvSpPr>
+            <a:spLocks noGrp="1"/>
+          </p:cNvSpPr>
+          <p:nvPr>
+            <p:ph type="body" sz="quarter" idx="3"/>
+          </p:nvPr>
+        </p:nvSpPr>
+        <p:spPr>
+          <a:xfrm>
+            <a:off x="4645025" y="1535113"/>
+            <a:ext cx="4041775" cy="639762"/>
+          </a:xfrm>
+        </p:spPr>
+        <p:txBody>
+          <a:bodyPr anchor="b"/>
+          <a:lstStyle>
+            <a:lvl1pPr marL="0" indent="0">
+              <a:buNone/>
+              <a:defRPr sz="2400" b="1"/>
+            </a:lvl1pPr>
+            <a:lvl2pPr marL="457200" indent="0">
+              <a:buNone/>
+              <a:defRPr sz="2000" b="1"/>
+            </a:lvl2pPr>
+            <a:lvl3pPr marL="914400" indent="0">
+              <a:buNone/>
+              <a:defRPr sz="1800" b="1"/>
+            </a:lvl3pPr>
+            <a:lvl4pPr marL="1371600" indent="0">
+              <a:buNone/>
+              <a:defRPr sz="1600" b="1"/>
+            </a:lvl4pPr>
+            <a:lvl5pPr marL="1828800" indent="0">
+              <a:buNone/>
+              <a:defRPr sz="1600" b="1"/>
+            </a:lvl5pPr>
+            <a:lvl6pPr marL="2286000" indent="0">
+              <a:buNone/>
+              <a:defRPr sz="1600" b="1"/>
+            </a:lvl6pPr>
+            <a:lvl7pPr marL="2743200" indent="0">
+              <a:buNone/>
+              <a:defRPr sz="1600" b="1"/>
+            </a:lvl7pPr>
+            <a:lvl8pPr marL="3200400" indent="0">
+              <a:buNone/>
+              <a:defRPr sz="1600" b="1"/>
+            </a:lvl8pPr>
+            <a:lvl9pPr marL="3657600" indent="0">
+              <a:buNone/>
+              <a:defRPr sz="1600" b="1"/>
+            </a:lvl9pPr>
+          </a:lstStyle>
+          <a:p>
+            <a:pPr lvl="0"/>
+            <a:r>
+              <a:rPr lang="zh-CN" altLang="en-US" smtClean="0"/>
+              <a:t>单击此处编辑母版文本样式</a:t>
+            </a:r>
+          </a:p>
+        </p:txBody>
+      </p:sp>
+      <p:sp>
+        <p:nvSpPr>
+          <p:cNvPr id="6" name="内容占位符 5"/>
+          <p:cNvSpPr>
+            <a:spLocks noGrp="1"/>
+          </p:cNvSpPr>
+          <p:nvPr>
+            <p:ph sz="quarter" idx="4"/>
+          </p:nvPr>
+        </p:nvSpPr>
+        <p:spPr>
+          <a:xfrm>
+            <a:off x="4645025" y="2174875"/>
+            <a:ext cx="4041775" cy="3951288"/>
+          </a:xfrm>
+        </p:spPr>
+        <p:txBody>
+          <a:bodyPr/>
+          <a:lstStyle>
+            <a:lvl1pPr>
+              <a:defRPr sz="2400"/>
+            </a:lvl1pPr>
+            <a:lvl2pPr>
+              <a:defRPr sz="2000"/>
+            </a:lvl2pPr>
+            <a:lvl3pPr>
+              <a:defRPr sz="1800"/>
+            </a:lvl3pPr>
+            <a:lvl4pPr>
+              <a:defRPr sz="1600"/>
+            </a:lvl4pPr>
+            <a:lvl5pPr>
+              <a:defRPr sz="1600"/>
+            </a:lvl5pPr>
+            <a:lvl6pPr>
+              <a:defRPr sz="1600"/>
+            </a:lvl6pPr>
+            <a:lvl7pPr>
+              <a:defRPr sz="1600"/>
+            </a:lvl7pPr>
+            <a:lvl8pPr>
+              <a:defRPr sz="1600"/>
+            </a:lvl8pPr>
+            <a:lvl9pPr>
+              <a:defRPr sz="1600"/>
+            </a:lvl9pPr>
+          </a:lstStyle>
+          <a:p>
+            <a:pPr lvl="0"/>
+            <a:r>
+              <a:rPr lang="zh-CN" altLang="en-US" smtClean="0"/>
+              <a:t>单击此处编辑母版文本样式</a:t>
+            </a:r>
+          </a:p>
+          <a:p>
+            <a:pPr lvl="1"/>
+            <a:r>
+              <a:rPr lang="zh-CN" altLang="en-US" smtClean="0"/>
+              <a:t>第二级</a:t>
+            </a:r>
+          </a:p>
+          <a:p>
+            <a:pPr lvl="2"/>
+            <a:r>
+              <a:rPr lang="zh-CN" altLang="en-US" smtClean="0"/>
+              <a:t>第三级</a:t>
+            </a:r>
+          </a:p>
+          <a:p>
+            <a:pPr lvl="3"/>
+            <a:r>
+              <a:rPr lang="zh-CN" altLang="en-US" smtClean="0"/>
+              <a:t>第四级</a:t>
+            </a:r>
+          </a:p>
+          <a:p>
+            <a:pPr lvl="4"/>
+            <a:r>
+              <a:rPr lang="zh-CN" altLang="en-US" smtClean="0"/>
+              <a:t>第五级</a:t>
+            </a:r>
+            <a:endParaRPr lang="zh-CN" altLang="en-US"/>
+          </a:p>
+        </p:txBody>
+      </p:sp>
+      <p:sp>
+        <p:nvSpPr>
+          <p:cNvPr id="7" name="日期占位符 6"/>
+          <p:cNvSpPr>
+            <a:spLocks noGrp="1"/>
+          </p:cNvSpPr>
+          <p:nvPr>
+            <p:ph type="dt" sz="half" idx="10"/>
+          </p:nvPr>
+        </p:nvSpPr>
+        <p:spPr/>
+        <p:txBody>
+          <a:bodyPr/>
+          <a:lstStyle/>
+          <a:p>
+            <a:fld id="{530820CF-B880-4189-942D-D702A7CBA730}" type="datetimeFigureOut">
+              <a:rPr lang="zh-CN" altLang="en-US" smtClean="0"/>
+              <a:t>2016/7/10</a:t>
+            </a:fld>
+            <a:endParaRPr lang="zh-CN" altLang="en-US"/>
+          </a:p>
+        </p:txBody>
+      </p:sp>
+      <p:sp>
+        <p:nvSpPr>
+          <p:cNvPr id="8" name="页脚占位符 7"/>
+          <p:cNvSpPr>
+            <a:spLocks noGrp="1"/>
+          </p:cNvSpPr>
+          <p:nvPr>
+            <p:ph type="ftr" sz="quarter" idx="11"/>
+          </p:nvPr>
+        </p:nvSpPr>
+        <p:spPr/>
+        <p:txBody>
+          <a:bodyPr/>
+          <a:lstStyle/>
+          <a:p>
+            <a:endParaRPr lang="zh-CN" altLang="en-US"/>
+          </a:p>
+        </p:txBody>
+      </p:sp>
+      <p:sp>
+        <p:nvSpPr>
+          <p:cNvPr id="9" name="灯片编号占位符 8"/>
+          <p:cNvSpPr>
+            <a:spLocks noGrp="1"/>
+          </p:cNvSpPr>
+          <p:nvPr>
+            <p:ph type="sldNum" sz="quarter" idx="12"/>
+          </p:nvPr>
+        </p:nvSpPr>
+        <p:spPr/>
+        <p:txBody>
+          <a:bodyPr/>
+          <a:lstStyle/>
+          <a:p>
+            <a:fld id="{0C913308-F349-4B6D-A68A-DD1791B4A57B}" type="slidenum">
+              <a:rPr lang="zh-CN" altLang="en-US" smtClean="0"/>
+              <a:t>‹#›</a:t>
+            </a:fld>
+            <a:endParaRPr lang="zh-CN" altLang="en-US"/>
+          </a:p>
+        </p:txBody>
+      </p:sp>
+    </p:spTree>
+  </p:cSld>
+  <p:clrMapOvr>
+    <a:masterClrMapping/>
+  </p:clrMapOvr>
+</p:sldLayout>
+</file>
+
+<file path=ppt/slideLayouts/slideLayout6.xml><?xml version="1.0" encoding="utf-8"?>
+<p:sldLayout xmlns:a="http://schemas.openxmlformats.org/drawingml/2006/main" xmlns:r="http://schemas.openxmlformats.org/officeDocument/2006/relationships" xmlns:p="http://schemas.openxmlformats.org/presentationml/2006/main" type="titleOnly" preserve="1">
+  <p:cSld name="仅标题">
+    <p:spTree>
+      <p:nvGrpSpPr>
+        <p:cNvPr id="1" name=""/>
+        <p:cNvGrpSpPr/>
+        <p:nvPr/>
+      </p:nvGrpSpPr>
+      <p:grpSpPr>
+        <a:xfrm>
+          <a:off x="0" y="0"/>
+          <a:ext cx="0" cy="0"/>
+          <a:chOff x="0" y="0"/>
+          <a:chExt cx="0" cy="0"/>
+        </a:xfrm>
+      </p:grpSpPr>
+      <p:sp>
+        <p:nvSpPr>
+          <p:cNvPr id="2" name="标题 1"/>
+          <p:cNvSpPr>
+            <a:spLocks noGrp="1"/>
+          </p:cNvSpPr>
+          <p:nvPr>
+            <p:ph type="title"/>
+          </p:nvPr>
+        </p:nvSpPr>
+        <p:spPr/>
+        <p:txBody>
+          <a:bodyPr/>
+          <a:lstStyle/>
+          <a:p>
+            <a:r>
+              <a:rPr lang="zh-CN" altLang="en-US" smtClean="0"/>
+              <a:t>单击此处编辑母版标题样式</a:t>
+            </a:r>
+            <a:endParaRPr lang="zh-CN" altLang="en-US"/>
+          </a:p>
+        </p:txBody>
+      </p:sp>
+      <p:sp>
+        <p:nvSpPr>
+          <p:cNvPr id="3" name="日期占位符 2"/>
+          <p:cNvSpPr>
+            <a:spLocks noGrp="1"/>
+          </p:cNvSpPr>
+          <p:nvPr>
+            <p:ph type="dt" sz="half" idx="10"/>
+          </p:nvPr>
+        </p:nvSpPr>
+        <p:spPr/>
+        <p:txBody>
+          <a:bodyPr/>
+          <a:lstStyle/>
+          <a:p>
+            <a:fld id="{530820CF-B880-4189-942D-D702A7CBA730}" type="datetimeFigureOut">
+              <a:rPr lang="zh-CN" altLang="en-US" smtClean="0"/>
+              <a:t>2016/7/10</a:t>
+            </a:fld>
+            <a:endParaRPr lang="zh-CN" altLang="en-US"/>
+          </a:p>
+        </p:txBody>
+      </p:sp>
+      <p:sp>
+        <p:nvSpPr>
+          <p:cNvPr id="4" name="页脚占位符 3"/>
+          <p:cNvSpPr>
+            <a:spLocks noGrp="1"/>
+          </p:cNvSpPr>
+          <p:nvPr>
+            <p:ph type="ftr" sz="quarter" idx="11"/>
+          </p:nvPr>
+        </p:nvSpPr>
+        <p:spPr/>
+        <p:txBody>
+          <a:bodyPr/>
+          <a:lstStyle/>
+          <a:p>
+            <a:endParaRPr lang="zh-CN" altLang="en-US"/>
+          </a:p>
+        </p:txBody>
+      </p:sp>
+      <p:sp>
+        <p:nvSpPr>
+          <p:cNvPr id="5" name="灯片编号占位符 4"/>
+          <p:cNvSpPr>
+            <a:spLocks noGrp="1"/>
+          </p:cNvSpPr>
+          <p:nvPr>
+            <p:ph type="sldNum" sz="quarter" idx="12"/>
+          </p:nvPr>
+        </p:nvSpPr>
+        <p:spPr/>
+        <p:txBody>
+          <a:bodyPr/>
+          <a:lstStyle/>
+          <a:p>
+            <a:fld id="{0C913308-F349-4B6D-A68A-DD1791B4A57B}" type="slidenum">
+              <a:rPr lang="zh-CN" altLang="en-US" smtClean="0"/>
+              <a:t>‹#›</a:t>
+            </a:fld>
+            <a:endParaRPr lang="zh-CN" altLang="en-US"/>
+          </a:p>
+        </p:txBody>
+      </p:sp>
+    </p:spTree>
+  </p:cSld>
+  <p:clrMapOvr>
+    <a:masterClrMapping/>
+  </p:clrMapOvr>
+</p:sldLayout>
+</file>
+
+<file path=ppt/slideLayouts/slideLayout7.xml><?xml version="1.0" encoding="utf-8"?>
+<p:sldLayout xmlns:a="http://schemas.openxmlformats.org/drawingml/2006/main" xmlns:r="http://schemas.openxmlformats.org/officeDocument/2006/relationships" xmlns:p="http://schemas.openxmlformats.org/presentationml/2006/main" type="blank" preserve="1">
+  <p:cSld name="空白">
+    <p:spTree>
+      <p:nvGrpSpPr>
+        <p:cNvPr id="1" name=""/>
+        <p:cNvGrpSpPr/>
+        <p:nvPr/>
+      </p:nvGrpSpPr>
+      <p:grpSpPr>
+        <a:xfrm>
+          <a:off x="0" y="0"/>
+          <a:ext cx="0" cy="0"/>
+          <a:chOff x="0" y="0"/>
+          <a:chExt cx="0" cy="0"/>
+        </a:xfrm>
+      </p:grpSpPr>
+      <p:sp>
+        <p:nvSpPr>
+          <p:cNvPr id="2" name="日期占位符 1"/>
+          <p:cNvSpPr>
+            <a:spLocks noGrp="1"/>
+          </p:cNvSpPr>
+          <p:nvPr>
+            <p:ph type="dt" sz="half" idx="10"/>
+          </p:nvPr>
+        </p:nvSpPr>
+        <p:spPr/>
+        <p:txBody>
+          <a:bodyPr/>
+          <a:lstStyle/>
+          <a:p>
+            <a:fld id="{530820CF-B880-4189-942D-D702A7CBA730}" type="datetimeFigureOut">
+              <a:rPr lang="zh-CN" altLang="en-US" smtClean="0"/>
+              <a:t>2016/7/10</a:t>
+            </a:fld>
+            <a:endParaRPr lang="zh-CN" altLang="en-US"/>
+          </a:p>
+        </p:txBody>
+      </p:sp>
+      <p:sp>
+        <p:nvSpPr>
+          <p:cNvPr id="3" name="页脚占位符 2"/>
+          <p:cNvSpPr>
+            <a:spLocks noGrp="1"/>
+          </p:cNvSpPr>
+          <p:nvPr>
+            <p:ph type="ftr" sz="quarter" idx="11"/>
+          </p:nvPr>
+        </p:nvSpPr>
+        <p:spPr/>
+        <p:txBody>
+          <a:bodyPr/>
+          <a:lstStyle/>
+          <a:p>
+            <a:endParaRPr lang="zh-CN" altLang="en-US"/>
+          </a:p>
+        </p:txBody>
+      </p:sp>
+      <p:sp>
+        <p:nvSpPr>
+          <p:cNvPr id="4" name="灯片编号占位符 3"/>
+          <p:cNvSpPr>
+            <a:spLocks noGrp="1"/>
+          </p:cNvSpPr>
+          <p:nvPr>
+            <p:ph type="sldNum" sz="quarter" idx="12"/>
+          </p:nvPr>
+        </p:nvSpPr>
+        <p:spPr/>
+        <p:txBody>
+          <a:bodyPr/>
+          <a:lstStyle/>
+          <a:p>
+            <a:fld id="{0C913308-F349-4B6D-A68A-DD1791B4A57B}" type="slidenum">
+              <a:rPr lang="zh-CN" altLang="en-US" smtClean="0"/>
+              <a:t>‹#›</a:t>
+            </a:fld>
+            <a:endParaRPr lang="zh-CN" altLang="en-US"/>
+          </a:p>
+        </p:txBody>
+      </p:sp>
+    </p:spTree>
+  </p:cSld>
+  <p:clrMapOvr>
+    <a:masterClrMapping/>
+  </p:clrMapOvr>
+</p:sldLayout>
+</file>
+
+<file path=ppt/slideLayouts/slideLayout8.xml><?xml version="1.0" encoding="utf-8"?>
+<p:sldLayout xmlns:a="http://schemas.openxmlformats.org/drawingml/2006/main" xmlns:r="http://schemas.openxmlformats.org/officeDocument/2006/relationships" xmlns:p="http://schemas.openxmlformats.org/presentationml/2006/main" type="objTx" preserve="1">
+  <p:cSld name="内容与标题">
+    <p:spTree>
+      <p:nvGrpSpPr>
+        <p:cNvPr id="1" name=""/>
+        <p:cNvGrpSpPr/>
+        <p:nvPr/>
+      </p:nvGrpSpPr>
+      <p:grpSpPr>
+        <a:xfrm>
+          <a:off x="0" y="0"/>
+          <a:ext cx="0" cy="0"/>
+          <a:chOff x="0" y="0"/>
+          <a:chExt cx="0" cy="0"/>
+        </a:xfrm>
+      </p:grpSpPr>
+      <p:sp>
+        <p:nvSpPr>
+          <p:cNvPr id="2" name="标题 1"/>
+          <p:cNvSpPr>
+            <a:spLocks noGrp="1"/>
+          </p:cNvSpPr>
+          <p:nvPr>
+            <p:ph type="title"/>
+          </p:nvPr>
+        </p:nvSpPr>
+        <p:spPr>
+          <a:xfrm>
+            <a:off x="457200" y="273050"/>
+            <a:ext cx="3008313" cy="1162050"/>
+          </a:xfrm>
+        </p:spPr>
+        <p:txBody>
+          <a:bodyPr anchor="b"/>
+          <a:lstStyle>
+            <a:lvl1pPr algn="l">
+              <a:defRPr sz="2000" b="1"/>
+            </a:lvl1pPr>
+          </a:lstStyle>
+          <a:p>
+            <a:r>
+              <a:rPr lang="zh-CN" altLang="en-US" smtClean="0"/>
+              <a:t>单击此处编辑母版标题样式</a:t>
+            </a:r>
+            <a:endParaRPr lang="zh-CN" altLang="en-US"/>
+          </a:p>
+        </p:txBody>
+      </p:sp>
+      <p:sp>
+        <p:nvSpPr>
+          <p:cNvPr id="3" name="内容占位符 2"/>
+          <p:cNvSpPr>
+            <a:spLocks noGrp="1"/>
+          </p:cNvSpPr>
+          <p:nvPr>
+            <p:ph idx="1"/>
+          </p:nvPr>
+        </p:nvSpPr>
+        <p:spPr>
+          <a:xfrm>
+            <a:off x="3575050" y="273050"/>
+            <a:ext cx="5111750" cy="5853113"/>
+          </a:xfrm>
+        </p:spPr>
+        <p:txBody>
+          <a:bodyPr/>
+          <a:lstStyle>
+            <a:lvl1pPr>
+              <a:defRPr sz="3200"/>
+            </a:lvl1pPr>
+            <a:lvl2pPr>
+              <a:defRPr sz="2800"/>
+            </a:lvl2pPr>
+            <a:lvl3pPr>
+              <a:defRPr sz="2400"/>
+            </a:lvl3pPr>
+            <a:lvl4pPr>
+              <a:defRPr sz="2000"/>
+            </a:lvl4pPr>
+            <a:lvl5pPr>
+              <a:defRPr sz="2000"/>
+            </a:lvl5pPr>
+            <a:lvl6pPr>
+              <a:defRPr sz="2000"/>
+            </a:lvl6pPr>
+            <a:lvl7pPr>
+              <a:defRPr sz="2000"/>
+            </a:lvl7pPr>
+            <a:lvl8pPr>
+              <a:defRPr sz="2000"/>
+            </a:lvl8pPr>
+            <a:lvl9pPr>
+              <a:defRPr sz="2000"/>
+            </a:lvl9pPr>
+          </a:lstStyle>
+          <a:p>
+            <a:pPr lvl="0"/>
+            <a:r>
+              <a:rPr lang="zh-CN" altLang="en-US" smtClean="0"/>
+              <a:t>单击此处编辑母版文本样式</a:t>
+            </a:r>
+          </a:p>
+          <a:p>
+            <a:pPr lvl="1"/>
+            <a:r>
+              <a:rPr lang="zh-CN" altLang="en-US" smtClean="0"/>
+              <a:t>第二级</a:t>
+            </a:r>
+          </a:p>
+          <a:p>
+            <a:pPr lvl="2"/>
+            <a:r>
+              <a:rPr lang="zh-CN" altLang="en-US" smtClean="0"/>
+              <a:t>第三级</a:t>
+            </a:r>
+          </a:p>
+          <a:p>
+            <a:pPr lvl="3"/>
+            <a:r>
+              <a:rPr lang="zh-CN" altLang="en-US" smtClean="0"/>
+              <a:t>第四级</a:t>
+            </a:r>
+          </a:p>
+          <a:p>
+            <a:pPr lvl="4"/>
+            <a:r>
+              <a:rPr lang="zh-CN" altLang="en-US" smtClean="0"/>
+              <a:t>第五级</a:t>
+            </a:r>
+            <a:endParaRPr lang="zh-CN" altLang="en-US"/>
+          </a:p>
+        </p:txBody>
+      </p:sp>
+      <p:sp>
+        <p:nvSpPr>
+          <p:cNvPr id="4" name="文本占位符 3"/>
+          <p:cNvSpPr>
+            <a:spLocks noGrp="1"/>
+          </p:cNvSpPr>
+          <p:nvPr>
+            <p:ph type="body" sz="half" idx="2"/>
+          </p:nvPr>
+        </p:nvSpPr>
+        <p:spPr>
+          <a:xfrm>
+            <a:off x="457200" y="1435100"/>
+            <a:ext cx="3008313" cy="4691063"/>
+          </a:xfrm>
+        </p:spPr>
+        <p:txBody>
+          <a:bodyPr/>
+          <a:lstStyle>
+            <a:lvl1pPr marL="0" indent="0">
+              <a:buNone/>
+              <a:defRPr sz="1400"/>
+            </a:lvl1pPr>
+            <a:lvl2pPr marL="457200" indent="0">
+              <a:buNone/>
+              <a:defRPr sz="1200"/>
+            </a:lvl2pPr>
+            <a:lvl3pPr marL="914400" indent="0">
+              <a:buNone/>
+              <a:defRPr sz="1000"/>
+            </a:lvl3pPr>
+            <a:lvl4pPr marL="1371600" indent="0">
+              <a:buNone/>
+              <a:defRPr sz="900"/>
+            </a:lvl4pPr>
+            <a:lvl5pPr marL="1828800" indent="0">
+              <a:buNone/>
+              <a:defRPr sz="900"/>
+            </a:lvl5pPr>
+            <a:lvl6pPr marL="2286000" indent="0">
+              <a:buNone/>
+              <a:defRPr sz="900"/>
+            </a:lvl6pPr>
+            <a:lvl7pPr marL="2743200" indent="0">
+              <a:buNone/>
+              <a:defRPr sz="900"/>
+            </a:lvl7pPr>
+            <a:lvl8pPr marL="3200400" indent="0">
+              <a:buNone/>
+              <a:defRPr sz="900"/>
+            </a:lvl8pPr>
+            <a:lvl9pPr marL="3657600" indent="0">
+              <a:buNone/>
+              <a:defRPr sz="900"/>
+            </a:lvl9pPr>
+          </a:lstStyle>
+          <a:p>
+            <a:pPr lvl="0"/>
+            <a:r>
+              <a:rPr lang="zh-CN" altLang="en-US" smtClean="0"/>
+              <a:t>单击此处编辑母版文本样式</a:t>
+            </a:r>
+          </a:p>
+        </p:txBody>
+      </p:sp>
+      <p:sp>
+        <p:nvSpPr>
+          <p:cNvPr id="5" name="日期占位符 4"/>
+          <p:cNvSpPr>
+            <a:spLocks noGrp="1"/>
+          </p:cNvSpPr>
+          <p:nvPr>
+            <p:ph type="dt" sz="half" idx="10"/>
+          </p:nvPr>
+        </p:nvSpPr>
+        <p:spPr/>
+        <p:txBody>
+          <a:bodyPr/>
+          <a:lstStyle/>
+          <a:p>
+            <a:fld id="{530820CF-B880-4189-942D-D702A7CBA730}" type="datetimeFigureOut">
+              <a:rPr lang="zh-CN" altLang="en-US" smtClean="0"/>
+              <a:t>2016/7/10</a:t>
             </a:fld>
             <a:endParaRPr lang="zh-CN" altLang="en-US"/>
           </a:p>
@@ -2460,7 +4923,7 @@
           <a:p>
             <a:fld id="{530820CF-B880-4189-942D-D702A7CBA730}" type="datetimeFigureOut">
               <a:rPr lang="zh-CN" altLang="en-US" smtClean="0"/>
-              <a:t>2016/7/9</a:t>
+              <a:t>2016/7/10</a:t>
             </a:fld>
             <a:endParaRPr lang="zh-CN" altLang="en-US"/>
           </a:p>
@@ -2668,7 +5131,7 @@
           <a:p>
             <a:fld id="{530820CF-B880-4189-942D-D702A7CBA730}" type="datetimeFigureOut">
               <a:rPr lang="zh-CN" altLang="en-US" smtClean="0"/>
-              <a:t>2016/7/9</a:t>
+              <a:t>2016/7/10</a:t>
             </a:fld>
             <a:endParaRPr lang="zh-CN" altLang="en-US"/>
           </a:p>
@@ -2767,6 +5230,516 @@
     <p:sldLayoutId id="2147483657" r:id="rId9"/>
     <p:sldLayoutId id="2147483658" r:id="rId10"/>
     <p:sldLayoutId id="2147483659" r:id="rId11"/>
+  </p:sldLayoutIdLst>
+  <p:txStyles>
+    <p:titleStyle>
+      <a:lvl1pPr algn="ctr" defTabSz="914400" rtl="0" eaLnBrk="1" latinLnBrk="0" hangingPunct="1">
+        <a:spcBef>
+          <a:spcPct val="0"/>
+        </a:spcBef>
+        <a:buNone/>
+        <a:defRPr sz="4400" kern="1200">
+          <a:solidFill>
+            <a:schemeClr val="tx1"/>
+          </a:solidFill>
+          <a:latin typeface="+mj-lt"/>
+          <a:ea typeface="+mj-ea"/>
+          <a:cs typeface="+mj-cs"/>
+        </a:defRPr>
+      </a:lvl1pPr>
+    </p:titleStyle>
+    <p:bodyStyle>
+      <a:lvl1pPr marL="342900" indent="-342900" algn="l" defTabSz="914400" rtl="0" eaLnBrk="1" latinLnBrk="0" hangingPunct="1">
+        <a:spcBef>
+          <a:spcPct val="20000"/>
+        </a:spcBef>
+        <a:buFont typeface="Arial" pitchFamily="34" charset="0"/>
+        <a:buChar char="•"/>
+        <a:defRPr sz="3200" kern="1200">
+          <a:solidFill>
+            <a:schemeClr val="tx1"/>
+          </a:solidFill>
+          <a:latin typeface="+mn-lt"/>
+          <a:ea typeface="+mn-ea"/>
+          <a:cs typeface="+mn-cs"/>
+        </a:defRPr>
+      </a:lvl1pPr>
+      <a:lvl2pPr marL="742950" indent="-285750" algn="l" defTabSz="914400" rtl="0" eaLnBrk="1" latinLnBrk="0" hangingPunct="1">
+        <a:spcBef>
+          <a:spcPct val="20000"/>
+        </a:spcBef>
+        <a:buFont typeface="Arial" pitchFamily="34" charset="0"/>
+        <a:buChar char="–"/>
+        <a:defRPr sz="2800" kern="1200">
+          <a:solidFill>
+            <a:schemeClr val="tx1"/>
+          </a:solidFill>
+          <a:latin typeface="+mn-lt"/>
+          <a:ea typeface="+mn-ea"/>
+          <a:cs typeface="+mn-cs"/>
+        </a:defRPr>
+      </a:lvl2pPr>
+      <a:lvl3pPr marL="1143000" indent="-228600" algn="l" defTabSz="914400" rtl="0" eaLnBrk="1" latinLnBrk="0" hangingPunct="1">
+        <a:spcBef>
+          <a:spcPct val="20000"/>
+        </a:spcBef>
+        <a:buFont typeface="Arial" pitchFamily="34" charset="0"/>
+        <a:buChar char="•"/>
+        <a:defRPr sz="2400" kern="1200">
+          <a:solidFill>
+            <a:schemeClr val="tx1"/>
+          </a:solidFill>
+          <a:latin typeface="+mn-lt"/>
+          <a:ea typeface="+mn-ea"/>
+          <a:cs typeface="+mn-cs"/>
+        </a:defRPr>
+      </a:lvl3pPr>
+      <a:lvl4pPr marL="1600200" indent="-228600" algn="l" defTabSz="914400" rtl="0" eaLnBrk="1" latinLnBrk="0" hangingPunct="1">
+        <a:spcBef>
+          <a:spcPct val="20000"/>
+        </a:spcBef>
+        <a:buFont typeface="Arial" pitchFamily="34" charset="0"/>
+        <a:buChar char="–"/>
+        <a:defRPr sz="2000" kern="1200">
+          <a:solidFill>
+            <a:schemeClr val="tx1"/>
+          </a:solidFill>
+          <a:latin typeface="+mn-lt"/>
+          <a:ea typeface="+mn-ea"/>
+          <a:cs typeface="+mn-cs"/>
+        </a:defRPr>
+      </a:lvl4pPr>
+      <a:lvl5pPr marL="2057400" indent="-228600" algn="l" defTabSz="914400" rtl="0" eaLnBrk="1" latinLnBrk="0" hangingPunct="1">
+        <a:spcBef>
+          <a:spcPct val="20000"/>
+        </a:spcBef>
+        <a:buFont typeface="Arial" pitchFamily="34" charset="0"/>
+        <a:buChar char="»"/>
+        <a:defRPr sz="2000" kern="1200">
+          <a:solidFill>
+            <a:schemeClr val="tx1"/>
+          </a:solidFill>
+          <a:latin typeface="+mn-lt"/>
+          <a:ea typeface="+mn-ea"/>
+          <a:cs typeface="+mn-cs"/>
+        </a:defRPr>
+      </a:lvl5pPr>
+      <a:lvl6pPr marL="2514600" indent="-228600" algn="l" defTabSz="914400" rtl="0" eaLnBrk="1" latinLnBrk="0" hangingPunct="1">
+        <a:spcBef>
+          <a:spcPct val="20000"/>
+        </a:spcBef>
+        <a:buFont typeface="Arial" pitchFamily="34" charset="0"/>
+        <a:buChar char="•"/>
+        <a:defRPr sz="2000" kern="1200">
+          <a:solidFill>
+            <a:schemeClr val="tx1"/>
+          </a:solidFill>
+          <a:latin typeface="+mn-lt"/>
+          <a:ea typeface="+mn-ea"/>
+          <a:cs typeface="+mn-cs"/>
+        </a:defRPr>
+      </a:lvl6pPr>
+      <a:lvl7pPr marL="2971800" indent="-228600" algn="l" defTabSz="914400" rtl="0" eaLnBrk="1" latinLnBrk="0" hangingPunct="1">
+        <a:spcBef>
+          <a:spcPct val="20000"/>
+        </a:spcBef>
+        <a:buFont typeface="Arial" pitchFamily="34" charset="0"/>
+        <a:buChar char="•"/>
+        <a:defRPr sz="2000" kern="1200">
+          <a:solidFill>
+            <a:schemeClr val="tx1"/>
+          </a:solidFill>
+          <a:latin typeface="+mn-lt"/>
+          <a:ea typeface="+mn-ea"/>
+          <a:cs typeface="+mn-cs"/>
+        </a:defRPr>
+      </a:lvl7pPr>
+      <a:lvl8pPr marL="3429000" indent="-228600" algn="l" defTabSz="914400" rtl="0" eaLnBrk="1" latinLnBrk="0" hangingPunct="1">
+        <a:spcBef>
+          <a:spcPct val="20000"/>
+        </a:spcBef>
+        <a:buFont typeface="Arial" pitchFamily="34" charset="0"/>
+        <a:buChar char="•"/>
+        <a:defRPr sz="2000" kern="1200">
+          <a:solidFill>
+            <a:schemeClr val="tx1"/>
+          </a:solidFill>
+          <a:latin typeface="+mn-lt"/>
+          <a:ea typeface="+mn-ea"/>
+          <a:cs typeface="+mn-cs"/>
+        </a:defRPr>
+      </a:lvl8pPr>
+      <a:lvl9pPr marL="3886200" indent="-228600" algn="l" defTabSz="914400" rtl="0" eaLnBrk="1" latinLnBrk="0" hangingPunct="1">
+        <a:spcBef>
+          <a:spcPct val="20000"/>
+        </a:spcBef>
+        <a:buFont typeface="Arial" pitchFamily="34" charset="0"/>
+        <a:buChar char="•"/>
+        <a:defRPr sz="2000" kern="1200">
+          <a:solidFill>
+            <a:schemeClr val="tx1"/>
+          </a:solidFill>
+          <a:latin typeface="+mn-lt"/>
+          <a:ea typeface="+mn-ea"/>
+          <a:cs typeface="+mn-cs"/>
+        </a:defRPr>
+      </a:lvl9pPr>
+    </p:bodyStyle>
+    <p:otherStyle>
+      <a:defPPr>
+        <a:defRPr lang="zh-CN"/>
+      </a:defPPr>
+      <a:lvl1pPr marL="0" algn="l" defTabSz="914400" rtl="0" eaLnBrk="1" latinLnBrk="0" hangingPunct="1">
+        <a:defRPr sz="1800" kern="1200">
+          <a:solidFill>
+            <a:schemeClr val="tx1"/>
+          </a:solidFill>
+          <a:latin typeface="+mn-lt"/>
+          <a:ea typeface="+mn-ea"/>
+          <a:cs typeface="+mn-cs"/>
+        </a:defRPr>
+      </a:lvl1pPr>
+      <a:lvl2pPr marL="457200" algn="l" defTabSz="914400" rtl="0" eaLnBrk="1" latinLnBrk="0" hangingPunct="1">
+        <a:defRPr sz="1800" kern="1200">
+          <a:solidFill>
+            <a:schemeClr val="tx1"/>
+          </a:solidFill>
+          <a:latin typeface="+mn-lt"/>
+          <a:ea typeface="+mn-ea"/>
+          <a:cs typeface="+mn-cs"/>
+        </a:defRPr>
+      </a:lvl2pPr>
+      <a:lvl3pPr marL="914400" algn="l" defTabSz="914400" rtl="0" eaLnBrk="1" latinLnBrk="0" hangingPunct="1">
+        <a:defRPr sz="1800" kern="1200">
+          <a:solidFill>
+            <a:schemeClr val="tx1"/>
+          </a:solidFill>
+          <a:latin typeface="+mn-lt"/>
+          <a:ea typeface="+mn-ea"/>
+          <a:cs typeface="+mn-cs"/>
+        </a:defRPr>
+      </a:lvl3pPr>
+      <a:lvl4pPr marL="1371600" algn="l" defTabSz="914400" rtl="0" eaLnBrk="1" latinLnBrk="0" hangingPunct="1">
+        <a:defRPr sz="1800" kern="1200">
+          <a:solidFill>
+            <a:schemeClr val="tx1"/>
+          </a:solidFill>
+          <a:latin typeface="+mn-lt"/>
+          <a:ea typeface="+mn-ea"/>
+          <a:cs typeface="+mn-cs"/>
+        </a:defRPr>
+      </a:lvl4pPr>
+      <a:lvl5pPr marL="1828800" algn="l" defTabSz="914400" rtl="0" eaLnBrk="1" latinLnBrk="0" hangingPunct="1">
+        <a:defRPr sz="1800" kern="1200">
+          <a:solidFill>
+            <a:schemeClr val="tx1"/>
+          </a:solidFill>
+          <a:latin typeface="+mn-lt"/>
+          <a:ea typeface="+mn-ea"/>
+          <a:cs typeface="+mn-cs"/>
+        </a:defRPr>
+      </a:lvl5pPr>
+      <a:lvl6pPr marL="2286000" algn="l" defTabSz="914400" rtl="0" eaLnBrk="1" latinLnBrk="0" hangingPunct="1">
+        <a:defRPr sz="1800" kern="1200">
+          <a:solidFill>
+            <a:schemeClr val="tx1"/>
+          </a:solidFill>
+          <a:latin typeface="+mn-lt"/>
+          <a:ea typeface="+mn-ea"/>
+          <a:cs typeface="+mn-cs"/>
+        </a:defRPr>
+      </a:lvl6pPr>
+      <a:lvl7pPr marL="2743200" algn="l" defTabSz="914400" rtl="0" eaLnBrk="1" latinLnBrk="0" hangingPunct="1">
+        <a:defRPr sz="1800" kern="1200">
+          <a:solidFill>
+            <a:schemeClr val="tx1"/>
+          </a:solidFill>
+          <a:latin typeface="+mn-lt"/>
+          <a:ea typeface="+mn-ea"/>
+          <a:cs typeface="+mn-cs"/>
+        </a:defRPr>
+      </a:lvl7pPr>
+      <a:lvl8pPr marL="3200400" algn="l" defTabSz="914400" rtl="0" eaLnBrk="1" latinLnBrk="0" hangingPunct="1">
+        <a:defRPr sz="1800" kern="1200">
+          <a:solidFill>
+            <a:schemeClr val="tx1"/>
+          </a:solidFill>
+          <a:latin typeface="+mn-lt"/>
+          <a:ea typeface="+mn-ea"/>
+          <a:cs typeface="+mn-cs"/>
+        </a:defRPr>
+      </a:lvl8pPr>
+      <a:lvl9pPr marL="3657600" algn="l" defTabSz="914400" rtl="0" eaLnBrk="1" latinLnBrk="0" hangingPunct="1">
+        <a:defRPr sz="1800" kern="1200">
+          <a:solidFill>
+            <a:schemeClr val="tx1"/>
+          </a:solidFill>
+          <a:latin typeface="+mn-lt"/>
+          <a:ea typeface="+mn-ea"/>
+          <a:cs typeface="+mn-cs"/>
+        </a:defRPr>
+      </a:lvl9pPr>
+    </p:otherStyle>
+  </p:txStyles>
+</p:sldMaster>
+</file>
+
+<file path=ppt/slideMasters/slideMaster2.xml><?xml version="1.0" encoding="utf-8"?>
+<p:sldMaster xmlns:a="http://schemas.openxmlformats.org/drawingml/2006/main" xmlns:r="http://schemas.openxmlformats.org/officeDocument/2006/relationships" xmlns:p="http://schemas.openxmlformats.org/presentationml/2006/main" preserve="1">
+  <p:cSld>
+    <p:bg>
+      <p:bgRef idx="1001">
+        <a:schemeClr val="bg1"/>
+      </p:bgRef>
+    </p:bg>
+    <p:spTree>
+      <p:nvGrpSpPr>
+        <p:cNvPr id="1" name=""/>
+        <p:cNvGrpSpPr/>
+        <p:nvPr/>
+      </p:nvGrpSpPr>
+      <p:grpSpPr>
+        <a:xfrm>
+          <a:off x="0" y="0"/>
+          <a:ext cx="0" cy="0"/>
+          <a:chOff x="0" y="0"/>
+          <a:chExt cx="0" cy="0"/>
+        </a:xfrm>
+      </p:grpSpPr>
+      <p:sp>
+        <p:nvSpPr>
+          <p:cNvPr id="2" name="标题占位符 1"/>
+          <p:cNvSpPr>
+            <a:spLocks noGrp="1"/>
+          </p:cNvSpPr>
+          <p:nvPr>
+            <p:ph type="title"/>
+          </p:nvPr>
+        </p:nvSpPr>
+        <p:spPr>
+          <a:xfrm>
+            <a:off x="457200" y="274638"/>
+            <a:ext cx="8229600" cy="1143000"/>
+          </a:xfrm>
+          <a:prstGeom prst="rect">
+            <a:avLst/>
+          </a:prstGeom>
+        </p:spPr>
+        <p:txBody>
+          <a:bodyPr vert="horz" lIns="91440" tIns="45720" rIns="91440" bIns="45720" rtlCol="0" anchor="ctr">
+            <a:normAutofit/>
+          </a:bodyPr>
+          <a:lstStyle/>
+          <a:p>
+            <a:r>
+              <a:rPr lang="zh-CN" altLang="en-US" smtClean="0"/>
+              <a:t>单击此处编辑母版标题样式</a:t>
+            </a:r>
+            <a:endParaRPr lang="zh-CN" altLang="en-US"/>
+          </a:p>
+        </p:txBody>
+      </p:sp>
+      <p:sp>
+        <p:nvSpPr>
+          <p:cNvPr id="3" name="文本占位符 2"/>
+          <p:cNvSpPr>
+            <a:spLocks noGrp="1"/>
+          </p:cNvSpPr>
+          <p:nvPr>
+            <p:ph type="body" idx="1"/>
+          </p:nvPr>
+        </p:nvSpPr>
+        <p:spPr>
+          <a:xfrm>
+            <a:off x="457200" y="1600200"/>
+            <a:ext cx="8229600" cy="4525963"/>
+          </a:xfrm>
+          <a:prstGeom prst="rect">
+            <a:avLst/>
+          </a:prstGeom>
+        </p:spPr>
+        <p:txBody>
+          <a:bodyPr vert="horz" lIns="91440" tIns="45720" rIns="91440" bIns="45720" rtlCol="0">
+            <a:normAutofit/>
+          </a:bodyPr>
+          <a:lstStyle/>
+          <a:p>
+            <a:pPr lvl="0"/>
+            <a:r>
+              <a:rPr lang="zh-CN" altLang="en-US" smtClean="0"/>
+              <a:t>单击此处编辑母版文本样式</a:t>
+            </a:r>
+          </a:p>
+          <a:p>
+            <a:pPr lvl="1"/>
+            <a:r>
+              <a:rPr lang="zh-CN" altLang="en-US" smtClean="0"/>
+              <a:t>第二级</a:t>
+            </a:r>
+          </a:p>
+          <a:p>
+            <a:pPr lvl="2"/>
+            <a:r>
+              <a:rPr lang="zh-CN" altLang="en-US" smtClean="0"/>
+              <a:t>第三级</a:t>
+            </a:r>
+          </a:p>
+          <a:p>
+            <a:pPr lvl="3"/>
+            <a:r>
+              <a:rPr lang="zh-CN" altLang="en-US" smtClean="0"/>
+              <a:t>第四级</a:t>
+            </a:r>
+          </a:p>
+          <a:p>
+            <a:pPr lvl="4"/>
+            <a:r>
+              <a:rPr lang="zh-CN" altLang="en-US" smtClean="0"/>
+              <a:t>第五级</a:t>
+            </a:r>
+            <a:endParaRPr lang="zh-CN" altLang="en-US"/>
+          </a:p>
+        </p:txBody>
+      </p:sp>
+      <p:sp>
+        <p:nvSpPr>
+          <p:cNvPr id="4" name="日期占位符 3"/>
+          <p:cNvSpPr>
+            <a:spLocks noGrp="1"/>
+          </p:cNvSpPr>
+          <p:nvPr>
+            <p:ph type="dt" sz="half" idx="2"/>
+          </p:nvPr>
+        </p:nvSpPr>
+        <p:spPr>
+          <a:xfrm>
+            <a:off x="457200" y="6356350"/>
+            <a:ext cx="2133600" cy="365125"/>
+          </a:xfrm>
+          <a:prstGeom prst="rect">
+            <a:avLst/>
+          </a:prstGeom>
+        </p:spPr>
+        <p:txBody>
+          <a:bodyPr vert="horz" lIns="91440" tIns="45720" rIns="91440" bIns="45720" rtlCol="0" anchor="ctr"/>
+          <a:lstStyle>
+            <a:lvl1pPr algn="l">
+              <a:defRPr sz="1200">
+                <a:solidFill>
+                  <a:schemeClr val="tx1">
+                    <a:tint val="75000"/>
+                  </a:schemeClr>
+                </a:solidFill>
+              </a:defRPr>
+            </a:lvl1pPr>
+          </a:lstStyle>
+          <a:p>
+            <a:fld id="{92E80180-1FF1-407D-8A1B-28608D4363D7}" type="datetimeFigureOut">
+              <a:rPr lang="zh-CN" altLang="en-US" smtClean="0"/>
+              <a:t>2016/7/10</a:t>
+            </a:fld>
+            <a:endParaRPr lang="zh-CN" altLang="en-US"/>
+          </a:p>
+        </p:txBody>
+      </p:sp>
+      <p:sp>
+        <p:nvSpPr>
+          <p:cNvPr id="5" name="页脚占位符 4"/>
+          <p:cNvSpPr>
+            <a:spLocks noGrp="1"/>
+          </p:cNvSpPr>
+          <p:nvPr>
+            <p:ph type="ftr" sz="quarter" idx="3"/>
+          </p:nvPr>
+        </p:nvSpPr>
+        <p:spPr>
+          <a:xfrm>
+            <a:off x="3124200" y="6356350"/>
+            <a:ext cx="2895600" cy="365125"/>
+          </a:xfrm>
+          <a:prstGeom prst="rect">
+            <a:avLst/>
+          </a:prstGeom>
+        </p:spPr>
+        <p:txBody>
+          <a:bodyPr vert="horz" lIns="91440" tIns="45720" rIns="91440" bIns="45720" rtlCol="0" anchor="ctr"/>
+          <a:lstStyle>
+            <a:lvl1pPr algn="ctr">
+              <a:defRPr sz="1200">
+                <a:solidFill>
+                  <a:schemeClr val="tx1">
+                    <a:tint val="75000"/>
+                  </a:schemeClr>
+                </a:solidFill>
+              </a:defRPr>
+            </a:lvl1pPr>
+          </a:lstStyle>
+          <a:p>
+            <a:endParaRPr lang="zh-CN" altLang="en-US"/>
+          </a:p>
+        </p:txBody>
+      </p:sp>
+      <p:sp>
+        <p:nvSpPr>
+          <p:cNvPr id="6" name="灯片编号占位符 5"/>
+          <p:cNvSpPr>
+            <a:spLocks noGrp="1"/>
+          </p:cNvSpPr>
+          <p:nvPr>
+            <p:ph type="sldNum" sz="quarter" idx="4"/>
+          </p:nvPr>
+        </p:nvSpPr>
+        <p:spPr>
+          <a:xfrm>
+            <a:off x="6553200" y="6356350"/>
+            <a:ext cx="2133600" cy="365125"/>
+          </a:xfrm>
+          <a:prstGeom prst="rect">
+            <a:avLst/>
+          </a:prstGeom>
+        </p:spPr>
+        <p:txBody>
+          <a:bodyPr vert="horz" lIns="91440" tIns="45720" rIns="91440" bIns="45720" rtlCol="0" anchor="ctr"/>
+          <a:lstStyle>
+            <a:lvl1pPr algn="r">
+              <a:defRPr sz="1200">
+                <a:solidFill>
+                  <a:schemeClr val="tx1">
+                    <a:tint val="75000"/>
+                  </a:schemeClr>
+                </a:solidFill>
+              </a:defRPr>
+            </a:lvl1pPr>
+          </a:lstStyle>
+          <a:p>
+            <a:fld id="{4CCEE2F3-4D6D-4E47-B399-BD226C82323D}" type="slidenum">
+              <a:rPr lang="zh-CN" altLang="en-US" smtClean="0"/>
+              <a:t>‹#›</a:t>
+            </a:fld>
+            <a:endParaRPr lang="zh-CN" altLang="en-US"/>
+          </a:p>
+        </p:txBody>
+      </p:sp>
+    </p:spTree>
+    <p:extLst>
+      <p:ext uri="{BB962C8B-B14F-4D97-AF65-F5344CB8AC3E}">
+        <p14:creationId xmlns:p14="http://schemas.microsoft.com/office/powerpoint/2010/main" val="277768439"/>
+      </p:ext>
+    </p:extLst>
+  </p:cSld>
+  <p:clrMap bg1="lt1" tx1="dk1" bg2="lt2" tx2="dk2" accent1="accent1" accent2="accent2" accent3="accent3" accent4="accent4" accent5="accent5" accent6="accent6" hlink="hlink" folHlink="folHlink"/>
+  <p:sldLayoutIdLst>
+    <p:sldLayoutId id="2147483661" r:id="rId1"/>
+    <p:sldLayoutId id="2147483662" r:id="rId2"/>
+    <p:sldLayoutId id="2147483663" r:id="rId3"/>
+    <p:sldLayoutId id="2147483664" r:id="rId4"/>
+    <p:sldLayoutId id="2147483665" r:id="rId5"/>
+    <p:sldLayoutId id="2147483666" r:id="rId6"/>
+    <p:sldLayoutId id="2147483667" r:id="rId7"/>
+    <p:sldLayoutId id="2147483668" r:id="rId8"/>
+    <p:sldLayoutId id="2147483669" r:id="rId9"/>
+    <p:sldLayoutId id="2147483670" r:id="rId10"/>
+    <p:sldLayoutId id="2147483671" r:id="rId11"/>
   </p:sldLayoutIdLst>
   <p:txStyles>
     <p:titleStyle>
@@ -3040,14 +6013,490 @@
       </p:grpSpPr>
       <p:sp>
         <p:nvSpPr>
-          <p:cNvPr id="4" name="TextBox 3"/>
+          <p:cNvPr id="2050" name="Text Box 8"/>
+          <p:cNvSpPr>
+            <a:spLocks noChangeArrowheads="1"/>
+          </p:cNvSpPr>
+          <p:nvPr/>
+        </p:nvSpPr>
+        <p:spPr bwMode="auto">
+          <a:xfrm>
+            <a:off x="409099" y="476672"/>
+            <a:ext cx="8395621" cy="3462486"/>
+          </a:xfrm>
+          <a:prstGeom prst="rect">
+            <a:avLst/>
+          </a:prstGeom>
+          <a:noFill/>
+          <a:ln>
+            <a:noFill/>
+          </a:ln>
+          <a:extLst>
+            <a:ext uri="{909E8E84-426E-40DD-AFC4-6F175D3DCCD1}">
+              <a14:hiddenFill xmlns:a14="http://schemas.microsoft.com/office/drawing/2010/main">
+                <a:solidFill>
+                  <a:srgbClr val="FFFFFF"/>
+                </a:solidFill>
+              </a14:hiddenFill>
+            </a:ext>
+            <a:ext uri="{91240B29-F687-4F45-9708-019B960494DF}">
+              <a14:hiddenLine xmlns:a14="http://schemas.microsoft.com/office/drawing/2010/main" w="9525">
+                <a:solidFill>
+                  <a:srgbClr val="000000"/>
+                </a:solidFill>
+                <a:miter lim="800000"/>
+                <a:headEnd/>
+                <a:tailEnd/>
+              </a14:hiddenLine>
+            </a:ext>
+          </a:extLst>
+        </p:spPr>
+        <p:txBody>
+          <a:bodyPr wrap="square">
+            <a:spAutoFit/>
+          </a:bodyPr>
+          <a:lstStyle/>
+          <a:p>
+            <a:pPr algn="ctr" eaLnBrk="1" hangingPunct="1">
+              <a:lnSpc>
+                <a:spcPct val="150000"/>
+              </a:lnSpc>
+            </a:pPr>
+            <a:r>
+              <a:rPr lang="en-US" altLang="zh-CN" sz="6600" b="1" dirty="0" err="1">
+                <a:solidFill>
+                  <a:srgbClr val="FF0000"/>
+                </a:solidFill>
+                <a:latin typeface="方正大黑简体" pitchFamily="65" charset="-122"/>
+                <a:ea typeface="方正大黑简体" pitchFamily="65" charset="-122"/>
+                <a:cs typeface="Arial Unicode MS" pitchFamily="34" charset="-122"/>
+                <a:sym typeface="方正大黑简体" pitchFamily="65" charset="-122"/>
+              </a:rPr>
+              <a:t>market</a:t>
+            </a:r>
+            <a:r>
+              <a:rPr lang="en-US" altLang="zh-CN" sz="6600" b="1" dirty="0" err="1" smtClean="0">
+                <a:solidFill>
+                  <a:srgbClr val="FF0000"/>
+                </a:solidFill>
+                <a:latin typeface="方正大黑简体" pitchFamily="65" charset="-122"/>
+                <a:ea typeface="方正大黑简体" pitchFamily="65" charset="-122"/>
+                <a:cs typeface="Arial Unicode MS" pitchFamily="34" charset="-122"/>
+                <a:sym typeface="方正大黑简体" pitchFamily="65" charset="-122"/>
+              </a:rPr>
+              <a:t>Scape</a:t>
+            </a:r>
+            <a:endParaRPr lang="en-US" altLang="zh-CN" sz="6600" b="1" dirty="0" smtClean="0">
+              <a:solidFill>
+                <a:srgbClr val="FF0000"/>
+              </a:solidFill>
+              <a:latin typeface="方正大黑简体" pitchFamily="65" charset="-122"/>
+              <a:ea typeface="方正大黑简体" pitchFamily="65" charset="-122"/>
+              <a:cs typeface="Arial Unicode MS" pitchFamily="34" charset="-122"/>
+              <a:sym typeface="方正大黑简体" pitchFamily="65" charset="-122"/>
+            </a:endParaRPr>
+          </a:p>
+          <a:p>
+            <a:pPr algn="ctr" eaLnBrk="1" hangingPunct="1">
+              <a:lnSpc>
+                <a:spcPct val="150000"/>
+              </a:lnSpc>
+            </a:pPr>
+            <a:r>
+              <a:rPr lang="en-US" altLang="zh-CN" sz="3600" b="1" dirty="0" smtClean="0">
+                <a:solidFill>
+                  <a:srgbClr val="0000CC"/>
+                </a:solidFill>
+                <a:latin typeface="方正大黑简体" pitchFamily="65" charset="-122"/>
+                <a:ea typeface="方正大黑简体" pitchFamily="65" charset="-122"/>
+                <a:cs typeface="Arial Unicode MS" pitchFamily="34" charset="-122"/>
+                <a:sym typeface="方正大黑简体" pitchFamily="65" charset="-122"/>
+              </a:rPr>
+              <a:t>——</a:t>
+            </a:r>
+            <a:r>
+              <a:rPr lang="zh-CN" altLang="en-US" sz="3200" b="1" dirty="0" smtClean="0">
+                <a:solidFill>
+                  <a:srgbClr val="0000CC"/>
+                </a:solidFill>
+                <a:latin typeface="方正大黑简体" pitchFamily="65" charset="-122"/>
+                <a:ea typeface="方正大黑简体" pitchFamily="65" charset="-122"/>
+                <a:cs typeface="Arial Unicode MS" pitchFamily="34" charset="-122"/>
+                <a:sym typeface="方正大黑简体" pitchFamily="65" charset="-122"/>
+              </a:rPr>
+              <a:t>市场预测技术服务方案</a:t>
+            </a:r>
+            <a:endParaRPr lang="en-US" altLang="zh-CN" sz="3200" b="1" dirty="0">
+              <a:solidFill>
+                <a:srgbClr val="0000CC"/>
+              </a:solidFill>
+              <a:latin typeface="方正大黑简体" pitchFamily="65" charset="-122"/>
+              <a:ea typeface="方正大黑简体" pitchFamily="65" charset="-122"/>
+              <a:cs typeface="Arial Unicode MS" pitchFamily="34" charset="-122"/>
+              <a:sym typeface="方正大黑简体" pitchFamily="65" charset="-122"/>
+            </a:endParaRPr>
+          </a:p>
+          <a:p>
+            <a:pPr algn="ctr" eaLnBrk="1" hangingPunct="1">
+              <a:lnSpc>
+                <a:spcPct val="150000"/>
+              </a:lnSpc>
+            </a:pPr>
+            <a:r>
+              <a:rPr lang="en-US" altLang="zh-CN" sz="4400" dirty="0" smtClean="0">
+                <a:latin typeface="Arial Black" pitchFamily="34" charset="0"/>
+                <a:ea typeface="方正大黑简体" pitchFamily="65" charset="-122"/>
+                <a:sym typeface="方正大黑简体" pitchFamily="65" charset="-122"/>
+              </a:rPr>
+              <a:t> </a:t>
+            </a:r>
+            <a:endParaRPr lang="en-US" altLang="zh-CN" sz="2800" baseline="30000" dirty="0">
+              <a:latin typeface="Arial Black" pitchFamily="34" charset="0"/>
+              <a:ea typeface="方正大黑简体" pitchFamily="65" charset="-122"/>
+              <a:sym typeface="方正大黑简体" pitchFamily="65" charset="-122"/>
+            </a:endParaRPr>
+          </a:p>
+        </p:txBody>
+      </p:sp>
+      <p:sp>
+        <p:nvSpPr>
+          <p:cNvPr id="2052" name="Text Box 10"/>
+          <p:cNvSpPr>
+            <a:spLocks noChangeArrowheads="1"/>
+          </p:cNvSpPr>
+          <p:nvPr/>
+        </p:nvSpPr>
+        <p:spPr bwMode="auto">
+          <a:xfrm>
+            <a:off x="296278" y="5517231"/>
+            <a:ext cx="8244255" cy="830997"/>
+          </a:xfrm>
+          <a:prstGeom prst="rect">
+            <a:avLst/>
+          </a:prstGeom>
+          <a:noFill/>
+          <a:ln>
+            <a:noFill/>
+          </a:ln>
+          <a:extLst>
+            <a:ext uri="{909E8E84-426E-40DD-AFC4-6F175D3DCCD1}">
+              <a14:hiddenFill xmlns:a14="http://schemas.microsoft.com/office/drawing/2010/main">
+                <a:solidFill>
+                  <a:srgbClr val="FFFFFF"/>
+                </a:solidFill>
+              </a14:hiddenFill>
+            </a:ext>
+            <a:ext uri="{91240B29-F687-4F45-9708-019B960494DF}">
+              <a14:hiddenLine xmlns:a14="http://schemas.microsoft.com/office/drawing/2010/main" w="9525">
+                <a:solidFill>
+                  <a:srgbClr val="000000"/>
+                </a:solidFill>
+                <a:miter lim="800000"/>
+                <a:headEnd/>
+                <a:tailEnd/>
+              </a14:hiddenLine>
+            </a:ext>
+          </a:extLst>
+        </p:spPr>
+        <p:txBody>
+          <a:bodyPr wrap="square">
+            <a:spAutoFit/>
+          </a:bodyPr>
+          <a:lstStyle/>
+          <a:p>
+            <a:pPr algn="ctr" eaLnBrk="1" hangingPunct="1">
+              <a:lnSpc>
+                <a:spcPct val="150000"/>
+              </a:lnSpc>
+            </a:pPr>
+            <a:r>
+              <a:rPr lang="en-US" altLang="zh-CN" sz="1600" dirty="0">
+                <a:solidFill>
+                  <a:schemeClr val="tx1">
+                    <a:lumMod val="95000"/>
+                    <a:lumOff val="5000"/>
+                  </a:schemeClr>
+                </a:solidFill>
+                <a:latin typeface="Arial Unicode MS" pitchFamily="34" charset="-122"/>
+                <a:ea typeface="Arial Unicode MS" pitchFamily="34" charset="-122"/>
+                <a:cs typeface="Arial Unicode MS" pitchFamily="34" charset="-122"/>
+              </a:rPr>
+              <a:t>A </a:t>
+            </a:r>
+            <a:r>
+              <a:rPr lang="zh-CN" altLang="en-US" sz="1600" dirty="0">
+                <a:solidFill>
+                  <a:schemeClr val="tx1">
+                    <a:lumMod val="95000"/>
+                    <a:lumOff val="5000"/>
+                  </a:schemeClr>
+                </a:solidFill>
+                <a:latin typeface="Arial Unicode MS" pitchFamily="34" charset="-122"/>
+                <a:ea typeface="Arial Unicode MS" pitchFamily="34" charset="-122"/>
+                <a:cs typeface="Arial Unicode MS" pitchFamily="34" charset="-122"/>
+              </a:rPr>
+              <a:t>Solution </a:t>
+            </a:r>
+            <a:r>
+              <a:rPr lang="en-US" altLang="zh-CN" sz="1600" dirty="0">
+                <a:solidFill>
+                  <a:schemeClr val="tx1">
+                    <a:lumMod val="95000"/>
+                    <a:lumOff val="5000"/>
+                  </a:schemeClr>
+                </a:solidFill>
+                <a:latin typeface="Arial Unicode MS" pitchFamily="34" charset="-122"/>
+                <a:ea typeface="Arial Unicode MS" pitchFamily="34" charset="-122"/>
+                <a:cs typeface="Arial Unicode MS" pitchFamily="34" charset="-122"/>
+              </a:rPr>
+              <a:t>Product Design @</a:t>
+            </a:r>
+            <a:r>
+              <a:rPr lang="en-US" altLang="zh-CN" sz="1600" dirty="0" smtClean="0">
+                <a:solidFill>
+                  <a:schemeClr val="tx1">
+                    <a:lumMod val="95000"/>
+                    <a:lumOff val="5000"/>
+                  </a:schemeClr>
+                </a:solidFill>
+                <a:latin typeface="Arial Unicode MS" pitchFamily="34" charset="-122"/>
+                <a:ea typeface="Arial Unicode MS" pitchFamily="34" charset="-122"/>
+                <a:cs typeface="Arial Unicode MS" pitchFamily="34" charset="-122"/>
+              </a:rPr>
+              <a:t>201</a:t>
+            </a:r>
+            <a:r>
+              <a:rPr lang="en-US" altLang="zh-CN" sz="1600" dirty="0">
+                <a:solidFill>
+                  <a:schemeClr val="tx1">
+                    <a:lumMod val="95000"/>
+                    <a:lumOff val="5000"/>
+                  </a:schemeClr>
+                </a:solidFill>
+                <a:latin typeface="Arial Unicode MS" pitchFamily="34" charset="-122"/>
+                <a:ea typeface="Arial Unicode MS" pitchFamily="34" charset="-122"/>
+                <a:cs typeface="Arial Unicode MS" pitchFamily="34" charset="-122"/>
+              </a:rPr>
+              <a:t>6</a:t>
+            </a:r>
+            <a:r>
+              <a:rPr lang="zh-CN" altLang="en-US" sz="1600" dirty="0" smtClean="0">
+                <a:solidFill>
+                  <a:schemeClr val="tx1">
+                    <a:lumMod val="95000"/>
+                    <a:lumOff val="5000"/>
+                  </a:schemeClr>
+                </a:solidFill>
+                <a:latin typeface="Arial Unicode MS" pitchFamily="34" charset="-122"/>
+                <a:ea typeface="Arial Unicode MS" pitchFamily="34" charset="-122"/>
+                <a:cs typeface="Arial Unicode MS" pitchFamily="34" charset="-122"/>
+              </a:rPr>
+              <a:t>  </a:t>
+            </a:r>
+            <a:r>
+              <a:rPr lang="en-US" altLang="zh-CN" sz="1600" dirty="0" smtClean="0">
+                <a:solidFill>
+                  <a:schemeClr val="tx1">
+                    <a:lumMod val="95000"/>
+                    <a:lumOff val="5000"/>
+                  </a:schemeClr>
+                </a:solidFill>
+                <a:latin typeface="Arial Unicode MS" pitchFamily="34" charset="-122"/>
+                <a:ea typeface="Arial Unicode MS" pitchFamily="34" charset="-122"/>
+                <a:cs typeface="Arial Unicode MS" pitchFamily="34" charset="-122"/>
+              </a:rPr>
+              <a:t>By </a:t>
+            </a:r>
+            <a:r>
+              <a:rPr lang="zh-CN" altLang="en-US" sz="1600" dirty="0">
+                <a:solidFill>
+                  <a:schemeClr val="tx1">
+                    <a:lumMod val="95000"/>
+                    <a:lumOff val="5000"/>
+                  </a:schemeClr>
+                </a:solidFill>
+                <a:latin typeface="Arial Unicode MS" pitchFamily="34" charset="-122"/>
+                <a:ea typeface="Arial Unicode MS" pitchFamily="34" charset="-122"/>
+                <a:cs typeface="Arial Unicode MS" pitchFamily="34" charset="-122"/>
+              </a:rPr>
+              <a:t>一行</a:t>
+            </a:r>
+            <a:r>
+              <a:rPr lang="en-US" altLang="zh-CN" sz="1600" dirty="0" smtClean="0">
+                <a:solidFill>
+                  <a:schemeClr val="tx1">
+                    <a:lumMod val="95000"/>
+                    <a:lumOff val="5000"/>
+                  </a:schemeClr>
+                </a:solidFill>
+                <a:latin typeface="Arial Unicode MS" pitchFamily="34" charset="-122"/>
+                <a:ea typeface="Arial Unicode MS" pitchFamily="34" charset="-122"/>
+                <a:cs typeface="Arial Unicode MS" pitchFamily="34" charset="-122"/>
+              </a:rPr>
+              <a:t>  </a:t>
+            </a:r>
+          </a:p>
+          <a:p>
+            <a:pPr algn="ctr" eaLnBrk="1" hangingPunct="1">
+              <a:lnSpc>
+                <a:spcPct val="150000"/>
+              </a:lnSpc>
+            </a:pPr>
+            <a:r>
+              <a:rPr lang="zh-CN" altLang="en-US" sz="1600" dirty="0" smtClean="0">
+                <a:solidFill>
+                  <a:schemeClr val="tx1">
+                    <a:lumMod val="95000"/>
+                    <a:lumOff val="5000"/>
+                  </a:schemeClr>
+                </a:solidFill>
+                <a:latin typeface="Arial Unicode MS" pitchFamily="34" charset="-122"/>
+                <a:ea typeface="Arial Unicode MS" pitchFamily="34" charset="-122"/>
+                <a:cs typeface="Arial Unicode MS" pitchFamily="34" charset="-122"/>
+              </a:rPr>
+              <a:t> </a:t>
+            </a:r>
+            <a:r>
+              <a:rPr lang="en-US" altLang="zh-CN" sz="1600" dirty="0" err="1" smtClean="0">
+                <a:solidFill>
+                  <a:schemeClr val="tx1">
+                    <a:lumMod val="95000"/>
+                    <a:lumOff val="5000"/>
+                  </a:schemeClr>
+                </a:solidFill>
+                <a:latin typeface="Arial Unicode MS" pitchFamily="34" charset="-122"/>
+                <a:ea typeface="Arial Unicode MS" pitchFamily="34" charset="-122"/>
+                <a:cs typeface="Arial Unicode MS" pitchFamily="34" charset="-122"/>
+                <a:sym typeface="Arial" charset="0"/>
+              </a:rPr>
+              <a:t>qq</a:t>
+            </a:r>
+            <a:r>
+              <a:rPr lang="zh-CN" altLang="en-US" sz="1600" dirty="0" smtClean="0">
+                <a:solidFill>
+                  <a:schemeClr val="tx1">
+                    <a:lumMod val="95000"/>
+                    <a:lumOff val="5000"/>
+                  </a:schemeClr>
+                </a:solidFill>
+                <a:latin typeface="Arial Unicode MS" pitchFamily="34" charset="-122"/>
+                <a:ea typeface="Arial Unicode MS" pitchFamily="34" charset="-122"/>
+                <a:cs typeface="Arial Unicode MS" pitchFamily="34" charset="-122"/>
+                <a:sym typeface="Arial" charset="0"/>
+              </a:rPr>
+              <a:t>：</a:t>
+            </a:r>
+            <a:r>
+              <a:rPr lang="en-US" altLang="zh-CN" sz="1600" dirty="0" smtClean="0">
+                <a:solidFill>
+                  <a:schemeClr val="tx1">
+                    <a:lumMod val="95000"/>
+                    <a:lumOff val="5000"/>
+                  </a:schemeClr>
+                </a:solidFill>
+                <a:latin typeface="Arial Unicode MS" pitchFamily="34" charset="-122"/>
+                <a:ea typeface="Arial Unicode MS" pitchFamily="34" charset="-122"/>
+                <a:cs typeface="Arial Unicode MS" pitchFamily="34" charset="-122"/>
+                <a:sym typeface="Arial" charset="0"/>
+              </a:rPr>
+              <a:t>787687312   </a:t>
+            </a:r>
+            <a:r>
+              <a:rPr lang="en-US" altLang="zh-CN" sz="1600" dirty="0" err="1" smtClean="0">
+                <a:solidFill>
+                  <a:schemeClr val="tx1">
+                    <a:lumMod val="95000"/>
+                    <a:lumOff val="5000"/>
+                  </a:schemeClr>
+                </a:solidFill>
+                <a:latin typeface="Arial Unicode MS" pitchFamily="34" charset="-122"/>
+                <a:ea typeface="Arial Unicode MS" pitchFamily="34" charset="-122"/>
+                <a:cs typeface="Arial Unicode MS" pitchFamily="34" charset="-122"/>
+                <a:sym typeface="Arial" charset="0"/>
+              </a:rPr>
+              <a:t>eMail</a:t>
+            </a:r>
+            <a:r>
+              <a:rPr lang="en-US" altLang="zh-CN" sz="1600" dirty="0" smtClean="0">
+                <a:solidFill>
+                  <a:schemeClr val="tx1">
+                    <a:lumMod val="95000"/>
+                    <a:lumOff val="5000"/>
+                  </a:schemeClr>
+                </a:solidFill>
+                <a:latin typeface="Arial Unicode MS" pitchFamily="34" charset="-122"/>
+                <a:ea typeface="Arial Unicode MS" pitchFamily="34" charset="-122"/>
+                <a:cs typeface="Arial Unicode MS" pitchFamily="34" charset="-122"/>
+                <a:sym typeface="Arial" charset="0"/>
+              </a:rPr>
+              <a:t>:  787687312@qq.com</a:t>
+            </a:r>
+            <a:endParaRPr lang="en-US" altLang="zh-CN" sz="1600" dirty="0">
+              <a:solidFill>
+                <a:schemeClr val="tx1">
+                  <a:lumMod val="95000"/>
+                  <a:lumOff val="5000"/>
+                </a:schemeClr>
+              </a:solidFill>
+              <a:latin typeface="Arial Unicode MS" pitchFamily="34" charset="-122"/>
+              <a:ea typeface="Arial Unicode MS" pitchFamily="34" charset="-122"/>
+              <a:cs typeface="Arial Unicode MS" pitchFamily="34" charset="-122"/>
+              <a:sym typeface="方正大黑简体" pitchFamily="65" charset="-122"/>
+            </a:endParaRPr>
+          </a:p>
+        </p:txBody>
+      </p:sp>
+      <p:sp>
+        <p:nvSpPr>
+          <p:cNvPr id="2053" name="Line 13"/>
+          <p:cNvSpPr>
+            <a:spLocks noChangeShapeType="1"/>
+          </p:cNvSpPr>
+          <p:nvPr/>
+        </p:nvSpPr>
+        <p:spPr bwMode="auto">
+          <a:xfrm>
+            <a:off x="184150" y="6524625"/>
+            <a:ext cx="8763000" cy="1588"/>
+          </a:xfrm>
+          <a:prstGeom prst="line">
+            <a:avLst/>
+          </a:prstGeom>
+          <a:noFill/>
+          <a:ln w="9525">
+            <a:solidFill>
+              <a:schemeClr val="bg1"/>
+            </a:solidFill>
+            <a:miter lim="800000"/>
+            <a:headEnd/>
+            <a:tailEnd/>
+          </a:ln>
+          <a:extLst>
+            <a:ext uri="{909E8E84-426E-40DD-AFC4-6F175D3DCCD1}">
+              <a14:hiddenFill xmlns:a14="http://schemas.microsoft.com/office/drawing/2010/main">
+                <a:noFill/>
+              </a14:hiddenFill>
+            </a:ext>
+          </a:extLst>
+        </p:spPr>
+        <p:txBody>
+          <a:bodyPr/>
+          <a:lstStyle/>
+          <a:p>
+            <a:endParaRPr lang="zh-CN" altLang="en-US"/>
+          </a:p>
+        </p:txBody>
+      </p:sp>
+      <p:sp>
+        <p:nvSpPr>
+          <p:cNvPr id="5" name="TextBox 4"/>
           <p:cNvSpPr txBox="1"/>
           <p:nvPr/>
         </p:nvSpPr>
         <p:spPr>
           <a:xfrm>
-            <a:off x="2627784" y="980728"/>
-            <a:ext cx="2964273" cy="646331"/>
+            <a:off x="827584" y="2780928"/>
+            <a:ext cx="7704856" cy="1569660"/>
           </a:xfrm>
           <a:prstGeom prst="rect">
             <a:avLst/>
@@ -3055,45 +6504,126 @@
           <a:noFill/>
         </p:spPr>
         <p:txBody>
-          <a:bodyPr wrap="none" rtlCol="0">
+          <a:bodyPr wrap="square" rtlCol="0">
             <a:spAutoFit/>
           </a:bodyPr>
           <a:lstStyle/>
           <a:p>
-            <a:r>
-              <a:rPr lang="zh-CN" altLang="en-US" sz="3600" b="1" dirty="0">
+            <a:pPr>
+              <a:lnSpc>
+                <a:spcPct val="200000"/>
+              </a:lnSpc>
+            </a:pPr>
+            <a:r>
+              <a:rPr lang="zh-CN" altLang="en-US" sz="2400" dirty="0" smtClean="0">
                 <a:solidFill>
                   <a:srgbClr val="FF0000"/>
                 </a:solidFill>
+                <a:latin typeface="黑体" panose="02010609060101010101" pitchFamily="49" charset="-122"/>
+                <a:ea typeface="黑体" panose="02010609060101010101" pitchFamily="49" charset="-122"/>
               </a:rPr>
-              <a:t>市场</a:t>
-            </a:r>
-            <a:r>
-              <a:rPr lang="zh-CN" altLang="en-US" sz="3600" b="1" dirty="0" smtClean="0">
+              <a:t>技术简介：</a:t>
+            </a:r>
+            <a:r>
+              <a:rPr lang="zh-CN" altLang="en-US" sz="2400" dirty="0" smtClean="0">
+                <a:latin typeface="黑体" panose="02010609060101010101" pitchFamily="49" charset="-122"/>
+                <a:ea typeface="黑体" panose="02010609060101010101" pitchFamily="49" charset="-122"/>
+              </a:rPr>
+              <a:t>采用人工智能学习的方法，预测当日走势</a:t>
+            </a:r>
+            <a:endParaRPr lang="en-US" altLang="zh-CN" sz="2400" dirty="0" smtClean="0">
+              <a:latin typeface="黑体" panose="02010609060101010101" pitchFamily="49" charset="-122"/>
+              <a:ea typeface="黑体" panose="02010609060101010101" pitchFamily="49" charset="-122"/>
+            </a:endParaRPr>
+          </a:p>
+          <a:p>
+            <a:pPr>
+              <a:lnSpc>
+                <a:spcPct val="200000"/>
+              </a:lnSpc>
+            </a:pPr>
+            <a:r>
+              <a:rPr lang="zh-CN" altLang="en-US" sz="2400" dirty="0" smtClean="0">
                 <a:solidFill>
                   <a:srgbClr val="FF0000"/>
                 </a:solidFill>
+                <a:latin typeface="黑体" panose="02010609060101010101" pitchFamily="49" charset="-122"/>
+                <a:ea typeface="黑体" panose="02010609060101010101" pitchFamily="49" charset="-122"/>
               </a:rPr>
-              <a:t>预报技术</a:t>
-            </a:r>
-            <a:endParaRPr lang="zh-CN" altLang="en-US" sz="3600" b="1" dirty="0">
-              <a:solidFill>
-                <a:srgbClr val="FF0000"/>
-              </a:solidFill>
+              <a:t>服务</a:t>
+            </a:r>
+            <a:r>
+              <a:rPr lang="zh-CN" altLang="en-US" sz="2400" dirty="0">
+                <a:solidFill>
+                  <a:srgbClr val="FF0000"/>
+                </a:solidFill>
+                <a:latin typeface="黑体" panose="02010609060101010101" pitchFamily="49" charset="-122"/>
+                <a:ea typeface="黑体" panose="02010609060101010101" pitchFamily="49" charset="-122"/>
+              </a:rPr>
+              <a:t>形式</a:t>
+            </a:r>
+            <a:r>
+              <a:rPr lang="zh-CN" altLang="en-US" sz="2400" dirty="0" smtClean="0">
+                <a:solidFill>
+                  <a:srgbClr val="FF0000"/>
+                </a:solidFill>
+                <a:latin typeface="黑体" panose="02010609060101010101" pitchFamily="49" charset="-122"/>
+                <a:ea typeface="黑体" panose="02010609060101010101" pitchFamily="49" charset="-122"/>
+              </a:rPr>
+              <a:t>：</a:t>
+            </a:r>
+            <a:r>
+              <a:rPr lang="zh-CN" altLang="en-US" sz="2400" dirty="0">
+                <a:latin typeface="黑体" panose="02010609060101010101" pitchFamily="49" charset="-122"/>
+                <a:ea typeface="黑体" panose="02010609060101010101" pitchFamily="49" charset="-122"/>
+              </a:rPr>
+              <a:t>交易</a:t>
+            </a:r>
+            <a:r>
+              <a:rPr lang="zh-CN" altLang="en-US" sz="2400" dirty="0" smtClean="0">
+                <a:latin typeface="黑体" panose="02010609060101010101" pitchFamily="49" charset="-122"/>
+                <a:ea typeface="黑体" panose="02010609060101010101" pitchFamily="49" charset="-122"/>
+              </a:rPr>
+              <a:t>日</a:t>
+            </a:r>
+            <a:r>
+              <a:rPr lang="en-US" altLang="zh-CN" sz="2400" dirty="0" smtClean="0">
+                <a:latin typeface="黑体" panose="02010609060101010101" pitchFamily="49" charset="-122"/>
+                <a:ea typeface="黑体" panose="02010609060101010101" pitchFamily="49" charset="-122"/>
+              </a:rPr>
+              <a:t>9:30</a:t>
+            </a:r>
+            <a:r>
+              <a:rPr lang="zh-CN" altLang="en-US" sz="2400" dirty="0" smtClean="0">
+                <a:latin typeface="黑体" panose="02010609060101010101" pitchFamily="49" charset="-122"/>
+                <a:ea typeface="黑体" panose="02010609060101010101" pitchFamily="49" charset="-122"/>
+              </a:rPr>
+              <a:t>前发送简报</a:t>
+            </a:r>
+            <a:r>
+              <a:rPr lang="zh-CN" altLang="en-US" sz="2400" dirty="0">
+                <a:latin typeface="黑体" panose="02010609060101010101" pitchFamily="49" charset="-122"/>
+                <a:ea typeface="黑体" panose="02010609060101010101" pitchFamily="49" charset="-122"/>
+              </a:rPr>
+              <a:t>提供预测走势信息</a:t>
+            </a:r>
+            <a:endParaRPr lang="en-US" altLang="zh-CN" sz="2400" dirty="0">
+              <a:latin typeface="黑体" panose="02010609060101010101" pitchFamily="49" charset="-122"/>
+              <a:ea typeface="黑体" panose="02010609060101010101" pitchFamily="49" charset="-122"/>
             </a:endParaRPr>
           </a:p>
         </p:txBody>
       </p:sp>
       <p:sp>
         <p:nvSpPr>
-          <p:cNvPr id="5" name="TextBox 4"/>
+          <p:cNvPr id="6" name="TextBox 5"/>
           <p:cNvSpPr txBox="1"/>
           <p:nvPr/>
         </p:nvSpPr>
         <p:spPr>
           <a:xfrm>
-            <a:off x="539552" y="1700808"/>
-            <a:ext cx="7920880" cy="3046988"/>
+            <a:off x="1403648" y="4581128"/>
+            <a:ext cx="6681637" cy="583108"/>
           </a:xfrm>
           <a:prstGeom prst="rect">
             <a:avLst/>
@@ -3101,211 +6631,6 @@
           <a:noFill/>
         </p:spPr>
         <p:txBody>
-          <a:bodyPr wrap="square" rtlCol="0">
-            <a:spAutoFit/>
-          </a:bodyPr>
-          <a:lstStyle/>
-          <a:p>
-            <a:pPr>
-              <a:lnSpc>
-                <a:spcPct val="200000"/>
-              </a:lnSpc>
-            </a:pPr>
-            <a:r>
-              <a:rPr lang="zh-CN" altLang="en-US" sz="2400" dirty="0" smtClean="0">
-                <a:solidFill>
-                  <a:srgbClr val="0070C0"/>
-                </a:solidFill>
-                <a:latin typeface="黑体" panose="02010609060101010101" pitchFamily="49" charset="-122"/>
-                <a:ea typeface="黑体" panose="02010609060101010101" pitchFamily="49" charset="-122"/>
-              </a:rPr>
-              <a:t>技术简介：采用人工智能学习的方法，预测当日走势</a:t>
-            </a:r>
-            <a:endParaRPr lang="en-US" altLang="zh-CN" sz="2400" dirty="0" smtClean="0">
-              <a:solidFill>
-                <a:srgbClr val="0070C0"/>
-              </a:solidFill>
-              <a:latin typeface="黑体" panose="02010609060101010101" pitchFamily="49" charset="-122"/>
-              <a:ea typeface="黑体" panose="02010609060101010101" pitchFamily="49" charset="-122"/>
-            </a:endParaRPr>
-          </a:p>
-          <a:p>
-            <a:pPr>
-              <a:lnSpc>
-                <a:spcPct val="200000"/>
-              </a:lnSpc>
-            </a:pPr>
-            <a:r>
-              <a:rPr lang="zh-CN" altLang="en-US" sz="2400" dirty="0" smtClean="0">
-                <a:solidFill>
-                  <a:srgbClr val="0070C0"/>
-                </a:solidFill>
-                <a:latin typeface="黑体" panose="02010609060101010101" pitchFamily="49" charset="-122"/>
-                <a:ea typeface="黑体" panose="02010609060101010101" pitchFamily="49" charset="-122"/>
-              </a:rPr>
-              <a:t>服务内容：提供预测当日股市走势等智能信息</a:t>
-            </a:r>
-            <a:endParaRPr lang="en-US" altLang="zh-CN" sz="2400" dirty="0" smtClean="0">
-              <a:solidFill>
-                <a:srgbClr val="0070C0"/>
-              </a:solidFill>
-              <a:latin typeface="黑体" panose="02010609060101010101" pitchFamily="49" charset="-122"/>
-              <a:ea typeface="黑体" panose="02010609060101010101" pitchFamily="49" charset="-122"/>
-            </a:endParaRPr>
-          </a:p>
-          <a:p>
-            <a:pPr>
-              <a:lnSpc>
-                <a:spcPct val="200000"/>
-              </a:lnSpc>
-            </a:pPr>
-            <a:r>
-              <a:rPr lang="zh-CN" altLang="en-US" sz="2400" dirty="0" smtClean="0">
-                <a:solidFill>
-                  <a:srgbClr val="0070C0"/>
-                </a:solidFill>
-                <a:latin typeface="黑体" panose="02010609060101010101" pitchFamily="49" charset="-122"/>
-                <a:ea typeface="黑体" panose="02010609060101010101" pitchFamily="49" charset="-122"/>
-              </a:rPr>
-              <a:t>服务宗旨：让您做到未雨绸缪</a:t>
-            </a:r>
-            <a:endParaRPr lang="en-US" altLang="zh-CN" sz="2400" dirty="0" smtClean="0">
-              <a:solidFill>
-                <a:srgbClr val="0070C0"/>
-              </a:solidFill>
-              <a:latin typeface="黑体" panose="02010609060101010101" pitchFamily="49" charset="-122"/>
-              <a:ea typeface="黑体" panose="02010609060101010101" pitchFamily="49" charset="-122"/>
-            </a:endParaRPr>
-          </a:p>
-          <a:p>
-            <a:pPr>
-              <a:lnSpc>
-                <a:spcPct val="200000"/>
-              </a:lnSpc>
-            </a:pPr>
-            <a:r>
-              <a:rPr lang="zh-CN" altLang="en-US" sz="2400" dirty="0" smtClean="0">
-                <a:solidFill>
-                  <a:srgbClr val="0070C0"/>
-                </a:solidFill>
-                <a:latin typeface="黑体" panose="02010609060101010101" pitchFamily="49" charset="-122"/>
-                <a:ea typeface="黑体" panose="02010609060101010101" pitchFamily="49" charset="-122"/>
-              </a:rPr>
-              <a:t>服务形式：每日</a:t>
-            </a:r>
-            <a:r>
-              <a:rPr lang="en-US" altLang="zh-CN" sz="2400" dirty="0" smtClean="0">
-                <a:solidFill>
-                  <a:srgbClr val="0070C0"/>
-                </a:solidFill>
-                <a:latin typeface="黑体" panose="02010609060101010101" pitchFamily="49" charset="-122"/>
-                <a:ea typeface="黑体" panose="02010609060101010101" pitchFamily="49" charset="-122"/>
-              </a:rPr>
-              <a:t>9:30</a:t>
-            </a:r>
-            <a:r>
-              <a:rPr lang="zh-CN" altLang="en-US" sz="2400" dirty="0" smtClean="0">
-                <a:solidFill>
-                  <a:srgbClr val="0070C0"/>
-                </a:solidFill>
-                <a:latin typeface="黑体" panose="02010609060101010101" pitchFamily="49" charset="-122"/>
-                <a:ea typeface="黑体" panose="02010609060101010101" pitchFamily="49" charset="-122"/>
-              </a:rPr>
-              <a:t>前 发送</a:t>
-            </a:r>
-            <a:r>
-              <a:rPr lang="en-US" altLang="zh-CN" sz="2400" dirty="0" smtClean="0">
-                <a:solidFill>
-                  <a:srgbClr val="0070C0"/>
-                </a:solidFill>
-                <a:latin typeface="黑体" panose="02010609060101010101" pitchFamily="49" charset="-122"/>
-                <a:ea typeface="黑体" panose="02010609060101010101" pitchFamily="49" charset="-122"/>
-              </a:rPr>
-              <a:t>pdf</a:t>
-            </a:r>
-            <a:r>
-              <a:rPr lang="zh-CN" altLang="en-US" sz="2400" dirty="0" smtClean="0">
-                <a:solidFill>
-                  <a:srgbClr val="0070C0"/>
-                </a:solidFill>
-                <a:latin typeface="黑体" panose="02010609060101010101" pitchFamily="49" charset="-122"/>
-                <a:ea typeface="黑体" panose="02010609060101010101" pitchFamily="49" charset="-122"/>
-              </a:rPr>
-              <a:t>信息简报</a:t>
-            </a:r>
-            <a:endParaRPr lang="en-US" altLang="zh-CN" sz="2400" dirty="0" smtClean="0">
-              <a:solidFill>
-                <a:srgbClr val="0070C0"/>
-              </a:solidFill>
-              <a:latin typeface="黑体" panose="02010609060101010101" pitchFamily="49" charset="-122"/>
-              <a:ea typeface="黑体" panose="02010609060101010101" pitchFamily="49" charset="-122"/>
-            </a:endParaRPr>
-          </a:p>
-        </p:txBody>
-      </p:sp>
-      <p:sp>
-        <p:nvSpPr>
-          <p:cNvPr id="6" name="TextBox 5"/>
-          <p:cNvSpPr txBox="1"/>
-          <p:nvPr/>
-        </p:nvSpPr>
-        <p:spPr>
-          <a:xfrm>
-            <a:off x="2257548" y="5773380"/>
-            <a:ext cx="4253087" cy="461665"/>
-          </a:xfrm>
-          <a:prstGeom prst="rect">
-            <a:avLst/>
-          </a:prstGeom>
-          <a:noFill/>
-        </p:spPr>
-        <p:txBody>
-          <a:bodyPr wrap="none" rtlCol="0">
-            <a:spAutoFit/>
-          </a:bodyPr>
-          <a:lstStyle/>
-          <a:p>
-            <a:r>
-              <a:rPr lang="zh-CN" altLang="en-US" dirty="0"/>
-              <a:t> </a:t>
-            </a:r>
-            <a:r>
-              <a:rPr lang="en-US" altLang="zh-CN" sz="2400" dirty="0" err="1"/>
-              <a:t>qq</a:t>
-            </a:r>
-            <a:r>
-              <a:rPr lang="zh-CN" altLang="en-US" sz="2400" dirty="0" smtClean="0"/>
-              <a:t>联系方式： </a:t>
-            </a:r>
-            <a:r>
-              <a:rPr lang="en-US" altLang="zh-CN" sz="2400" dirty="0" smtClean="0"/>
-              <a:t>787687312 </a:t>
-            </a:r>
-            <a:r>
-              <a:rPr lang="zh-CN" altLang="en-US" sz="2400" dirty="0" smtClean="0"/>
-              <a:t>一行</a:t>
-            </a:r>
-            <a:endParaRPr lang="en-US" altLang="zh-CN" sz="2400" dirty="0" smtClean="0"/>
-          </a:p>
-        </p:txBody>
-      </p:sp>
-      <p:sp>
-        <p:nvSpPr>
-          <p:cNvPr id="7" name="TextBox 6"/>
-          <p:cNvSpPr txBox="1"/>
-          <p:nvPr/>
-        </p:nvSpPr>
-        <p:spPr>
-          <a:xfrm>
-            <a:off x="2234852" y="4777490"/>
-            <a:ext cx="3903633" cy="923330"/>
-          </a:xfrm>
-          <a:prstGeom prst="rect">
-            <a:avLst/>
-          </a:prstGeom>
-          <a:noFill/>
-        </p:spPr>
-        <p:txBody>
           <a:bodyPr wrap="none" rtlCol="0">
             <a:spAutoFit/>
           </a:bodyPr>
@@ -3317,77 +6642,25 @@
               </a:lnSpc>
             </a:pPr>
             <a:r>
-              <a:rPr lang="zh-CN" altLang="en-US" b="1" dirty="0" smtClean="0">
+              <a:rPr lang="zh-CN" altLang="en-US" sz="2400" b="1" dirty="0" smtClean="0">
                 <a:solidFill>
                   <a:srgbClr val="FF0000"/>
                 </a:solidFill>
               </a:rPr>
-              <a:t>我们服务的是信息</a:t>
-            </a:r>
-            <a:r>
-              <a:rPr lang="zh-CN" altLang="en-US" b="1" dirty="0" smtClean="0">
-                <a:solidFill>
-                  <a:srgbClr val="FF0000"/>
-                </a:solidFill>
-              </a:rPr>
-              <a:t>和技术，不荐股；</a:t>
-            </a:r>
-            <a:endParaRPr lang="en-US" altLang="zh-CN" b="1" dirty="0">
+              <a:t>免责声明：我们服务的是信息和技术，不荐股；</a:t>
+            </a:r>
+            <a:endParaRPr lang="en-US" altLang="zh-CN" sz="2400" b="1" dirty="0">
               <a:solidFill>
                 <a:srgbClr val="FF0000"/>
               </a:solidFill>
             </a:endParaRPr>
           </a:p>
-          <a:p>
-            <a:pPr>
-              <a:lnSpc>
-                <a:spcPct val="150000"/>
-              </a:lnSpc>
-            </a:pPr>
-            <a:r>
-              <a:rPr lang="zh-CN" altLang="en-US" b="1" dirty="0" smtClean="0">
-                <a:solidFill>
-                  <a:srgbClr val="FF0000"/>
-                </a:solidFill>
-              </a:rPr>
-              <a:t>每天收盘</a:t>
-            </a:r>
-            <a:r>
-              <a:rPr lang="zh-CN" altLang="en-US" b="1" dirty="0" smtClean="0">
-                <a:solidFill>
-                  <a:srgbClr val="FF0000"/>
-                </a:solidFill>
-              </a:rPr>
-              <a:t>后请根据心情适度</a:t>
-            </a:r>
-            <a:r>
-              <a:rPr lang="zh-CN" altLang="en-US" b="1" dirty="0" smtClean="0">
-                <a:solidFill>
-                  <a:srgbClr val="FF0000"/>
-                </a:solidFill>
-              </a:rPr>
-              <a:t>打</a:t>
-            </a:r>
-            <a:r>
-              <a:rPr lang="zh-CN" altLang="en-US" b="1" dirty="0" smtClean="0">
-                <a:solidFill>
-                  <a:srgbClr val="FF0000"/>
-                </a:solidFill>
-              </a:rPr>
-              <a:t>赏；</a:t>
-            </a:r>
-            <a:endParaRPr lang="en-US" altLang="zh-CN" b="1" dirty="0" smtClean="0">
-              <a:solidFill>
-                <a:srgbClr val="FF0000"/>
-              </a:solidFill>
-            </a:endParaRPr>
-          </a:p>
         </p:txBody>
       </p:sp>
     </p:spTree>
     <p:extLst>
       <p:ext uri="{BB962C8B-B14F-4D97-AF65-F5344CB8AC3E}">
-        <p14:creationId xmlns:p14="http://schemas.microsoft.com/office/powerpoint/2010/main" val="352654619"/>
+        <p14:creationId xmlns:p14="http://schemas.microsoft.com/office/powerpoint/2010/main" val="3167790607"/>
       </p:ext>
     </p:extLst>
   </p:cSld>
@@ -3435,8 +6708,8 @@
         </p:blipFill>
         <p:spPr>
           <a:xfrm>
-            <a:off x="4283968" y="0"/>
-            <a:ext cx="4320480" cy="3240360"/>
+            <a:off x="4298808" y="260648"/>
+            <a:ext cx="4372285" cy="3240360"/>
           </a:xfrm>
           <a:prstGeom prst="rect">
             <a:avLst/>
@@ -3457,7 +6730,7 @@
         </p:blipFill>
         <p:spPr>
           <a:xfrm>
-            <a:off x="4283968" y="3452482"/>
+            <a:off x="4298808" y="3573016"/>
             <a:ext cx="4424091" cy="3144870"/>
           </a:xfrm>
           <a:prstGeom prst="rect">
@@ -3473,8 +6746,8 @@
         </p:nvSpPr>
         <p:spPr>
           <a:xfrm>
-            <a:off x="323528" y="323364"/>
-            <a:ext cx="2113079" cy="461665"/>
+            <a:off x="539551" y="1484784"/>
+            <a:ext cx="3180679" cy="2308324"/>
           </a:xfrm>
           <a:prstGeom prst="rect">
             <a:avLst/>
@@ -3487,13 +6760,66 @@
           <a:lstStyle/>
           <a:p>
             <a:r>
-              <a:rPr lang="en-US" altLang="zh-CN" sz="2400" dirty="0" smtClean="0"/>
+              <a:rPr lang="zh-CN" altLang="en-US" sz="2400" dirty="0" smtClean="0">
+                <a:latin typeface="方正大黑简体" pitchFamily="65" charset="-122"/>
+                <a:ea typeface="方正大黑简体" pitchFamily="65" charset="-122"/>
+              </a:rPr>
+              <a:t>时间：</a:t>
+            </a:r>
+            <a:r>
+              <a:rPr lang="en-US" altLang="zh-CN" sz="2400" dirty="0" smtClean="0">
+                <a:latin typeface="方正大黑简体" pitchFamily="65" charset="-122"/>
+                <a:ea typeface="方正大黑简体" pitchFamily="65" charset="-122"/>
+              </a:rPr>
               <a:t>20160708 </a:t>
             </a:r>
             <a:r>
-              <a:rPr lang="zh-CN" altLang="en-US" sz="2400" dirty="0" smtClean="0"/>
+              <a:rPr lang="zh-CN" altLang="en-US" sz="2400" dirty="0" smtClean="0">
+                <a:latin typeface="方正大黑简体" pitchFamily="65" charset="-122"/>
+                <a:ea typeface="方正大黑简体" pitchFamily="65" charset="-122"/>
+              </a:rPr>
               <a:t>周五</a:t>
             </a:r>
+            <a:endParaRPr lang="en-US" altLang="zh-CN" sz="2400" dirty="0" smtClean="0">
+              <a:latin typeface="方正大黑简体" pitchFamily="65" charset="-122"/>
+              <a:ea typeface="方正大黑简体" pitchFamily="65" charset="-122"/>
+            </a:endParaRPr>
+          </a:p>
+          <a:p>
+            <a:endParaRPr lang="en-US" altLang="zh-CN" sz="2400" dirty="0">
+              <a:latin typeface="方正大黑简体" pitchFamily="65" charset="-122"/>
+              <a:ea typeface="方正大黑简体" pitchFamily="65" charset="-122"/>
+            </a:endParaRPr>
+          </a:p>
+          <a:p>
+            <a:r>
+              <a:rPr lang="zh-CN" altLang="en-US" sz="2400" dirty="0">
+                <a:latin typeface="方正大黑简体" pitchFamily="65" charset="-122"/>
+                <a:ea typeface="方正大黑简体" pitchFamily="65" charset="-122"/>
+              </a:rPr>
+              <a:t>预测结果评估分析：</a:t>
+            </a:r>
+            <a:endParaRPr lang="en-US" altLang="zh-CN" sz="2400" dirty="0">
+              <a:latin typeface="方正大黑简体" pitchFamily="65" charset="-122"/>
+              <a:ea typeface="方正大黑简体" pitchFamily="65" charset="-122"/>
+            </a:endParaRPr>
+          </a:p>
+          <a:p>
+            <a:endParaRPr lang="en-US" altLang="zh-CN" sz="2400" dirty="0">
+              <a:latin typeface="方正大黑简体" pitchFamily="65" charset="-122"/>
+              <a:ea typeface="方正大黑简体" pitchFamily="65" charset="-122"/>
+            </a:endParaRPr>
+          </a:p>
+          <a:p>
+            <a:r>
+              <a:rPr lang="zh-CN" altLang="en-US" sz="2400" dirty="0">
+                <a:latin typeface="方正大黑简体" pitchFamily="65" charset="-122"/>
+                <a:ea typeface="方正大黑简体" pitchFamily="65" charset="-122"/>
+              </a:rPr>
+              <a:t>走势基本一致</a:t>
+            </a:r>
+          </a:p>
+          <a:p>
             <a:endParaRPr lang="zh-CN" altLang="en-US" sz="2400" dirty="0"/>
           </a:p>
         </p:txBody>
@@ -3506,7 +6832,7 @@
         </p:nvSpPr>
         <p:spPr>
           <a:xfrm>
-            <a:off x="4645749" y="692696"/>
+            <a:off x="4788024" y="801962"/>
             <a:ext cx="646331" cy="369332"/>
           </a:xfrm>
           <a:prstGeom prst="rect">
@@ -3544,7 +6870,7 @@
         </p:nvSpPr>
         <p:spPr>
           <a:xfrm>
-            <a:off x="4645749" y="3933056"/>
+            <a:off x="4716016" y="4005064"/>
             <a:ext cx="646331" cy="369332"/>
           </a:xfrm>
           <a:prstGeom prst="rect">
@@ -3566,6 +6892,113 @@
               </a:rPr>
               <a:t>实际</a:t>
             </a:r>
+          </a:p>
+        </p:txBody>
+      </p:sp>
+      <p:sp>
+        <p:nvSpPr>
+          <p:cNvPr id="2" name="TextBox 1"/>
+          <p:cNvSpPr txBox="1"/>
+          <p:nvPr/>
+        </p:nvSpPr>
+        <p:spPr>
+          <a:xfrm>
+            <a:off x="107504" y="419036"/>
+            <a:ext cx="4121641" cy="400110"/>
+          </a:xfrm>
+          <a:prstGeom prst="rect">
+            <a:avLst/>
+          </a:prstGeom>
+          <a:noFill/>
+        </p:spPr>
+        <p:txBody>
+          <a:bodyPr wrap="none" rtlCol="0">
+            <a:spAutoFit/>
+          </a:bodyPr>
+          <a:lstStyle/>
+          <a:p>
+            <a:pPr marL="342900" indent="-342900">
+              <a:buFont typeface="Wingdings" pitchFamily="2" charset="2"/>
+              <a:buChar char="ü"/>
+            </a:pPr>
+            <a:r>
+              <a:rPr lang="zh-CN" altLang="en-US" sz="2000" dirty="0" smtClean="0">
+                <a:solidFill>
+                  <a:srgbClr val="FF0000"/>
+                </a:solidFill>
+              </a:rPr>
+              <a:t>最近交易日预测及实际分析对比</a:t>
+            </a:r>
+            <a:endParaRPr lang="zh-CN" altLang="en-US" sz="2000" dirty="0">
+              <a:solidFill>
+                <a:srgbClr val="FF0000"/>
+              </a:solidFill>
+            </a:endParaRPr>
+          </a:p>
+        </p:txBody>
+      </p:sp>
+      <p:sp>
+        <p:nvSpPr>
+          <p:cNvPr id="3" name="矩形 2"/>
+          <p:cNvSpPr/>
+          <p:nvPr/>
+        </p:nvSpPr>
+        <p:spPr>
+          <a:xfrm>
+            <a:off x="539551" y="5145451"/>
+            <a:ext cx="2847254" cy="523220"/>
+          </a:xfrm>
+          <a:prstGeom prst="rect">
+            <a:avLst/>
+          </a:prstGeom>
+        </p:spPr>
+        <p:txBody>
+          <a:bodyPr wrap="none">
+            <a:spAutoFit/>
+          </a:bodyPr>
+          <a:lstStyle/>
+          <a:p>
+            <a:r>
+              <a:rPr lang="en-US" altLang="zh-CN" sz="2800" dirty="0" err="1">
+                <a:solidFill>
+                  <a:srgbClr val="FF0000"/>
+                </a:solidFill>
+                <a:latin typeface="Arial Unicode MS" pitchFamily="34" charset="-122"/>
+                <a:ea typeface="Arial Unicode MS" pitchFamily="34" charset="-122"/>
+                <a:cs typeface="Arial Unicode MS" pitchFamily="34" charset="-122"/>
+                <a:sym typeface="Arial" charset="0"/>
+              </a:rPr>
+              <a:t>qq</a:t>
+            </a:r>
+            <a:r>
+              <a:rPr lang="zh-CN" altLang="en-US" sz="2800" dirty="0">
+                <a:solidFill>
+                  <a:srgbClr val="FF0000"/>
+                </a:solidFill>
+                <a:latin typeface="Arial Unicode MS" pitchFamily="34" charset="-122"/>
+                <a:ea typeface="Arial Unicode MS" pitchFamily="34" charset="-122"/>
+                <a:cs typeface="Arial Unicode MS" pitchFamily="34" charset="-122"/>
+                <a:sym typeface="Arial" charset="0"/>
+              </a:rPr>
+              <a:t>：</a:t>
+            </a:r>
+            <a:r>
+              <a:rPr lang="en-US" altLang="zh-CN" sz="2800" dirty="0">
+                <a:solidFill>
+                  <a:srgbClr val="FF0000"/>
+                </a:solidFill>
+                <a:latin typeface="Arial Unicode MS" pitchFamily="34" charset="-122"/>
+                <a:ea typeface="Arial Unicode MS" pitchFamily="34" charset="-122"/>
+                <a:cs typeface="Arial Unicode MS" pitchFamily="34" charset="-122"/>
+                <a:sym typeface="Arial" charset="0"/>
+              </a:rPr>
+              <a:t>787687312 </a:t>
+            </a:r>
+            <a:endParaRPr lang="zh-CN" altLang="en-US" sz="2800" dirty="0">
+              <a:solidFill>
+                <a:srgbClr val="FF0000"/>
+              </a:solidFill>
+            </a:endParaRPr>
           </a:p>
         </p:txBody>
       </p:sp>
@@ -3652,39 +7085,6 @@
       </p:pic>
       <p:sp>
         <p:nvSpPr>
-          <p:cNvPr id="6" name="矩形 5"/>
-          <p:cNvSpPr/>
-          <p:nvPr/>
-        </p:nvSpPr>
-        <p:spPr>
-          <a:xfrm>
-            <a:off x="323528" y="323364"/>
-            <a:ext cx="1635384" cy="369332"/>
-          </a:xfrm>
-          <a:prstGeom prst="rect">
-            <a:avLst/>
-          </a:prstGeom>
-        </p:spPr>
-        <p:txBody>
-          <a:bodyPr wrap="none">
-            <a:spAutoFit/>
-          </a:bodyPr>
-          <a:lstStyle/>
-          <a:p>
-            <a:r>
-              <a:rPr lang="en-US" altLang="zh-CN" dirty="0" smtClean="0"/>
-              <a:t>20160707 </a:t>
-            </a:r>
-            <a:r>
-              <a:rPr lang="zh-CN" altLang="en-US" dirty="0" smtClean="0"/>
-              <a:t>周四</a:t>
-            </a:r>
-            <a:endParaRPr lang="zh-CN" altLang="en-US" dirty="0"/>
-          </a:p>
-        </p:txBody>
-      </p:sp>
-      <p:sp>
-        <p:nvSpPr>
           <p:cNvPr id="7" name="TextBox 6"/>
           <p:cNvSpPr txBox="1"/>
           <p:nvPr/>
@@ -3751,6 +7151,210 @@
               </a:rPr>
               <a:t>实际</a:t>
             </a:r>
+          </a:p>
+        </p:txBody>
+      </p:sp>
+      <p:sp>
+        <p:nvSpPr>
+          <p:cNvPr id="9" name="TextBox 8"/>
+          <p:cNvSpPr txBox="1"/>
+          <p:nvPr/>
+        </p:nvSpPr>
+        <p:spPr>
+          <a:xfrm>
+            <a:off x="107504" y="419036"/>
+            <a:ext cx="4121641" cy="400110"/>
+          </a:xfrm>
+          <a:prstGeom prst="rect">
+            <a:avLst/>
+          </a:prstGeom>
+          <a:noFill/>
+        </p:spPr>
+        <p:txBody>
+          <a:bodyPr wrap="none" rtlCol="0">
+            <a:spAutoFit/>
+          </a:bodyPr>
+          <a:lstStyle/>
+          <a:p>
+            <a:pPr marL="342900" indent="-342900">
+              <a:buFont typeface="Wingdings" pitchFamily="2" charset="2"/>
+              <a:buChar char="ü"/>
+            </a:pPr>
+            <a:r>
+              <a:rPr lang="zh-CN" altLang="en-US" sz="2000" dirty="0" smtClean="0">
+                <a:solidFill>
+                  <a:srgbClr val="FF0000"/>
+                </a:solidFill>
+              </a:rPr>
+              <a:t>最近交易日预测及实际分析对比</a:t>
+            </a:r>
+            <a:endParaRPr lang="zh-CN" altLang="en-US" sz="2000" dirty="0">
+              <a:solidFill>
+                <a:srgbClr val="FF0000"/>
+              </a:solidFill>
+            </a:endParaRPr>
+          </a:p>
+        </p:txBody>
+      </p:sp>
+      <p:sp>
+        <p:nvSpPr>
+          <p:cNvPr id="10" name="TextBox 9"/>
+          <p:cNvSpPr txBox="1"/>
+          <p:nvPr/>
+        </p:nvSpPr>
+        <p:spPr>
+          <a:xfrm>
+            <a:off x="323528" y="1708374"/>
+            <a:ext cx="2935419" cy="1938992"/>
+          </a:xfrm>
+          <a:prstGeom prst="rect">
+            <a:avLst/>
+          </a:prstGeom>
+          <a:noFill/>
+        </p:spPr>
+        <p:txBody>
+          <a:bodyPr wrap="none" rtlCol="0">
+            <a:spAutoFit/>
+          </a:bodyPr>
+          <a:lstStyle/>
+          <a:p>
+            <a:r>
+              <a:rPr lang="zh-CN" altLang="en-US" sz="2000" dirty="0">
+                <a:latin typeface="方正大黑简体" pitchFamily="65" charset="-122"/>
+                <a:ea typeface="方正大黑简体" pitchFamily="65" charset="-122"/>
+              </a:rPr>
+              <a:t>交易日</a:t>
+            </a:r>
+            <a:r>
+              <a:rPr lang="zh-CN" altLang="en-US" sz="2000" dirty="0" smtClean="0">
+                <a:latin typeface="方正大黑简体" pitchFamily="65" charset="-122"/>
+                <a:ea typeface="方正大黑简体" pitchFamily="65" charset="-122"/>
+              </a:rPr>
+              <a:t>：</a:t>
+            </a:r>
+            <a:r>
+              <a:rPr lang="en-US" altLang="zh-CN" sz="2000" dirty="0">
+                <a:latin typeface="方正大黑简体" pitchFamily="65" charset="-122"/>
+                <a:ea typeface="方正大黑简体" pitchFamily="65" charset="-122"/>
+              </a:rPr>
+              <a:t>20160707 </a:t>
+            </a:r>
+            <a:r>
+              <a:rPr lang="zh-CN" altLang="en-US" sz="2000" dirty="0">
+                <a:latin typeface="方正大黑简体" pitchFamily="65" charset="-122"/>
+                <a:ea typeface="方正大黑简体" pitchFamily="65" charset="-122"/>
+              </a:rPr>
+              <a:t>周四</a:t>
+            </a:r>
+          </a:p>
+          <a:p>
+            <a:endParaRPr lang="en-US" altLang="zh-CN" sz="2000" dirty="0" smtClean="0">
+              <a:latin typeface="方正大黑简体" pitchFamily="65" charset="-122"/>
+              <a:ea typeface="方正大黑简体" pitchFamily="65" charset="-122"/>
+            </a:endParaRPr>
+          </a:p>
+          <a:p>
+            <a:endParaRPr lang="en-US" altLang="zh-CN" sz="2000" dirty="0" smtClean="0">
+              <a:latin typeface="方正大黑简体" pitchFamily="65" charset="-122"/>
+              <a:ea typeface="方正大黑简体" pitchFamily="65" charset="-122"/>
+            </a:endParaRPr>
+          </a:p>
+          <a:p>
+            <a:r>
+              <a:rPr lang="zh-CN" altLang="en-US" sz="2000" dirty="0" smtClean="0">
+                <a:latin typeface="方正大黑简体" pitchFamily="65" charset="-122"/>
+                <a:ea typeface="方正大黑简体" pitchFamily="65" charset="-122"/>
+              </a:rPr>
+              <a:t>预测结果评估分析：</a:t>
+            </a:r>
+            <a:endParaRPr lang="en-US" altLang="zh-CN" sz="2000" dirty="0" smtClean="0">
+              <a:latin typeface="方正大黑简体" pitchFamily="65" charset="-122"/>
+              <a:ea typeface="方正大黑简体" pitchFamily="65" charset="-122"/>
+            </a:endParaRPr>
+          </a:p>
+          <a:p>
+            <a:endParaRPr lang="en-US" altLang="zh-CN" sz="2000" dirty="0">
+              <a:latin typeface="方正大黑简体" pitchFamily="65" charset="-122"/>
+              <a:ea typeface="方正大黑简体" pitchFamily="65" charset="-122"/>
+            </a:endParaRPr>
+          </a:p>
+          <a:p>
+            <a:r>
+              <a:rPr lang="zh-CN" altLang="en-US" sz="2000" dirty="0" smtClean="0">
+                <a:latin typeface="方正大黑简体" pitchFamily="65" charset="-122"/>
+                <a:ea typeface="方正大黑简体" pitchFamily="65" charset="-122"/>
+              </a:rPr>
+              <a:t>波动基本一致</a:t>
+            </a:r>
+            <a:endParaRPr lang="zh-CN" altLang="en-US" sz="2000" dirty="0">
+              <a:latin typeface="方正大黑简体" pitchFamily="65" charset="-122"/>
+              <a:ea typeface="方正大黑简体" pitchFamily="65" charset="-122"/>
+            </a:endParaRPr>
+          </a:p>
+        </p:txBody>
+      </p:sp>
+      <p:sp>
+        <p:nvSpPr>
+          <p:cNvPr id="11" name="矩形 10"/>
+          <p:cNvSpPr/>
+          <p:nvPr/>
+        </p:nvSpPr>
+        <p:spPr>
+          <a:xfrm>
+            <a:off x="539551" y="5145451"/>
+            <a:ext cx="2847254" cy="523220"/>
+          </a:xfrm>
+          <a:prstGeom prst="rect">
+            <a:avLst/>
+          </a:prstGeom>
+        </p:spPr>
+        <p:txBody>
+          <a:bodyPr wrap="none">
+            <a:spAutoFit/>
+          </a:bodyPr>
+          <a:lstStyle/>
+          <a:p>
+            <a:r>
+              <a:rPr lang="en-US" altLang="zh-CN" sz="2800" dirty="0" err="1">
+                <a:solidFill>
+                  <a:srgbClr val="FF0000"/>
+                </a:solidFill>
+                <a:latin typeface="Arial Unicode MS" pitchFamily="34" charset="-122"/>
+                <a:ea typeface="Arial Unicode MS" pitchFamily="34" charset="-122"/>
+                <a:cs typeface="Arial Unicode MS" pitchFamily="34" charset="-122"/>
+                <a:sym typeface="Arial" charset="0"/>
+              </a:rPr>
+              <a:t>qq</a:t>
+            </a:r>
+            <a:r>
+              <a:rPr lang="zh-CN" altLang="en-US" sz="2800" dirty="0">
+                <a:solidFill>
+                  <a:srgbClr val="FF0000"/>
+                </a:solidFill>
+                <a:latin typeface="Arial Unicode MS" pitchFamily="34" charset="-122"/>
+                <a:ea typeface="Arial Unicode MS" pitchFamily="34" charset="-122"/>
+                <a:cs typeface="Arial Unicode MS" pitchFamily="34" charset="-122"/>
+                <a:sym typeface="Arial" charset="0"/>
+              </a:rPr>
+              <a:t>：</a:t>
+            </a:r>
+            <a:r>
+              <a:rPr lang="en-US" altLang="zh-CN" sz="2800" dirty="0">
+                <a:solidFill>
+                  <a:srgbClr val="FF0000"/>
+                </a:solidFill>
+                <a:latin typeface="Arial Unicode MS" pitchFamily="34" charset="-122"/>
+                <a:ea typeface="Arial Unicode MS" pitchFamily="34" charset="-122"/>
+                <a:cs typeface="Arial Unicode MS" pitchFamily="34" charset="-122"/>
+                <a:sym typeface="Arial" charset="0"/>
+              </a:rPr>
+              <a:t>787687312 </a:t>
+            </a:r>
+            <a:endParaRPr lang="zh-CN" altLang="en-US" sz="2800" dirty="0">
+              <a:solidFill>
+                <a:srgbClr val="FF0000"/>
+              </a:solidFill>
+            </a:endParaRPr>
           </a:p>
         </p:txBody>
       </p:sp>
@@ -3791,39 +7395,6 @@
           <a:chExt cx="0" cy="0"/>
         </a:xfrm>
       </p:grpSpPr>
-      <p:sp>
-        <p:nvSpPr>
-          <p:cNvPr id="4" name="矩形 3"/>
-          <p:cNvSpPr/>
-          <p:nvPr/>
-        </p:nvSpPr>
-        <p:spPr>
-          <a:xfrm>
-            <a:off x="323528" y="323364"/>
-            <a:ext cx="1635384" cy="369332"/>
-          </a:xfrm>
-          <a:prstGeom prst="rect">
-            <a:avLst/>
-          </a:prstGeom>
-        </p:spPr>
-        <p:txBody>
-          <a:bodyPr wrap="none">
-            <a:spAutoFit/>
-          </a:bodyPr>
-          <a:lstStyle/>
-          <a:p>
-            <a:r>
-              <a:rPr lang="en-US" altLang="zh-CN" dirty="0" smtClean="0"/>
-              <a:t>20160706 </a:t>
-            </a:r>
-            <a:r>
-              <a:rPr lang="zh-CN" altLang="en-US" dirty="0" smtClean="0"/>
-              <a:t>周三</a:t>
-            </a:r>
-            <a:endParaRPr lang="zh-CN" altLang="en-US" dirty="0"/>
-          </a:p>
-        </p:txBody>
-      </p:sp>
       <p:pic>
         <p:nvPicPr>
           <p:cNvPr id="5" name="图片 4"/>
@@ -3876,8 +7447,8 @@
         </p:nvSpPr>
         <p:spPr>
           <a:xfrm>
-            <a:off x="755576" y="1190627"/>
-            <a:ext cx="3185487" cy="369332"/>
+            <a:off x="249447" y="1705822"/>
+            <a:ext cx="3185487" cy="1477328"/>
           </a:xfrm>
           <a:prstGeom prst="rect">
             <a:avLst/>
@@ -3891,10 +7462,64 @@
           <a:lstStyle/>
           <a:p>
             <a:r>
-              <a:rPr lang="zh-CN" altLang="en-US" dirty="0" smtClean="0"/>
+              <a:rPr lang="zh-CN" altLang="en-US" dirty="0">
+                <a:latin typeface="方正大黑简体" pitchFamily="65" charset="-122"/>
+                <a:ea typeface="方正大黑简体" pitchFamily="65" charset="-122"/>
+              </a:rPr>
+              <a:t>交易日 ：</a:t>
+            </a:r>
+            <a:r>
+              <a:rPr lang="en-US" altLang="zh-CN" dirty="0">
+                <a:latin typeface="方正大黑简体" pitchFamily="65" charset="-122"/>
+                <a:ea typeface="方正大黑简体" pitchFamily="65" charset="-122"/>
+              </a:rPr>
+              <a:t>20160706 </a:t>
+            </a:r>
+            <a:r>
+              <a:rPr lang="zh-CN" altLang="en-US" dirty="0">
+                <a:latin typeface="方正大黑简体" pitchFamily="65" charset="-122"/>
+                <a:ea typeface="方正大黑简体" pitchFamily="65" charset="-122"/>
+              </a:rPr>
+              <a:t>周三</a:t>
+            </a:r>
+          </a:p>
+          <a:p>
+            <a:endParaRPr lang="en-US" altLang="zh-CN" dirty="0" smtClean="0">
+              <a:latin typeface="方正大黑简体" pitchFamily="65" charset="-122"/>
+              <a:ea typeface="方正大黑简体" pitchFamily="65" charset="-122"/>
+            </a:endParaRPr>
+          </a:p>
+          <a:p>
+            <a:r>
+              <a:rPr lang="zh-CN" altLang="en-US" dirty="0" smtClean="0">
+                <a:latin typeface="方正大黑简体" pitchFamily="65" charset="-122"/>
+                <a:ea typeface="方正大黑简体" pitchFamily="65" charset="-122"/>
+              </a:rPr>
+              <a:t>预测结果评估分析：</a:t>
+            </a:r>
+            <a:endParaRPr lang="en-US" altLang="zh-CN" dirty="0" smtClean="0">
+              <a:latin typeface="方正大黑简体" pitchFamily="65" charset="-122"/>
+              <a:ea typeface="方正大黑简体" pitchFamily="65" charset="-122"/>
+            </a:endParaRPr>
+          </a:p>
+          <a:p>
+            <a:endParaRPr lang="en-US" altLang="zh-CN" dirty="0">
+              <a:latin typeface="方正大黑简体" pitchFamily="65" charset="-122"/>
+              <a:ea typeface="方正大黑简体" pitchFamily="65" charset="-122"/>
+            </a:endParaRPr>
+          </a:p>
+          <a:p>
+            <a:r>
+              <a:rPr lang="zh-CN" altLang="en-US" dirty="0" smtClean="0">
+                <a:latin typeface="方正大黑简体" pitchFamily="65" charset="-122"/>
+                <a:ea typeface="方正大黑简体" pitchFamily="65" charset="-122"/>
+              </a:rPr>
               <a:t>盘前预测早盘打压，尾盘拉升</a:t>
             </a:r>
-            <a:endParaRPr lang="zh-CN" altLang="en-US" dirty="0"/>
+            <a:endParaRPr lang="zh-CN" altLang="en-US" dirty="0">
+              <a:latin typeface="方正大黑简体" pitchFamily="65" charset="-122"/>
+              <a:ea typeface="方正大黑简体" pitchFamily="65" charset="-122"/>
+            </a:endParaRPr>
           </a:p>
         </p:txBody>
       </p:sp>
@@ -3966,6 +7591,113 @@
               </a:rPr>
               <a:t>实际</a:t>
             </a:r>
+          </a:p>
+        </p:txBody>
+      </p:sp>
+      <p:sp>
+        <p:nvSpPr>
+          <p:cNvPr id="10" name="TextBox 9"/>
+          <p:cNvSpPr txBox="1"/>
+          <p:nvPr/>
+        </p:nvSpPr>
+        <p:spPr>
+          <a:xfrm>
+            <a:off x="18311" y="188640"/>
+            <a:ext cx="4121641" cy="400110"/>
+          </a:xfrm>
+          <a:prstGeom prst="rect">
+            <a:avLst/>
+          </a:prstGeom>
+          <a:noFill/>
+        </p:spPr>
+        <p:txBody>
+          <a:bodyPr wrap="none" rtlCol="0">
+            <a:spAutoFit/>
+          </a:bodyPr>
+          <a:lstStyle/>
+          <a:p>
+            <a:pPr marL="342900" indent="-342900">
+              <a:buFont typeface="Wingdings" pitchFamily="2" charset="2"/>
+              <a:buChar char="ü"/>
+            </a:pPr>
+            <a:r>
+              <a:rPr lang="zh-CN" altLang="en-US" sz="2000" dirty="0" smtClean="0">
+                <a:solidFill>
+                  <a:srgbClr val="FF0000"/>
+                </a:solidFill>
+              </a:rPr>
+              <a:t>最近交易日预测及实际分析对比</a:t>
+            </a:r>
+            <a:endParaRPr lang="zh-CN" altLang="en-US" sz="2000" dirty="0">
+              <a:solidFill>
+                <a:srgbClr val="FF0000"/>
+              </a:solidFill>
+            </a:endParaRPr>
+          </a:p>
+        </p:txBody>
+      </p:sp>
+      <p:sp>
+        <p:nvSpPr>
+          <p:cNvPr id="11" name="矩形 10"/>
+          <p:cNvSpPr/>
+          <p:nvPr/>
+        </p:nvSpPr>
+        <p:spPr>
+          <a:xfrm>
+            <a:off x="539551" y="5145451"/>
+            <a:ext cx="2847254" cy="523220"/>
+          </a:xfrm>
+          <a:prstGeom prst="rect">
+            <a:avLst/>
+          </a:prstGeom>
+        </p:spPr>
+        <p:txBody>
+          <a:bodyPr wrap="none">
+            <a:spAutoFit/>
+          </a:bodyPr>
+          <a:lstStyle/>
+          <a:p>
+            <a:r>
+              <a:rPr lang="en-US" altLang="zh-CN" sz="2800" dirty="0" err="1">
+                <a:solidFill>
+                  <a:srgbClr val="FF0000"/>
+                </a:solidFill>
+                <a:latin typeface="Arial Unicode MS" pitchFamily="34" charset="-122"/>
+                <a:ea typeface="Arial Unicode MS" pitchFamily="34" charset="-122"/>
+                <a:cs typeface="Arial Unicode MS" pitchFamily="34" charset="-122"/>
+                <a:sym typeface="Arial" charset="0"/>
+              </a:rPr>
+              <a:t>qq</a:t>
+            </a:r>
+            <a:r>
+              <a:rPr lang="zh-CN" altLang="en-US" sz="2800" dirty="0">
+                <a:solidFill>
+                  <a:srgbClr val="FF0000"/>
+                </a:solidFill>
+                <a:latin typeface="Arial Unicode MS" pitchFamily="34" charset="-122"/>
+                <a:ea typeface="Arial Unicode MS" pitchFamily="34" charset="-122"/>
+                <a:cs typeface="Arial Unicode MS" pitchFamily="34" charset="-122"/>
+                <a:sym typeface="Arial" charset="0"/>
+              </a:rPr>
+              <a:t>：</a:t>
+            </a:r>
+            <a:r>
+              <a:rPr lang="en-US" altLang="zh-CN" sz="2800" dirty="0">
+                <a:solidFill>
+                  <a:srgbClr val="FF0000"/>
+                </a:solidFill>
+                <a:latin typeface="Arial Unicode MS" pitchFamily="34" charset="-122"/>
+                <a:ea typeface="Arial Unicode MS" pitchFamily="34" charset="-122"/>
+                <a:cs typeface="Arial Unicode MS" pitchFamily="34" charset="-122"/>
+                <a:sym typeface="Arial" charset="0"/>
+              </a:rPr>
+              <a:t>787687312 </a:t>
+            </a:r>
+            <a:endParaRPr lang="zh-CN" altLang="en-US" sz="2800" dirty="0">
+              <a:solidFill>
+                <a:srgbClr val="FF0000"/>
+              </a:solidFill>
+            </a:endParaRPr>
           </a:p>
         </p:txBody>
       </p:sp>
@@ -3986,6 +7718,165 @@
       </p:par>
     </p:tnLst>
   </p:timing>
+</p:sld>
+</file>
+
+<file path=ppt/slides/slide5.xml><?xml version="1.0" encoding="utf-8"?>
+<p:sld xmlns:a="http://schemas.openxmlformats.org/drawingml/2006/main" xmlns:r="http://schemas.openxmlformats.org/officeDocument/2006/relationships" xmlns:p="http://schemas.openxmlformats.org/presentationml/2006/main">
+  <p:cSld>
+    <p:spTree>
+      <p:nvGrpSpPr>
+        <p:cNvPr id="1" name=""/>
+        <p:cNvGrpSpPr/>
+        <p:nvPr/>
+      </p:nvGrpSpPr>
+      <p:grpSpPr>
+        <a:xfrm>
+          <a:off x="0" y="0"/>
+          <a:ext cx="0" cy="0"/>
+          <a:chOff x="0" y="0"/>
+          <a:chExt cx="0" cy="0"/>
+        </a:xfrm>
+      </p:grpSpPr>
+      <p:pic>
+        <p:nvPicPr>
+          <p:cNvPr id="1027" name="Picture 3"/>
+          <p:cNvPicPr>
+            <a:picLocks noChangeAspect="1" noChangeArrowheads="1"/>
+          </p:cNvPicPr>
+          <p:nvPr/>
+        </p:nvPicPr>
+        <p:blipFill>
+          <a:blip r:embed="rId2">
+            <a:extLst>
+              <a:ext uri="{28A0092B-C50C-407E-A947-70E740481C1C}">
+                <a14:useLocalDpi xmlns:a14="http://schemas.microsoft.com/office/drawing/2010/main" val="0"/>
+              </a:ext>
+            </a:extLst>
+          </a:blip>
+          <a:srcRect/>
+          <a:stretch>
+            <a:fillRect/>
+          </a:stretch>
+        </p:blipFill>
+        <p:spPr bwMode="auto">
+          <a:xfrm>
+            <a:off x="462780" y="476672"/>
+            <a:ext cx="8252618" cy="5544616"/>
+          </a:xfrm>
+          <a:prstGeom prst="rect">
+            <a:avLst/>
+          </a:prstGeom>
+          <a:noFill/>
+          <a:ln>
+            <a:noFill/>
+          </a:ln>
+          <a:effectLst/>
+          <a:extLst>
+            <a:ext uri="{909E8E84-426E-40DD-AFC4-6F175D3DCCD1}">
+              <a14:hiddenFill xmlns:a14="http://schemas.microsoft.com/office/drawing/2010/main">
+                <a:solidFill>
+                  <a:schemeClr val="accent1"/>
+                </a:solidFill>
+              </a14:hiddenFill>
+            </a:ext>
+            <a:ext uri="{91240B29-F687-4F45-9708-019B960494DF}">
+              <a14:hiddenLine xmlns:a14="http://schemas.microsoft.com/office/drawing/2010/main" w="9525">
+                <a:solidFill>
+                  <a:schemeClr val="tx1"/>
+                </a:solidFill>
+                <a:miter lim="800000"/>
+                <a:headEnd/>
+                <a:tailEnd/>
+              </a14:hiddenLine>
+            </a:ext>
+            <a:ext uri="{AF507438-7753-43E0-B8FC-AC1667EBCBE1}">
+              <a14:hiddenEffects xmlns:a14="http://schemas.microsoft.com/office/drawing/2010/main">
+                <a:effectLst>
+                  <a:outerShdw dist="35921" dir="2700000" algn="ctr" rotWithShape="0">
+                    <a:schemeClr val="bg2"/>
+                  </a:outerShdw>
+                </a:effectLst>
+              </a14:hiddenEffects>
+            </a:ext>
+          </a:extLst>
+        </p:spPr>
+      </p:pic>
+      <p:sp>
+        <p:nvSpPr>
+          <p:cNvPr id="3" name="矩形 2"/>
+          <p:cNvSpPr/>
+          <p:nvPr/>
+        </p:nvSpPr>
+        <p:spPr>
+          <a:xfrm>
+            <a:off x="5868144" y="1268760"/>
+            <a:ext cx="2847254" cy="523220"/>
+          </a:xfrm>
+          <a:prstGeom prst="rect">
+            <a:avLst/>
+          </a:prstGeom>
+        </p:spPr>
+        <p:txBody>
+          <a:bodyPr wrap="none">
+            <a:spAutoFit/>
+          </a:bodyPr>
+          <a:lstStyle/>
+          <a:p>
+            <a:r>
+              <a:rPr lang="en-US" altLang="zh-CN" sz="2800" dirty="0" err="1">
+                <a:solidFill>
+                  <a:srgbClr val="FF0000"/>
+                </a:solidFill>
+                <a:latin typeface="Arial Unicode MS" pitchFamily="34" charset="-122"/>
+                <a:ea typeface="Arial Unicode MS" pitchFamily="34" charset="-122"/>
+                <a:cs typeface="Arial Unicode MS" pitchFamily="34" charset="-122"/>
+                <a:sym typeface="Arial" charset="0"/>
+              </a:rPr>
+              <a:t>qq</a:t>
+            </a:r>
+            <a:r>
+              <a:rPr lang="zh-CN" altLang="en-US" sz="2800" dirty="0">
+                <a:solidFill>
+                  <a:srgbClr val="FF0000"/>
+                </a:solidFill>
+                <a:latin typeface="Arial Unicode MS" pitchFamily="34" charset="-122"/>
+                <a:ea typeface="Arial Unicode MS" pitchFamily="34" charset="-122"/>
+                <a:cs typeface="Arial Unicode MS" pitchFamily="34" charset="-122"/>
+                <a:sym typeface="Arial" charset="0"/>
+              </a:rPr>
+              <a:t>：</a:t>
+            </a:r>
+            <a:r>
+              <a:rPr lang="en-US" altLang="zh-CN" sz="2800" dirty="0">
+                <a:solidFill>
+                  <a:srgbClr val="FF0000"/>
+                </a:solidFill>
+                <a:latin typeface="Arial Unicode MS" pitchFamily="34" charset="-122"/>
+                <a:ea typeface="Arial Unicode MS" pitchFamily="34" charset="-122"/>
+                <a:cs typeface="Arial Unicode MS" pitchFamily="34" charset="-122"/>
+                <a:sym typeface="Arial" charset="0"/>
+              </a:rPr>
+              <a:t>787687312 </a:t>
+            </a:r>
+            <a:endParaRPr lang="zh-CN" altLang="en-US" sz="2800" dirty="0">
+              <a:solidFill>
+                <a:srgbClr val="FF0000"/>
+              </a:solidFill>
+            </a:endParaRPr>
+          </a:p>
+        </p:txBody>
+      </p:sp>
+    </p:spTree>
+    <p:extLst>
+      <p:ext uri="{BB962C8B-B14F-4D97-AF65-F5344CB8AC3E}">
+        <p14:creationId xmlns:p14="http://schemas.microsoft.com/office/powerpoint/2010/main" val="3081635517"/>
+      </p:ext>
+    </p:extLst>
+  </p:cSld>
+  <p:clrMapOvr>
+    <a:masterClrMapping/>
+  </p:clrMapOvr>
 </p:sld>
 </file>
 
@@ -4270,4 +8161,289 @@
   <a:objectDefaults/>
   <a:extraClrSchemeLst/>
 </a:theme>
+</file>
+
+<file path=ppt/theme/theme2.xml><?xml version="1.0" encoding="utf-8"?>
+<a:theme xmlns:a="http://schemas.openxmlformats.org/drawingml/2006/main" name="自定义设计方案">
+  <a:themeElements>
+    <a:clrScheme name="Office">
+      <a:dk1>
+        <a:sysClr val="windowText" lastClr="000000"/>
+      </a:dk1>
+      <a:lt1>
+        <a:sysClr val="window" lastClr="FFFFFF"/>
+      </a:lt1>
+      <a:dk2>
+        <a:srgbClr val="1F497D"/>
+      </a:dk2>
+      <a:lt2>
+        <a:srgbClr val="EEECE1"/>
+      </a:lt2>
+      <a:accent1>
+        <a:srgbClr val="4F81BD"/>
+      </a:accent1>
+      <a:accent2>
+        <a:srgbClr val="C0504D"/>
+      </a:accent2>
+      <a:accent3>
+        <a:srgbClr val="9BBB59"/>
+      </a:accent3>
+      <a:accent4>
+        <a:srgbClr val="8064A2"/>
+      </a:accent4>
+      <a:accent5>
+        <a:srgbClr val="4BACC6"/>
+      </a:accent5>
+      <a:accent6>
+        <a:srgbClr val="F79646"/>
+      </a:accent6>
+      <a:hlink>
+        <a:srgbClr val="0000FF"/>
+      </a:hlink>
+      <a:folHlink>
+        <a:srgbClr val="800080"/>
+      </a:folHlink>
+    </a:clrScheme>
+    <a:fontScheme name="Office">
+      <a:majorFont>
+        <a:latin typeface="Calibri"/>
+        <a:ea typeface=""/>
+        <a:cs typeface=""/>
+        <a:font script="Jpan" typeface="ＭＳ Ｐゴシック"/>
+        <a:font script="Hang" typeface="맑은 고딕"/>
+        <a:font script="Hans" typeface="宋体"/>
+        <a:font script="Hant" typeface="新細明體"/>
+        <a:font script="Arab" typeface="Times New Roman"/>
+        <a:font script="Hebr" typeface="Times New Roman"/>
+        <a:font script="Thai" typeface="Angsana New"/>
+        <a:font script="Ethi" typeface="Nyala"/>
+        <a:font script="Beng" typeface="Vrinda"/>
+        <a:font script="Gujr" typeface="Shruti"/>
+        <a:font script="Khmr" typeface="MoolBoran"/>
+        <a:font script="Knda" typeface="Tunga"/>
+        <a:font script="Guru" typeface="Raavi"/>
+        <a:font script="Cans" typeface="Euphemia"/>
+        <a:font script="Cher" typeface="Plantagenet Cherokee"/>
+        <a:font script="Yiii" typeface="Microsoft Yi Baiti"/>
+        <a:font script="Tibt" typeface="Microsoft Himalaya"/>
+        <a:font script="Thaa" typeface="MV Boli"/>
+        <a:font script="Deva" typeface="Mangal"/>
+        <a:font script="Telu" typeface="Gautami"/>
+        <a:font script="Taml" typeface="Latha"/>
+        <a:font script="Syrc" typeface="Estrangelo Edessa"/>
+        <a:font script="Orya" typeface="Kalinga"/>
+        <a:font script="Mlym" typeface="Kartika"/>
+        <a:font script="Laoo" typeface="DokChampa"/>
+        <a:font script="Sinh" typeface="Iskoola Pota"/>
+        <a:font script="Mong" typeface="Mongolian Baiti"/>
+        <a:font script="Viet" typeface="Times New Roman"/>
+        <a:font script="Uigh" typeface="Microsoft Uighur"/>
+        <a:font script="Geor" typeface="Sylfaen"/>
+      </a:majorFont>
+      <a:minorFont>
+        <a:latin typeface="Calibri"/>
+        <a:ea typeface=""/>
+        <a:cs typeface=""/>
+        <a:font script="Jpan" typeface="ＭＳ Ｐゴシック"/>
+        <a:font script="Hang" typeface="맑은 고딕"/>
+        <a:font script="Hans" typeface="宋体"/>
+        <a:font script="Hant" typeface="新細明體"/>
+        <a:font script="Arab" typeface="Arial"/>
+        <a:font script="Hebr" typeface="Arial"/>
+        <a:font script="Thai" typeface="Cordia New"/>
+        <a:font script="Ethi" typeface="Nyala"/>
+        <a:font script="Beng" typeface="Vrinda"/>
+        <a:font script="Gujr" typeface="Shruti"/>
+        <a:font script="Khmr" typeface="DaunPenh"/>
+        <a:font script="Knda" typeface="Tunga"/>
+        <a:font script="Guru" typeface="Raavi"/>
+        <a:font script="Cans" typeface="Euphemia"/>
+        <a:font script="Cher" typeface="Plantagenet Cherokee"/>
+        <a:font script="Yiii" typeface="Microsoft Yi Baiti"/>
+        <a:font script="Tibt" typeface="Microsoft Himalaya"/>
+        <a:font script="Thaa" typeface="MV Boli"/>
+        <a:font script="Deva" typeface="Mangal"/>
+        <a:font script="Telu" typeface="Gautami"/>
+        <a:font script="Taml" typeface="Latha"/>
+        <a:font script="Syrc" typeface="Estrangelo Edessa"/>
+        <a:font script="Orya" typeface="Kalinga"/>
+        <a:font script="Mlym" typeface="Kartika"/>
+        <a:font script="Laoo" typeface="DokChampa"/>
+        <a:font script="Sinh" typeface="Iskoola Pota"/>
+        <a:font script="Mong" typeface="Mongolian Baiti"/>
+        <a:font script="Viet" typeface="Arial"/>
+        <a:font script="Uigh" typeface="Microsoft Uighur"/>
+        <a:font script="Geor" typeface="Sylfaen"/>
+      </a:minorFont>
+    </a:fontScheme>
+    <a:fmtScheme name="Office">
+      <a:fillStyleLst>
+        <a:solidFill>
+          <a:schemeClr val="phClr"/>
+        </a:solidFill>
+        <a:gradFill rotWithShape="1">
+          <a:gsLst>
+            <a:gs pos="0">
+              <a:schemeClr val="phClr">
+                <a:tint val="50000"/>
+                <a:satMod val="300000"/>
+              </a:schemeClr>
+            </a:gs>
+            <a:gs pos="35000">
+              <a:schemeClr val="phClr">
+                <a:tint val="37000"/>
+                <a:satMod val="300000"/>
+              </a:schemeClr>
+            </a:gs>
+            <a:gs pos="100000">
+              <a:schemeClr val="phClr">
+                <a:tint val="15000"/>
+                <a:satMod val="350000"/>
+              </a:schemeClr>
+            </a:gs>
+          </a:gsLst>
+          <a:lin ang="16200000" scaled="1"/>
+        </a:gradFill>
+        <a:gradFill rotWithShape="1">
+          <a:gsLst>
+            <a:gs pos="0">
+              <a:schemeClr val="phClr">
+                <a:shade val="51000"/>
+                <a:satMod val="130000"/>
+              </a:schemeClr>
+            </a:gs>
+            <a:gs pos="80000">
+              <a:schemeClr val="phClr">
+                <a:shade val="93000"/>
+                <a:satMod val="130000"/>
+              </a:schemeClr>
+            </a:gs>
+            <a:gs pos="100000">
+              <a:schemeClr val="phClr">
+                <a:shade val="94000"/>
+                <a:satMod val="135000"/>
+              </a:schemeClr>
+            </a:gs>
+          </a:gsLst>
+          <a:lin ang="16200000" scaled="0"/>
+        </a:gradFill>
+      </a:fillStyleLst>
+      <a:lnStyleLst>
+        <a:ln w="9525" cap="flat" cmpd="sng" algn="ctr">
+          <a:solidFill>
+            <a:schemeClr val="phClr">
+              <a:shade val="95000"/>
+              <a:satMod val="105000"/>
+            </a:schemeClr>
+          </a:solidFill>
+          <a:prstDash val="solid"/>
+        </a:ln>
+        <a:ln w="25400" cap="flat" cmpd="sng" algn="ctr">
+          <a:solidFill>
+            <a:schemeClr val="phClr"/>
+          </a:solidFill>
+          <a:prstDash val="solid"/>
+        </a:ln>
+        <a:ln w="38100" cap="flat" cmpd="sng" algn="ctr">
+          <a:solidFill>
+            <a:schemeClr val="phClr"/>
+          </a:solidFill>
+          <a:prstDash val="solid"/>
+        </a:ln>
+      </a:lnStyleLst>
+      <a:effectStyleLst>
+        <a:effectStyle>
+          <a:effectLst>
+            <a:outerShdw blurRad="40000" dist="20000" dir="5400000" rotWithShape="0">
+              <a:srgbClr val="000000">
+                <a:alpha val="38000"/>
+              </a:srgbClr>
+            </a:outerShdw>
+          </a:effectLst>
+        </a:effectStyle>
+        <a:effectStyle>
+          <a:effectLst>
+            <a:outerShdw blurRad="40000" dist="23000" dir="5400000" rotWithShape="0">
+              <a:srgbClr val="000000">
+                <a:alpha val="35000"/>
+              </a:srgbClr>
+            </a:outerShdw>
+          </a:effectLst>
+        </a:effectStyle>
+        <a:effectStyle>
+          <a:effectLst>
+            <a:outerShdw blurRad="40000" dist="23000" dir="5400000" rotWithShape="0">
+              <a:srgbClr val="000000">
+                <a:alpha val="35000"/>
+              </a:srgbClr>
+            </a:outerShdw>
+          </a:effectLst>
+          <a:scene3d>
+            <a:camera prst="orthographicFront">
+              <a:rot lat="0" lon="0" rev="0"/>
+            </a:camera>
+            <a:lightRig rig="threePt" dir="t">
+              <a:rot lat="0" lon="0" rev="1200000"/>
+            </a:lightRig>
+          </a:scene3d>
+          <a:sp3d>
+            <a:bevelT w="63500" h="25400"/>
+          </a:sp3d>
+        </a:effectStyle>
+      </a:effectStyleLst>
+      <a:bgFillStyleLst>
+        <a:solidFill>
+          <a:schemeClr val="phClr"/>
+        </a:solidFill>
+        <a:gradFill rotWithShape="1">
+          <a:gsLst>
+            <a:gs pos="0">
+              <a:schemeClr val="phClr">
+                <a:tint val="40000"/>
+                <a:satMod val="350000"/>
+              </a:schemeClr>
+            </a:gs>
+            <a:gs pos="40000">
+              <a:schemeClr val="phClr">
+                <a:tint val="45000"/>
+                <a:shade val="99000"/>
+                <a:satMod val="350000"/>
+              </a:schemeClr>
+            </a:gs>
+            <a:gs pos="100000">
+              <a:schemeClr val="phClr">
+                <a:shade val="20000"/>
+                <a:satMod val="255000"/>
+              </a:schemeClr>
+            </a:gs>
+          </a:gsLst>
+          <a:path path="circle">
+            <a:fillToRect l="50000" t="-80000" r="50000" b="180000"/>
+          </a:path>
+        </a:gradFill>
+        <a:gradFill rotWithShape="1">
+          <a:gsLst>
+            <a:gs pos="0">
+              <a:schemeClr val="phClr">
+                <a:tint val="80000"/>
+                <a:satMod val="300000"/>
+              </a:schemeClr>
+            </a:gs>
+            <a:gs pos="100000">
+              <a:schemeClr val="phClr">
+                <a:shade val="30000"/>
+                <a:satMod val="200000"/>
+              </a:schemeClr>
+            </a:gs>
+          </a:gsLst>
+          <a:path path="circle">
+            <a:fillToRect l="50000" t="50000" r="50000" b="50000"/>
+          </a:path>
+        </a:gradFill>
+      </a:bgFillStyleLst>
+    </a:fmtScheme>
+  </a:themeElements>
+  <a:objectDefaults/>
+  <a:extraClrSchemeLst/>
+</a:theme>
 </file>